--- a/STAT3013 Project draft5.pptx
+++ b/STAT3013 Project draft5.pptx
@@ -5,7 +5,7 @@
     <p:sldMasterId id="2147483648" r:id="rId1"/>
   </p:sldMasterIdLst>
   <p:notesMasterIdLst>
-    <p:notesMasterId r:id="rId31"/>
+    <p:notesMasterId r:id="rId32"/>
   </p:notesMasterIdLst>
   <p:sldIdLst>
     <p:sldId id="256" r:id="rId2"/>
@@ -15,28 +15,29 @@
     <p:sldId id="265" r:id="rId6"/>
     <p:sldId id="266" r:id="rId7"/>
     <p:sldId id="269" r:id="rId8"/>
-    <p:sldId id="267" r:id="rId9"/>
-    <p:sldId id="277" r:id="rId10"/>
-    <p:sldId id="264" r:id="rId11"/>
-    <p:sldId id="275" r:id="rId12"/>
-    <p:sldId id="276" r:id="rId13"/>
-    <p:sldId id="268" r:id="rId14"/>
-    <p:sldId id="271" r:id="rId15"/>
-    <p:sldId id="273" r:id="rId16"/>
-    <p:sldId id="274" r:id="rId17"/>
-    <p:sldId id="258" r:id="rId18"/>
-    <p:sldId id="286" r:id="rId19"/>
-    <p:sldId id="281" r:id="rId20"/>
-    <p:sldId id="280" r:id="rId21"/>
-    <p:sldId id="282" r:id="rId22"/>
-    <p:sldId id="283" r:id="rId23"/>
-    <p:sldId id="284" r:id="rId24"/>
-    <p:sldId id="285" r:id="rId25"/>
-    <p:sldId id="259" r:id="rId26"/>
-    <p:sldId id="260" r:id="rId27"/>
-    <p:sldId id="261" r:id="rId28"/>
-    <p:sldId id="278" r:id="rId29"/>
-    <p:sldId id="279" r:id="rId30"/>
+    <p:sldId id="287" r:id="rId9"/>
+    <p:sldId id="267" r:id="rId10"/>
+    <p:sldId id="277" r:id="rId11"/>
+    <p:sldId id="264" r:id="rId12"/>
+    <p:sldId id="275" r:id="rId13"/>
+    <p:sldId id="276" r:id="rId14"/>
+    <p:sldId id="268" r:id="rId15"/>
+    <p:sldId id="271" r:id="rId16"/>
+    <p:sldId id="273" r:id="rId17"/>
+    <p:sldId id="274" r:id="rId18"/>
+    <p:sldId id="258" r:id="rId19"/>
+    <p:sldId id="286" r:id="rId20"/>
+    <p:sldId id="281" r:id="rId21"/>
+    <p:sldId id="280" r:id="rId22"/>
+    <p:sldId id="282" r:id="rId23"/>
+    <p:sldId id="283" r:id="rId24"/>
+    <p:sldId id="284" r:id="rId25"/>
+    <p:sldId id="285" r:id="rId26"/>
+    <p:sldId id="259" r:id="rId27"/>
+    <p:sldId id="260" r:id="rId28"/>
+    <p:sldId id="261" r:id="rId29"/>
+    <p:sldId id="278" r:id="rId30"/>
+    <p:sldId id="279" r:id="rId31"/>
   </p:sldIdLst>
   <p:sldSz cx="9144000" cy="6858000" type="screen4x3"/>
   <p:notesSz cx="6858000" cy="9144000"/>
@@ -221,7 +222,7 @@
             <a:fld id="{3D14189E-669F-4446-8107-AA75AE2ACCE5}" type="datetimeFigureOut">
               <a:rPr lang="en-AU" smtClean="0"/>
               <a:pPr/>
-              <a:t>16/05/2016</a:t>
+              <a:t>16/05/16</a:t>
             </a:fld>
             <a:endParaRPr lang="en-AU"/>
           </a:p>
@@ -381,7 +382,7 @@
             <a:fld id="{D795D3F8-AA5B-4E58-9602-70EDB6AF1C76}" type="slidenum">
               <a:rPr lang="en-AU" smtClean="0"/>
               <a:pPr/>
-              <a:t>‹nr.›</a:t>
+              <a:t>‹#›</a:t>
             </a:fld>
             <a:endParaRPr lang="en-AU"/>
           </a:p>
@@ -390,7 +391,7 @@
     </p:spTree>
     <p:extLst>
       <p:ext uri="{BB962C8B-B14F-4D97-AF65-F5344CB8AC3E}">
-        <p14:creationId xmlns:p14="http://schemas.microsoft.com/office/powerpoint/2010/main" xmlns="" val="2542092092"/>
+        <p14:creationId xmlns:p14="http://schemas.microsoft.com/office/powerpoint/2010/main" val="2542092092"/>
       </p:ext>
     </p:extLst>
   </p:cSld>
@@ -565,7 +566,7 @@
     </p:spTree>
     <p:extLst>
       <p:ext uri="{BB962C8B-B14F-4D97-AF65-F5344CB8AC3E}">
-        <p14:creationId xmlns:p14="http://schemas.microsoft.com/office/powerpoint/2010/main" xmlns="" val="3230627134"/>
+        <p14:creationId xmlns:p14="http://schemas.microsoft.com/office/powerpoint/2010/main" val="3230627134"/>
       </p:ext>
     </p:extLst>
   </p:cSld>
@@ -657,7 +658,7 @@
             <a:fld id="{D795D3F8-AA5B-4E58-9602-70EDB6AF1C76}" type="slidenum">
               <a:rPr lang="en-AU" smtClean="0"/>
               <a:pPr/>
-              <a:t>13</a:t>
+              <a:t>14</a:t>
             </a:fld>
             <a:endParaRPr lang="en-AU"/>
           </a:p>
@@ -666,7 +667,7 @@
     </p:spTree>
     <p:extLst>
       <p:ext uri="{BB962C8B-B14F-4D97-AF65-F5344CB8AC3E}">
-        <p14:creationId xmlns:p14="http://schemas.microsoft.com/office/powerpoint/2010/main" xmlns="" val="3587996171"/>
+        <p14:creationId xmlns:p14="http://schemas.microsoft.com/office/powerpoint/2010/main" val="3587996171"/>
       </p:ext>
     </p:extLst>
   </p:cSld>
@@ -914,7 +915,7 @@
             <a:fld id="{D795D3F8-AA5B-4E58-9602-70EDB6AF1C76}" type="slidenum">
               <a:rPr lang="en-AU" smtClean="0"/>
               <a:pPr/>
-              <a:t>14</a:t>
+              <a:t>15</a:t>
             </a:fld>
             <a:endParaRPr lang="en-AU" dirty="0"/>
           </a:p>
@@ -923,7 +924,7 @@
     </p:spTree>
     <p:extLst>
       <p:ext uri="{BB962C8B-B14F-4D97-AF65-F5344CB8AC3E}">
-        <p14:creationId xmlns:p14="http://schemas.microsoft.com/office/powerpoint/2010/main" xmlns="" val="1441271580"/>
+        <p14:creationId xmlns:p14="http://schemas.microsoft.com/office/powerpoint/2010/main" val="1441271580"/>
       </p:ext>
     </p:extLst>
   </p:cSld>
@@ -1016,8 +1017,26 @@
           <a:p>
             <a:r>
               <a:rPr lang="en-US" baseline="0" dirty="0" smtClean="0"/>
-              <a:t>Unlike the incidence of pediatric brain cancer in Florida, this data is binomially distributed. We had to adjust the model fitting.</a:t>
-            </a:r>
+              <a:t>Unlike the incidence of pediatric brain cancer in Florida, this data is binomially distributed. We had to adjust the model fitting</a:t>
+            </a:r>
+            <a:r>
+              <a:rPr lang="en-US" baseline="0" dirty="0" smtClean="0"/>
+              <a:t>. TALK MORE ABOUT DIFFERENCES BETWEEN OUR DATA – not incidence, not a rare disease. </a:t>
+            </a:r>
+          </a:p>
+          <a:p>
+            <a:endParaRPr lang="en-US" baseline="0" dirty="0" smtClean="0"/>
+          </a:p>
+          <a:p>
+            <a:r>
+              <a:rPr lang="en-US" baseline="0" dirty="0" smtClean="0"/>
+              <a:t>Talk about the fact we couldn’t get cancer data by post code. Or any data of rare diseases by post code freely online. Because of privacy/confidentiality reasons</a:t>
+            </a:r>
+            <a:r>
+              <a:rPr lang="en-US" baseline="0" smtClean="0"/>
+              <a:t>. </a:t>
+            </a:r>
+            <a:endParaRPr lang="en-US" baseline="0" dirty="0" smtClean="0"/>
           </a:p>
           <a:p>
             <a:endParaRPr lang="en-US" baseline="0" dirty="0" smtClean="0"/>
@@ -1058,8 +1077,13 @@
             </a:r>
             <a:r>
               <a:rPr lang="en-US" baseline="0" dirty="0" smtClean="0"/>
-              <a:t> if and only if they shared a boundary.</a:t>
-            </a:r>
+              <a:t> if and only if they shared a boundary</a:t>
+            </a:r>
+            <a:r>
+              <a:rPr lang="en-US" baseline="0" dirty="0" smtClean="0"/>
+              <a:t>. This appears to be the standard definition in the literature.</a:t>
+            </a:r>
+            <a:endParaRPr lang="en-US" baseline="0" dirty="0" smtClean="0"/>
           </a:p>
         </p:txBody>
       </p:sp>
@@ -1081,7 +1105,7 @@
             <a:fld id="{D795D3F8-AA5B-4E58-9602-70EDB6AF1C76}" type="slidenum">
               <a:rPr lang="en-AU" smtClean="0"/>
               <a:pPr/>
-              <a:t>15</a:t>
+              <a:t>16</a:t>
             </a:fld>
             <a:endParaRPr lang="en-AU"/>
           </a:p>
@@ -1090,7 +1114,7 @@
     </p:spTree>
     <p:extLst>
       <p:ext uri="{BB962C8B-B14F-4D97-AF65-F5344CB8AC3E}">
-        <p14:creationId xmlns:p14="http://schemas.microsoft.com/office/powerpoint/2010/main" xmlns="" val="3576167926"/>
+        <p14:creationId xmlns:p14="http://schemas.microsoft.com/office/powerpoint/2010/main" val="3576167926"/>
       </p:ext>
     </p:extLst>
   </p:cSld>
@@ -1223,7 +1247,7 @@
             <a:fld id="{D795D3F8-AA5B-4E58-9602-70EDB6AF1C76}" type="slidenum">
               <a:rPr lang="en-AU" smtClean="0"/>
               <a:pPr/>
-              <a:t>16</a:t>
+              <a:t>17</a:t>
             </a:fld>
             <a:endParaRPr lang="en-AU"/>
           </a:p>
@@ -1232,7 +1256,7 @@
     </p:spTree>
     <p:extLst>
       <p:ext uri="{BB962C8B-B14F-4D97-AF65-F5344CB8AC3E}">
-        <p14:creationId xmlns:p14="http://schemas.microsoft.com/office/powerpoint/2010/main" xmlns="" val="1530755661"/>
+        <p14:creationId xmlns:p14="http://schemas.microsoft.com/office/powerpoint/2010/main" val="1530755661"/>
       </p:ext>
     </p:extLst>
   </p:cSld>
@@ -1288,7 +1312,11 @@
           <a:p>
             <a:r>
               <a:rPr lang="en-US" dirty="0" smtClean="0"/>
-              <a:t>We are considering two models.</a:t>
+              <a:t>We </a:t>
+            </a:r>
+            <a:r>
+              <a:rPr lang="en-US" dirty="0" smtClean="0"/>
+              <a:t>are considering two models.</a:t>
             </a:r>
             <a:r>
               <a:rPr lang="en-US" baseline="0" dirty="0" smtClean="0"/>
@@ -1412,12 +1440,20 @@
               <a:t>To be very </a:t>
             </a:r>
             <a:r>
-              <a:rPr lang="en-US" baseline="0" dirty="0" err="1" smtClean="0"/>
-              <a:t>inprecise</a:t>
-            </a:r>
-            <a:r>
               <a:rPr lang="en-US" baseline="0" dirty="0" smtClean="0"/>
-              <a:t> the method consist op 3 steps</a:t>
+              <a:t>imprecise </a:t>
+            </a:r>
+            <a:r>
+              <a:rPr lang="en-US" baseline="0" dirty="0" smtClean="0"/>
+              <a:t>the method consist </a:t>
+            </a:r>
+            <a:r>
+              <a:rPr lang="en-US" baseline="0" dirty="0" smtClean="0"/>
+              <a:t>of </a:t>
+            </a:r>
+            <a:r>
+              <a:rPr lang="en-US" baseline="0" dirty="0" smtClean="0"/>
+              <a:t>3 steps</a:t>
             </a:r>
           </a:p>
           <a:p>
@@ -1437,12 +1473,12 @@
               <a:t> using </a:t>
             </a:r>
             <a:r>
-              <a:rPr lang="en-US" baseline="0" dirty="0" err="1" smtClean="0"/>
-              <a:t>laplace</a:t>
-            </a:r>
-            <a:r>
               <a:rPr lang="en-US" baseline="0" dirty="0" smtClean="0"/>
-              <a:t> approximation</a:t>
+              <a:t>Laplace </a:t>
+            </a:r>
+            <a:r>
+              <a:rPr lang="en-US" baseline="0" dirty="0" smtClean="0"/>
+              <a:t>approximation</a:t>
             </a:r>
           </a:p>
           <a:p>
@@ -1454,20 +1490,20 @@
               <a:t>Compute </a:t>
             </a:r>
             <a:r>
-              <a:rPr lang="en-US" baseline="0" dirty="0" err="1" smtClean="0"/>
-              <a:t>laplace</a:t>
-            </a:r>
-            <a:r>
               <a:rPr lang="en-US" baseline="0" dirty="0" smtClean="0"/>
-              <a:t> approximation of the </a:t>
-            </a:r>
-            <a:r>
-              <a:rPr lang="en-US" baseline="0" dirty="0" err="1" smtClean="0"/>
-              <a:t>gaussian</a:t>
+              <a:t>Laplace </a:t>
             </a:r>
             <a:r>
               <a:rPr lang="en-US" baseline="0" dirty="0" smtClean="0"/>
-              <a:t> parameters conditioned on the </a:t>
+              <a:t>approximation of the </a:t>
+            </a:r>
+            <a:r>
+              <a:rPr lang="en-US" baseline="0" dirty="0" smtClean="0"/>
+              <a:t>Gaussian </a:t>
+            </a:r>
+            <a:r>
+              <a:rPr lang="en-US" baseline="0" dirty="0" smtClean="0"/>
+              <a:t>parameters conditioned on the </a:t>
             </a:r>
             <a:r>
               <a:rPr lang="en-US" baseline="0" dirty="0" err="1" smtClean="0"/>
@@ -1502,12 +1538,12 @@
               <a:t>This method is a lot faster and in general produce </a:t>
             </a:r>
             <a:r>
-              <a:rPr lang="en-US" baseline="0" dirty="0" err="1" smtClean="0"/>
-              <a:t>simular</a:t>
-            </a:r>
-            <a:r>
               <a:rPr lang="en-US" baseline="0" dirty="0" smtClean="0"/>
-              <a:t> results </a:t>
+              <a:t>similar </a:t>
+            </a:r>
+            <a:r>
+              <a:rPr lang="en-US" baseline="0" dirty="0" smtClean="0"/>
+              <a:t>results </a:t>
             </a:r>
           </a:p>
           <a:p>
@@ -1533,7 +1569,7 @@
             <a:fld id="{D795D3F8-AA5B-4E58-9602-70EDB6AF1C76}" type="slidenum">
               <a:rPr lang="en-AU" smtClean="0"/>
               <a:pPr/>
-              <a:t>17</a:t>
+              <a:t>18</a:t>
             </a:fld>
             <a:endParaRPr lang="en-AU"/>
           </a:p>
@@ -1542,7 +1578,7 @@
     </p:spTree>
     <p:extLst>
       <p:ext uri="{BB962C8B-B14F-4D97-AF65-F5344CB8AC3E}">
-        <p14:creationId xmlns:p14="http://schemas.microsoft.com/office/powerpoint/2010/main" xmlns="" val="1705061339"/>
+        <p14:creationId xmlns:p14="http://schemas.microsoft.com/office/powerpoint/2010/main" val="1705061339"/>
       </p:ext>
     </p:extLst>
   </p:cSld>
@@ -1599,431 +1635,74 @@
           <a:lstStyle/>
           <a:p>
             <a:r>
-              <a:rPr lang="da-DK" dirty="0" smtClean="0"/>
-              <a:t>The BYM model in </a:t>
-            </a:r>
-            <a:r>
-              <a:rPr lang="da-DK" dirty="0" err="1" smtClean="0"/>
-              <a:t>our</a:t>
-            </a:r>
-            <a:r>
-              <a:rPr lang="da-DK" dirty="0" smtClean="0"/>
-              <a:t> </a:t>
-            </a:r>
-            <a:r>
-              <a:rPr lang="da-DK" dirty="0" err="1" smtClean="0"/>
-              <a:t>extension</a:t>
-            </a:r>
-            <a:r>
-              <a:rPr lang="da-DK" dirty="0" smtClean="0"/>
-              <a:t> has</a:t>
-            </a:r>
-            <a:r>
-              <a:rPr lang="da-DK" baseline="0" dirty="0" smtClean="0"/>
-              <a:t> </a:t>
-            </a:r>
-            <a:r>
-              <a:rPr lang="da-DK" baseline="0" dirty="0" err="1" smtClean="0"/>
-              <a:t>these</a:t>
-            </a:r>
-            <a:r>
-              <a:rPr lang="da-DK" baseline="0" dirty="0" smtClean="0"/>
-              <a:t> </a:t>
-            </a:r>
-            <a:r>
-              <a:rPr lang="da-DK" baseline="0" dirty="0" err="1" smtClean="0"/>
-              <a:t>specifications</a:t>
-            </a:r>
-            <a:r>
-              <a:rPr lang="da-DK" baseline="0" dirty="0" smtClean="0"/>
-              <a:t>, all of </a:t>
-            </a:r>
-            <a:r>
-              <a:rPr lang="da-DK" baseline="0" dirty="0" err="1" smtClean="0"/>
-              <a:t>which</a:t>
-            </a:r>
-            <a:r>
-              <a:rPr lang="da-DK" baseline="0" dirty="0" smtClean="0"/>
-              <a:t> </a:t>
-            </a:r>
-            <a:r>
-              <a:rPr lang="da-DK" baseline="0" dirty="0" err="1" smtClean="0"/>
-              <a:t>are</a:t>
-            </a:r>
-            <a:r>
-              <a:rPr lang="da-DK" baseline="0" dirty="0" smtClean="0"/>
-              <a:t> </a:t>
-            </a:r>
-            <a:r>
-              <a:rPr lang="da-DK" baseline="0" dirty="0" err="1" smtClean="0"/>
-              <a:t>very</a:t>
-            </a:r>
-            <a:r>
-              <a:rPr lang="da-DK" baseline="0" dirty="0" smtClean="0"/>
-              <a:t> </a:t>
-            </a:r>
-            <a:r>
-              <a:rPr lang="da-DK" baseline="0" dirty="0" err="1" smtClean="0"/>
-              <a:t>simular</a:t>
-            </a:r>
-            <a:r>
-              <a:rPr lang="da-DK" baseline="0" dirty="0" smtClean="0"/>
-              <a:t> to the </a:t>
-            </a:r>
-            <a:r>
-              <a:rPr lang="da-DK" baseline="0" dirty="0" err="1" smtClean="0"/>
-              <a:t>ones</a:t>
-            </a:r>
-            <a:r>
-              <a:rPr lang="da-DK" baseline="0" dirty="0" smtClean="0"/>
-              <a:t> </a:t>
-            </a:r>
-            <a:r>
-              <a:rPr lang="da-DK" baseline="0" dirty="0" err="1" smtClean="0"/>
-              <a:t>used</a:t>
-            </a:r>
-            <a:r>
-              <a:rPr lang="da-DK" baseline="0" dirty="0" smtClean="0"/>
-              <a:t> in the </a:t>
-            </a:r>
-            <a:r>
-              <a:rPr lang="da-DK" baseline="0" dirty="0" err="1" smtClean="0"/>
-              <a:t>paper</a:t>
-            </a:r>
-            <a:r>
-              <a:rPr lang="da-DK" baseline="0" dirty="0" smtClean="0"/>
-              <a:t>. </a:t>
-            </a:r>
-            <a:endParaRPr lang="da-DK" dirty="0" smtClean="0"/>
-          </a:p>
-          <a:p>
-            <a:r>
-              <a:rPr lang="da-DK" dirty="0" smtClean="0"/>
-              <a:t>But </a:t>
-            </a:r>
-            <a:r>
-              <a:rPr lang="da-DK" dirty="0" err="1" smtClean="0"/>
-              <a:t>since</a:t>
-            </a:r>
-            <a:r>
-              <a:rPr lang="da-DK" dirty="0" smtClean="0"/>
-              <a:t> </a:t>
-            </a:r>
-            <a:r>
-              <a:rPr lang="da-DK" dirty="0" err="1" smtClean="0"/>
-              <a:t>our</a:t>
-            </a:r>
-            <a:r>
-              <a:rPr lang="da-DK" dirty="0" smtClean="0"/>
-              <a:t> dependent</a:t>
-            </a:r>
-            <a:r>
-              <a:rPr lang="da-DK" baseline="0" dirty="0" smtClean="0"/>
-              <a:t> variable is binomial, </a:t>
-            </a:r>
-            <a:r>
-              <a:rPr lang="da-DK" baseline="0" dirty="0" err="1" smtClean="0"/>
-              <a:t>we</a:t>
-            </a:r>
-            <a:r>
-              <a:rPr lang="da-DK" baseline="0" dirty="0" smtClean="0"/>
-              <a:t> </a:t>
-            </a:r>
-            <a:r>
-              <a:rPr lang="da-DK" baseline="0" dirty="0" err="1" smtClean="0"/>
-              <a:t>are</a:t>
-            </a:r>
-            <a:r>
-              <a:rPr lang="da-DK" baseline="0" dirty="0" smtClean="0"/>
-              <a:t> </a:t>
-            </a:r>
-            <a:r>
-              <a:rPr lang="da-DK" baseline="0" dirty="0" err="1" smtClean="0"/>
-              <a:t>going</a:t>
-            </a:r>
-            <a:r>
-              <a:rPr lang="da-DK" baseline="0" dirty="0" smtClean="0"/>
-              <a:t> to </a:t>
-            </a:r>
-            <a:r>
-              <a:rPr lang="da-DK" baseline="0" dirty="0" err="1" smtClean="0"/>
-              <a:t>use</a:t>
-            </a:r>
-            <a:r>
-              <a:rPr lang="da-DK" baseline="0" dirty="0" smtClean="0"/>
-              <a:t> the </a:t>
-            </a:r>
-            <a:r>
-              <a:rPr lang="da-DK" baseline="0" dirty="0" err="1" smtClean="0"/>
+              <a:rPr lang="en-AU" noProof="0" dirty="0" smtClean="0"/>
+              <a:t>The BYM model in our extension has</a:t>
+            </a:r>
+            <a:r>
+              <a:rPr lang="en-AU" baseline="0" noProof="0" dirty="0" smtClean="0"/>
+              <a:t> these specifications, all of which are very similar to the ones used in the paper. </a:t>
+            </a:r>
+            <a:endParaRPr lang="en-AU" noProof="0" dirty="0" smtClean="0"/>
+          </a:p>
+          <a:p>
+            <a:r>
+              <a:rPr lang="en-AU" noProof="0" dirty="0" smtClean="0"/>
+              <a:t>But since our dependent</a:t>
+            </a:r>
+            <a:r>
+              <a:rPr lang="en-AU" baseline="0" noProof="0" dirty="0" smtClean="0"/>
+              <a:t> variable is binomial, we are going to use the </a:t>
+            </a:r>
+            <a:r>
+              <a:rPr lang="en-AU" baseline="0" noProof="0" dirty="0" err="1" smtClean="0"/>
               <a:t>logit</a:t>
             </a:r>
             <a:r>
-              <a:rPr lang="da-DK" baseline="0" dirty="0" smtClean="0"/>
-              <a:t> as a link </a:t>
-            </a:r>
-            <a:r>
-              <a:rPr lang="da-DK" baseline="0" dirty="0" err="1" smtClean="0"/>
-              <a:t>function</a:t>
-            </a:r>
-            <a:endParaRPr lang="da-DK" baseline="0" dirty="0" smtClean="0"/>
-          </a:p>
-          <a:p>
-            <a:r>
-              <a:rPr lang="da-DK" baseline="0" dirty="0" smtClean="0"/>
-              <a:t>And the prior distributions of </a:t>
-            </a:r>
-            <a:r>
-              <a:rPr lang="da-DK" baseline="0" dirty="0" err="1" smtClean="0"/>
-              <a:t>our</a:t>
-            </a:r>
-            <a:r>
-              <a:rPr lang="da-DK" baseline="0" dirty="0" smtClean="0"/>
-              <a:t> </a:t>
-            </a:r>
-            <a:r>
-              <a:rPr lang="da-DK" baseline="0" dirty="0" err="1" smtClean="0"/>
-              <a:t>precision</a:t>
-            </a:r>
-            <a:r>
-              <a:rPr lang="da-DK" baseline="0" dirty="0" smtClean="0"/>
-              <a:t> </a:t>
-            </a:r>
-            <a:r>
-              <a:rPr lang="da-DK" baseline="0" dirty="0" err="1" smtClean="0"/>
-              <a:t>measures</a:t>
-            </a:r>
-            <a:r>
-              <a:rPr lang="da-DK" baseline="0" dirty="0" smtClean="0"/>
-              <a:t> </a:t>
-            </a:r>
-            <a:r>
-              <a:rPr lang="da-DK" baseline="0" dirty="0" err="1" smtClean="0"/>
-              <a:t>differs</a:t>
-            </a:r>
-            <a:r>
-              <a:rPr lang="da-DK" baseline="0" dirty="0" smtClean="0"/>
-              <a:t> from the </a:t>
-            </a:r>
-            <a:r>
-              <a:rPr lang="da-DK" baseline="0" dirty="0" err="1" smtClean="0"/>
-              <a:t>ones</a:t>
-            </a:r>
-            <a:r>
-              <a:rPr lang="da-DK" baseline="0" dirty="0" smtClean="0"/>
-              <a:t> </a:t>
-            </a:r>
-            <a:r>
-              <a:rPr lang="da-DK" baseline="0" dirty="0" err="1" smtClean="0"/>
-              <a:t>used</a:t>
-            </a:r>
-            <a:r>
-              <a:rPr lang="da-DK" baseline="0" dirty="0" smtClean="0"/>
-              <a:t> in the </a:t>
-            </a:r>
-            <a:r>
-              <a:rPr lang="da-DK" baseline="0" dirty="0" err="1" smtClean="0"/>
-              <a:t>article</a:t>
-            </a:r>
-            <a:r>
-              <a:rPr lang="da-DK" baseline="0" dirty="0" smtClean="0"/>
-              <a:t>, </a:t>
-            </a:r>
-            <a:r>
-              <a:rPr lang="da-DK" baseline="0" dirty="0" err="1" smtClean="0"/>
-              <a:t>since</a:t>
-            </a:r>
-            <a:r>
-              <a:rPr lang="da-DK" baseline="0" dirty="0" smtClean="0"/>
-              <a:t> </a:t>
-            </a:r>
-            <a:r>
-              <a:rPr lang="da-DK" baseline="0" dirty="0" err="1" smtClean="0"/>
-              <a:t>we</a:t>
-            </a:r>
-            <a:r>
-              <a:rPr lang="da-DK" baseline="0" dirty="0" smtClean="0"/>
-              <a:t> have </a:t>
-            </a:r>
-            <a:r>
-              <a:rPr lang="da-DK" baseline="0" dirty="0" err="1" smtClean="0"/>
-              <a:t>chosen</a:t>
-            </a:r>
-            <a:r>
-              <a:rPr lang="da-DK" baseline="0" dirty="0" smtClean="0"/>
-              <a:t> the </a:t>
-            </a:r>
-            <a:r>
-              <a:rPr lang="da-DK" baseline="0" dirty="0" err="1" smtClean="0"/>
-              <a:t>loggamma</a:t>
-            </a:r>
-            <a:r>
-              <a:rPr lang="da-DK" baseline="0" dirty="0" smtClean="0"/>
-              <a:t> as </a:t>
-            </a:r>
-            <a:r>
-              <a:rPr lang="da-DK" baseline="0" dirty="0" err="1" smtClean="0"/>
-              <a:t>our</a:t>
-            </a:r>
-            <a:r>
-              <a:rPr lang="da-DK" baseline="0" dirty="0" smtClean="0"/>
-              <a:t> prior distribution for log(</a:t>
-            </a:r>
-            <a:r>
-              <a:rPr lang="da-DK" baseline="0" dirty="0" err="1" smtClean="0"/>
-              <a:t>tau</a:t>
-            </a:r>
-            <a:r>
-              <a:rPr lang="da-DK" baseline="0" dirty="0" smtClean="0"/>
-              <a:t>)</a:t>
-            </a:r>
-          </a:p>
-          <a:p>
-            <a:endParaRPr lang="da-DK" baseline="0" dirty="0" smtClean="0"/>
-          </a:p>
-          <a:p>
-            <a:r>
-              <a:rPr lang="da-DK" baseline="0" dirty="0" smtClean="0"/>
-              <a:t>The difference </a:t>
-            </a:r>
-            <a:r>
-              <a:rPr lang="da-DK" baseline="0" dirty="0" err="1" smtClean="0"/>
-              <a:t>between</a:t>
-            </a:r>
-            <a:r>
-              <a:rPr lang="da-DK" baseline="0" dirty="0" smtClean="0"/>
-              <a:t> </a:t>
-            </a:r>
-            <a:r>
-              <a:rPr lang="da-DK" baseline="0" dirty="0" err="1" smtClean="0"/>
-              <a:t>our</a:t>
-            </a:r>
-            <a:r>
-              <a:rPr lang="da-DK" baseline="0" dirty="0" smtClean="0"/>
-              <a:t> baseline </a:t>
-            </a:r>
-            <a:r>
-              <a:rPr lang="da-DK" baseline="0" dirty="0" err="1" smtClean="0"/>
+              <a:rPr lang="en-AU" baseline="0" noProof="0" dirty="0" smtClean="0"/>
+              <a:t> as a link function</a:t>
+            </a:r>
+          </a:p>
+          <a:p>
+            <a:r>
+              <a:rPr lang="en-AU" baseline="0" noProof="0" dirty="0" smtClean="0"/>
+              <a:t>And the prior distributions of our precision measures differs from the ones used in the article, since we have chosen the log-gamma as our prior distribution for log(tau)</a:t>
+            </a:r>
+          </a:p>
+          <a:p>
+            <a:endParaRPr lang="en-AU" baseline="0" noProof="0" dirty="0" smtClean="0"/>
+          </a:p>
+          <a:p>
+            <a:r>
+              <a:rPr lang="en-AU" baseline="0" noProof="0" dirty="0" smtClean="0"/>
+              <a:t>The difference between our baseline </a:t>
+            </a:r>
+            <a:r>
+              <a:rPr lang="en-AU" baseline="0" noProof="0" dirty="0" err="1" smtClean="0"/>
               <a:t>iid</a:t>
             </a:r>
             <a:r>
-              <a:rPr lang="da-DK" baseline="0" dirty="0" smtClean="0"/>
+              <a:rPr lang="en-AU" baseline="0" noProof="0" dirty="0" smtClean="0"/>
               <a:t> model and the BYM model is the </a:t>
             </a:r>
             <a:r>
-              <a:rPr lang="da-DK" baseline="0" dirty="0" err="1" smtClean="0"/>
+              <a:rPr lang="en-AU" baseline="0" noProof="0" dirty="0" err="1" smtClean="0"/>
               <a:t>v_i</a:t>
             </a:r>
             <a:r>
-              <a:rPr lang="da-DK" baseline="0" dirty="0" smtClean="0"/>
-              <a:t> term. </a:t>
-            </a:r>
-            <a:r>
-              <a:rPr lang="da-DK" baseline="0" dirty="0" err="1" smtClean="0"/>
-              <a:t>This</a:t>
-            </a:r>
-            <a:r>
-              <a:rPr lang="da-DK" baseline="0" dirty="0" smtClean="0"/>
-              <a:t> is </a:t>
-            </a:r>
-            <a:r>
-              <a:rPr lang="da-DK" baseline="0" dirty="0" err="1" smtClean="0"/>
-              <a:t>referred</a:t>
-            </a:r>
-            <a:r>
-              <a:rPr lang="da-DK" baseline="0" dirty="0" smtClean="0"/>
-              <a:t> to as the </a:t>
-            </a:r>
-            <a:r>
-              <a:rPr lang="da-DK" baseline="0" dirty="0" err="1" smtClean="0"/>
+              <a:rPr lang="en-AU" baseline="0" noProof="0" dirty="0" smtClean="0"/>
+              <a:t> term. This is referred to as the </a:t>
+            </a:r>
+            <a:r>
+              <a:rPr lang="en-AU" baseline="0" noProof="0" dirty="0" err="1" smtClean="0"/>
               <a:t>besag</a:t>
             </a:r>
             <a:r>
-              <a:rPr lang="da-DK" baseline="0" dirty="0" smtClean="0"/>
-              <a:t> </a:t>
-            </a:r>
-            <a:r>
-              <a:rPr lang="da-DK" baseline="0" dirty="0" err="1" smtClean="0"/>
-              <a:t>component</a:t>
-            </a:r>
-            <a:r>
-              <a:rPr lang="da-DK" baseline="0" dirty="0" smtClean="0"/>
-              <a:t> and is the </a:t>
-            </a:r>
-            <a:r>
-              <a:rPr lang="da-DK" baseline="0" dirty="0" err="1" smtClean="0"/>
-              <a:t>component</a:t>
-            </a:r>
-            <a:r>
-              <a:rPr lang="da-DK" baseline="0" dirty="0" smtClean="0"/>
-              <a:t> </a:t>
-            </a:r>
-            <a:r>
-              <a:rPr lang="da-DK" baseline="0" dirty="0" err="1" smtClean="0"/>
-              <a:t>where</a:t>
-            </a:r>
-            <a:r>
-              <a:rPr lang="da-DK" baseline="0" dirty="0" smtClean="0"/>
-              <a:t> </a:t>
-            </a:r>
-            <a:r>
-              <a:rPr lang="da-DK" baseline="0" dirty="0" err="1" smtClean="0"/>
-              <a:t>we</a:t>
-            </a:r>
-            <a:r>
-              <a:rPr lang="da-DK" baseline="0" dirty="0" smtClean="0"/>
-              <a:t> </a:t>
-            </a:r>
-            <a:r>
-              <a:rPr lang="da-DK" baseline="0" dirty="0" err="1" smtClean="0"/>
-              <a:t>utilize</a:t>
-            </a:r>
-            <a:r>
-              <a:rPr lang="da-DK" baseline="0" dirty="0" smtClean="0"/>
-              <a:t> the </a:t>
-            </a:r>
-            <a:r>
-              <a:rPr lang="da-DK" baseline="0" dirty="0" err="1" smtClean="0"/>
-              <a:t>neighbours</a:t>
-            </a:r>
-            <a:r>
-              <a:rPr lang="da-DK" baseline="0" dirty="0" smtClean="0"/>
-              <a:t> information. So the differences </a:t>
-            </a:r>
-            <a:r>
-              <a:rPr lang="da-DK" baseline="0" dirty="0" err="1" smtClean="0"/>
-              <a:t>between</a:t>
-            </a:r>
-            <a:r>
-              <a:rPr lang="da-DK" baseline="0" dirty="0" smtClean="0"/>
-              <a:t> the models </a:t>
-            </a:r>
-            <a:r>
-              <a:rPr lang="da-DK" baseline="0" dirty="0" err="1" smtClean="0"/>
-              <a:t>are</a:t>
-            </a:r>
-            <a:r>
-              <a:rPr lang="da-DK" baseline="0" dirty="0" smtClean="0"/>
-              <a:t> due to </a:t>
-            </a:r>
-            <a:r>
-              <a:rPr lang="da-DK" baseline="0" dirty="0" err="1" smtClean="0"/>
-              <a:t>this</a:t>
-            </a:r>
-            <a:r>
-              <a:rPr lang="da-DK" baseline="0" dirty="0" smtClean="0"/>
-              <a:t> </a:t>
-            </a:r>
-            <a:r>
-              <a:rPr lang="da-DK" baseline="0" dirty="0" err="1" smtClean="0"/>
-              <a:t>component</a:t>
-            </a:r>
-            <a:r>
-              <a:rPr lang="da-DK" baseline="0" dirty="0" smtClean="0"/>
-              <a:t>. </a:t>
-            </a:r>
-          </a:p>
-          <a:p>
-            <a:endParaRPr lang="da-DK" dirty="0"/>
+              <a:rPr lang="en-AU" baseline="0" noProof="0" dirty="0" smtClean="0"/>
+              <a:t> component and is the component where we utilize the neighbours information. So the differences between the models are due to this component. </a:t>
+            </a:r>
+          </a:p>
+          <a:p>
+            <a:endParaRPr lang="en-AU" noProof="0" dirty="0"/>
           </a:p>
         </p:txBody>
       </p:sp>
@@ -2045,7 +1724,7 @@
             <a:fld id="{D795D3F8-AA5B-4E58-9602-70EDB6AF1C76}" type="slidenum">
               <a:rPr lang="en-AU" smtClean="0"/>
               <a:pPr/>
-              <a:t>18</a:t>
+              <a:t>19</a:t>
             </a:fld>
             <a:endParaRPr lang="en-AU"/>
           </a:p>
@@ -2136,7 +1815,7 @@
             <a:fld id="{D795D3F8-AA5B-4E58-9602-70EDB6AF1C76}" type="slidenum">
               <a:rPr lang="en-AU" smtClean="0"/>
               <a:pPr/>
-              <a:t>19</a:t>
+              <a:t>20</a:t>
             </a:fld>
             <a:endParaRPr lang="en-AU"/>
           </a:p>
@@ -2145,7 +1824,7 @@
     </p:spTree>
     <p:extLst>
       <p:ext uri="{BB962C8B-B14F-4D97-AF65-F5344CB8AC3E}">
-        <p14:creationId xmlns:p14="http://schemas.microsoft.com/office/powerpoint/2010/main" xmlns="" val="3513538284"/>
+        <p14:creationId xmlns:p14="http://schemas.microsoft.com/office/powerpoint/2010/main" val="3513538284"/>
       </p:ext>
     </p:extLst>
   </p:cSld>
@@ -2229,7 +1908,7 @@
             <a:fld id="{D795D3F8-AA5B-4E58-9602-70EDB6AF1C76}" type="slidenum">
               <a:rPr lang="en-AU" smtClean="0"/>
               <a:pPr/>
-              <a:t>20</a:t>
+              <a:t>21</a:t>
             </a:fld>
             <a:endParaRPr lang="en-AU"/>
           </a:p>
@@ -2238,7 +1917,7 @@
     </p:spTree>
     <p:extLst>
       <p:ext uri="{BB962C8B-B14F-4D97-AF65-F5344CB8AC3E}">
-        <p14:creationId xmlns:p14="http://schemas.microsoft.com/office/powerpoint/2010/main" xmlns="" val="2909500031"/>
+        <p14:creationId xmlns:p14="http://schemas.microsoft.com/office/powerpoint/2010/main" val="2909500031"/>
       </p:ext>
     </p:extLst>
   </p:cSld>
@@ -2322,7 +2001,7 @@
             <a:fld id="{D795D3F8-AA5B-4E58-9602-70EDB6AF1C76}" type="slidenum">
               <a:rPr lang="en-AU" smtClean="0"/>
               <a:pPr/>
-              <a:t>21</a:t>
+              <a:t>22</a:t>
             </a:fld>
             <a:endParaRPr lang="en-AU"/>
           </a:p>
@@ -2331,7 +2010,7 @@
     </p:spTree>
     <p:extLst>
       <p:ext uri="{BB962C8B-B14F-4D97-AF65-F5344CB8AC3E}">
-        <p14:creationId xmlns:p14="http://schemas.microsoft.com/office/powerpoint/2010/main" xmlns="" val="1699886898"/>
+        <p14:creationId xmlns:p14="http://schemas.microsoft.com/office/powerpoint/2010/main" val="1699886898"/>
       </p:ext>
     </p:extLst>
   </p:cSld>
@@ -2423,7 +2102,7 @@
             <a:fld id="{D795D3F8-AA5B-4E58-9602-70EDB6AF1C76}" type="slidenum">
               <a:rPr lang="en-AU" smtClean="0"/>
               <a:pPr/>
-              <a:t>22</a:t>
+              <a:t>23</a:t>
             </a:fld>
             <a:endParaRPr lang="en-AU"/>
           </a:p>
@@ -2432,7 +2111,7 @@
     </p:spTree>
     <p:extLst>
       <p:ext uri="{BB962C8B-B14F-4D97-AF65-F5344CB8AC3E}">
-        <p14:creationId xmlns:p14="http://schemas.microsoft.com/office/powerpoint/2010/main" xmlns="" val="2587189271"/>
+        <p14:creationId xmlns:p14="http://schemas.microsoft.com/office/powerpoint/2010/main" val="2587189271"/>
       </p:ext>
     </p:extLst>
   </p:cSld>
@@ -2488,19 +2167,34 @@
           <a:p>
             <a:r>
               <a:rPr lang="en-AU" dirty="0" smtClean="0"/>
-              <a:t>Type</a:t>
+              <a:t>A</a:t>
             </a:r>
             <a:r>
               <a:rPr lang="en-AU" baseline="0" dirty="0" smtClean="0"/>
-              <a:t> of clustering is non-focussed, where they assume no previous knowledge of clusters, and prefer a flexible, lowly parameterized model.</a:t>
-            </a:r>
+              <a:t> previous paper found clusters of paediatric brain cancer at the zip code level in Florida. The authors of our paper have modelled brain cancer incidence in new ways. They want to check if their models give similar results to the previous paper. </a:t>
+            </a:r>
+          </a:p>
+          <a:p>
+            <a:endParaRPr lang="en-AU" baseline="0" dirty="0" smtClean="0"/>
           </a:p>
           <a:p>
             <a:r>
               <a:rPr lang="en-AU" baseline="0" dirty="0" smtClean="0"/>
-              <a:t>2 different natures of clustering, hot spots and clusters.</a:t>
-            </a:r>
-            <a:endParaRPr lang="en-AU" dirty="0"/>
+              <a:t>This paper fulfils “a perceived need for further analysis to assess the robustness of the findings under different assumptions”.</a:t>
+            </a:r>
+          </a:p>
+          <a:p>
+            <a:endParaRPr lang="en-AU" baseline="0" dirty="0" smtClean="0"/>
+          </a:p>
+          <a:p>
+            <a:r>
+              <a:rPr lang="en-AU" baseline="0" dirty="0" smtClean="0"/>
+              <a:t>The paper is quite narrow in its question. It does not attempt to understand the clustering, or explain why there are clusters. It simply tries to determine whether any clusters actually exist.</a:t>
+            </a:r>
+            <a:endParaRPr lang="en-AU" dirty="0" smtClean="0"/>
+          </a:p>
+          <a:p>
+            <a:endParaRPr lang="en-AU" dirty="0" smtClean="0"/>
           </a:p>
         </p:txBody>
       </p:sp>
@@ -2531,7 +2225,7 @@
     </p:spTree>
     <p:extLst>
       <p:ext uri="{BB962C8B-B14F-4D97-AF65-F5344CB8AC3E}">
-        <p14:creationId xmlns:p14="http://schemas.microsoft.com/office/powerpoint/2010/main" xmlns="" val="519365677"/>
+        <p14:creationId xmlns:p14="http://schemas.microsoft.com/office/powerpoint/2010/main" val="519365677"/>
       </p:ext>
     </p:extLst>
   </p:cSld>
@@ -2611,7 +2305,7 @@
             <a:fld id="{D795D3F8-AA5B-4E58-9602-70EDB6AF1C76}" type="slidenum">
               <a:rPr lang="en-AU" smtClean="0"/>
               <a:pPr/>
-              <a:t>23</a:t>
+              <a:t>24</a:t>
             </a:fld>
             <a:endParaRPr lang="en-AU"/>
           </a:p>
@@ -2620,7 +2314,7 @@
     </p:spTree>
     <p:extLst>
       <p:ext uri="{BB962C8B-B14F-4D97-AF65-F5344CB8AC3E}">
-        <p14:creationId xmlns:p14="http://schemas.microsoft.com/office/powerpoint/2010/main" xmlns="" val="1272490763"/>
+        <p14:creationId xmlns:p14="http://schemas.microsoft.com/office/powerpoint/2010/main" val="1272490763"/>
       </p:ext>
     </p:extLst>
   </p:cSld>
@@ -2704,7 +2398,7 @@
             <a:fld id="{D795D3F8-AA5B-4E58-9602-70EDB6AF1C76}" type="slidenum">
               <a:rPr lang="en-AU" smtClean="0"/>
               <a:pPr/>
-              <a:t>24</a:t>
+              <a:t>25</a:t>
             </a:fld>
             <a:endParaRPr lang="en-AU"/>
           </a:p>
@@ -2713,7 +2407,7 @@
     </p:spTree>
     <p:extLst>
       <p:ext uri="{BB962C8B-B14F-4D97-AF65-F5344CB8AC3E}">
-        <p14:creationId xmlns:p14="http://schemas.microsoft.com/office/powerpoint/2010/main" xmlns="" val="1367247184"/>
+        <p14:creationId xmlns:p14="http://schemas.microsoft.com/office/powerpoint/2010/main" val="1367247184"/>
       </p:ext>
     </p:extLst>
   </p:cSld>
@@ -2770,202 +2464,14 @@
           <a:lstStyle/>
           <a:p>
             <a:r>
-              <a:rPr lang="da-DK" dirty="0" smtClean="0"/>
-              <a:t>As </a:t>
-            </a:r>
-            <a:r>
-              <a:rPr lang="da-DK" dirty="0" err="1" smtClean="0"/>
-              <a:t>we</a:t>
-            </a:r>
-            <a:r>
-              <a:rPr lang="da-DK" baseline="0" dirty="0" smtClean="0"/>
-              <a:t> </a:t>
-            </a:r>
-            <a:r>
-              <a:rPr lang="da-DK" baseline="0" dirty="0" err="1" smtClean="0"/>
-              <a:t>mentioned</a:t>
-            </a:r>
-            <a:r>
-              <a:rPr lang="da-DK" baseline="0" dirty="0" smtClean="0"/>
-              <a:t> </a:t>
-            </a:r>
-            <a:r>
-              <a:rPr lang="da-DK" baseline="0" dirty="0" err="1" smtClean="0"/>
-              <a:t>previously</a:t>
-            </a:r>
-            <a:r>
-              <a:rPr lang="da-DK" baseline="0" dirty="0" smtClean="0"/>
-              <a:t> the DIC and WAIC </a:t>
-            </a:r>
-            <a:r>
-              <a:rPr lang="da-DK" baseline="0" dirty="0" err="1" smtClean="0"/>
-              <a:t>are</a:t>
-            </a:r>
-            <a:r>
-              <a:rPr lang="da-DK" baseline="0" dirty="0" smtClean="0"/>
-              <a:t> </a:t>
-            </a:r>
-            <a:r>
-              <a:rPr lang="da-DK" baseline="0" dirty="0" err="1" smtClean="0"/>
-              <a:t>measures</a:t>
-            </a:r>
-            <a:r>
-              <a:rPr lang="da-DK" baseline="0" dirty="0" smtClean="0"/>
-              <a:t> of fir </a:t>
-            </a:r>
-            <a:r>
-              <a:rPr lang="da-DK" baseline="0" dirty="0" err="1" smtClean="0"/>
-              <a:t>estimates</a:t>
-            </a:r>
-            <a:r>
-              <a:rPr lang="da-DK" baseline="0" dirty="0" smtClean="0"/>
-              <a:t> to </a:t>
-            </a:r>
-            <a:r>
-              <a:rPr lang="da-DK" baseline="0" dirty="0" err="1" smtClean="0"/>
-              <a:t>consider</a:t>
-            </a:r>
-            <a:r>
-              <a:rPr lang="da-DK" baseline="0" dirty="0" smtClean="0"/>
-              <a:t> the performance of </a:t>
-            </a:r>
-            <a:r>
-              <a:rPr lang="da-DK" baseline="0" dirty="0" err="1" smtClean="0"/>
-              <a:t>our</a:t>
-            </a:r>
-            <a:r>
-              <a:rPr lang="da-DK" baseline="0" dirty="0" smtClean="0"/>
-              <a:t> models. As </a:t>
-            </a:r>
-            <a:r>
-              <a:rPr lang="da-DK" baseline="0" dirty="0" err="1" smtClean="0"/>
-              <a:t>suspected</a:t>
-            </a:r>
-            <a:r>
-              <a:rPr lang="da-DK" baseline="0" dirty="0" smtClean="0"/>
-              <a:t> </a:t>
-            </a:r>
-            <a:r>
-              <a:rPr lang="da-DK" baseline="0" dirty="0" err="1" smtClean="0"/>
-              <a:t>when</a:t>
-            </a:r>
-            <a:r>
-              <a:rPr lang="da-DK" baseline="0" dirty="0" smtClean="0"/>
-              <a:t> </a:t>
-            </a:r>
-            <a:r>
-              <a:rPr lang="da-DK" baseline="0" dirty="0" err="1" smtClean="0"/>
-              <a:t>considering</a:t>
-            </a:r>
-            <a:r>
-              <a:rPr lang="da-DK" baseline="0" dirty="0" smtClean="0"/>
-              <a:t> </a:t>
-            </a:r>
-            <a:r>
-              <a:rPr lang="da-DK" baseline="0" dirty="0" err="1" smtClean="0"/>
-              <a:t>how</a:t>
-            </a:r>
-            <a:r>
-              <a:rPr lang="da-DK" baseline="0" dirty="0" smtClean="0"/>
-              <a:t> </a:t>
-            </a:r>
-            <a:r>
-              <a:rPr lang="da-DK" baseline="0" dirty="0" err="1" smtClean="0"/>
-              <a:t>simular</a:t>
-            </a:r>
-            <a:r>
-              <a:rPr lang="da-DK" baseline="0" dirty="0" smtClean="0"/>
-              <a:t> the </a:t>
-            </a:r>
-            <a:r>
-              <a:rPr lang="da-DK" baseline="0" dirty="0" err="1" smtClean="0"/>
-              <a:t>results</a:t>
-            </a:r>
-            <a:r>
-              <a:rPr lang="da-DK" baseline="0" dirty="0" smtClean="0"/>
-              <a:t> </a:t>
-            </a:r>
-            <a:r>
-              <a:rPr lang="da-DK" baseline="0" dirty="0" err="1" smtClean="0"/>
-              <a:t>between</a:t>
-            </a:r>
-            <a:r>
-              <a:rPr lang="da-DK" baseline="0" dirty="0" smtClean="0"/>
-              <a:t> the </a:t>
-            </a:r>
-            <a:r>
-              <a:rPr lang="da-DK" baseline="0" dirty="0" err="1" smtClean="0"/>
-              <a:t>two</a:t>
-            </a:r>
-            <a:r>
-              <a:rPr lang="da-DK" baseline="0" dirty="0" smtClean="0"/>
-              <a:t> models </a:t>
-            </a:r>
-            <a:r>
-              <a:rPr lang="da-DK" baseline="0" dirty="0" err="1" smtClean="0"/>
-              <a:t>where</a:t>
-            </a:r>
-            <a:r>
-              <a:rPr lang="da-DK" baseline="0" dirty="0" smtClean="0"/>
-              <a:t> the performance is </a:t>
-            </a:r>
-            <a:r>
-              <a:rPr lang="da-DK" baseline="0" dirty="0" err="1" smtClean="0"/>
-              <a:t>also</a:t>
-            </a:r>
-            <a:r>
-              <a:rPr lang="da-DK" baseline="0" dirty="0" smtClean="0"/>
-              <a:t> </a:t>
-            </a:r>
-            <a:r>
-              <a:rPr lang="da-DK" baseline="0" dirty="0" err="1" smtClean="0"/>
-              <a:t>very</a:t>
-            </a:r>
-            <a:r>
-              <a:rPr lang="da-DK" baseline="0" dirty="0" smtClean="0"/>
-              <a:t> </a:t>
-            </a:r>
-            <a:r>
-              <a:rPr lang="da-DK" baseline="0" dirty="0" err="1" smtClean="0"/>
-              <a:t>simular</a:t>
-            </a:r>
-            <a:r>
-              <a:rPr lang="da-DK" baseline="0" dirty="0" smtClean="0"/>
-              <a:t>. The BYM model do have a </a:t>
-            </a:r>
-            <a:r>
-              <a:rPr lang="da-DK" baseline="0" dirty="0" err="1" smtClean="0"/>
-              <a:t>better</a:t>
-            </a:r>
-            <a:r>
-              <a:rPr lang="da-DK" baseline="0" dirty="0" smtClean="0"/>
-              <a:t> </a:t>
-            </a:r>
-            <a:r>
-              <a:rPr lang="da-DK" baseline="0" dirty="0" err="1" smtClean="0"/>
-              <a:t>fit</a:t>
-            </a:r>
-            <a:r>
-              <a:rPr lang="da-DK" baseline="0" dirty="0" smtClean="0"/>
-              <a:t>, but the difference </a:t>
-            </a:r>
-            <a:r>
-              <a:rPr lang="da-DK" baseline="0" dirty="0" err="1" smtClean="0"/>
-              <a:t>seems</a:t>
-            </a:r>
-            <a:r>
-              <a:rPr lang="da-DK" baseline="0" dirty="0" smtClean="0"/>
-              <a:t> </a:t>
-            </a:r>
-            <a:r>
-              <a:rPr lang="da-DK" baseline="0" dirty="0" err="1" smtClean="0"/>
-              <a:t>neglectable</a:t>
-            </a:r>
-            <a:r>
-              <a:rPr lang="da-DK" baseline="0" dirty="0" smtClean="0"/>
-              <a:t>. </a:t>
-            </a:r>
-            <a:endParaRPr lang="da-DK" dirty="0"/>
+              <a:rPr lang="en-GB" noProof="0" dirty="0" smtClean="0"/>
+              <a:t>As we</a:t>
+            </a:r>
+            <a:r>
+              <a:rPr lang="en-GB" baseline="0" noProof="0" dirty="0" smtClean="0"/>
+              <a:t> mentioned previously the DIC and WAIC are ‘measure of fit’ estimates to consider the performance of our models. As suspected when considering how similar the results between the two models where the performance is also very similar. The BYM model do have a better fit, but the difference seems negligible. </a:t>
+            </a:r>
+            <a:endParaRPr lang="en-GB" noProof="0" dirty="0"/>
           </a:p>
         </p:txBody>
       </p:sp>
@@ -2987,7 +2493,7 @@
             <a:fld id="{D795D3F8-AA5B-4E58-9602-70EDB6AF1C76}" type="slidenum">
               <a:rPr lang="en-AU" smtClean="0"/>
               <a:pPr/>
-              <a:t>25</a:t>
+              <a:t>26</a:t>
             </a:fld>
             <a:endParaRPr lang="en-AU"/>
           </a:p>
@@ -3093,7 +2599,7 @@
             <a:fld id="{D795D3F8-AA5B-4E58-9602-70EDB6AF1C76}" type="slidenum">
               <a:rPr lang="en-AU" smtClean="0"/>
               <a:pPr/>
-              <a:t>26</a:t>
+              <a:t>27</a:t>
             </a:fld>
             <a:endParaRPr lang="en-AU"/>
           </a:p>
@@ -3102,7 +2608,7 @@
     </p:spTree>
     <p:extLst>
       <p:ext uri="{BB962C8B-B14F-4D97-AF65-F5344CB8AC3E}">
-        <p14:creationId xmlns:p14="http://schemas.microsoft.com/office/powerpoint/2010/main" xmlns="" val="3126132900"/>
+        <p14:creationId xmlns:p14="http://schemas.microsoft.com/office/powerpoint/2010/main" val="3126132900"/>
       </p:ext>
     </p:extLst>
   </p:cSld>
@@ -3157,13 +2663,106 @@
           <a:lstStyle/>
           <a:p>
             <a:r>
-              <a:rPr lang="en-AU" dirty="0"/>
-              <a:t>Interesting</a:t>
-            </a:r>
-            <a:r>
-              <a:rPr lang="en-AU"/>
-              <a:t> that the do not include any possible covariates – for example socio-economic, environmental factors.</a:t>
-            </a:r>
+              <a:rPr lang="en-AU" dirty="0" smtClean="0"/>
+              <a:t>There was no details in the paper about how the data was collected.</a:t>
+            </a:r>
+          </a:p>
+          <a:p>
+            <a:endParaRPr lang="en-AU" dirty="0" smtClean="0"/>
+          </a:p>
+          <a:p>
+            <a:r>
+              <a:rPr lang="en-AU" dirty="0" smtClean="0"/>
+              <a:t>The data</a:t>
+            </a:r>
+            <a:r>
+              <a:rPr lang="en-AU" baseline="0" dirty="0" smtClean="0"/>
+              <a:t> is n</a:t>
+            </a:r>
+            <a:r>
+              <a:rPr lang="en-AU" dirty="0" smtClean="0"/>
+              <a:t>ot available online,</a:t>
+            </a:r>
+            <a:r>
+              <a:rPr lang="en-AU" baseline="0" dirty="0" smtClean="0"/>
+              <a:t> not released for the general public. Interestingly, the paper is not very specific about the actual structure of the data. We assume, based on what they have modelled, that the data is simply a table of counts of the paediatric brain cancers and the at-risk population in each zip code area of Florida.</a:t>
+            </a:r>
+          </a:p>
+          <a:p>
+            <a:endParaRPr lang="en-AU" baseline="0" dirty="0" smtClean="0"/>
+          </a:p>
+          <a:p>
+            <a:pPr marL="0" marR="0" indent="0" algn="l" defTabSz="914400" rtl="0" eaLnBrk="1" fontAlgn="auto" latinLnBrk="0" hangingPunct="1">
+              <a:lnSpc>
+                <a:spcPct val="100000"/>
+              </a:lnSpc>
+              <a:spcBef>
+                <a:spcPts val="0"/>
+              </a:spcBef>
+              <a:spcAft>
+                <a:spcPts val="0"/>
+              </a:spcAft>
+              <a:buClrTx/>
+              <a:buSzTx/>
+              <a:buFontTx/>
+              <a:buNone/>
+              <a:tabLst/>
+              <a:defRPr/>
+            </a:pPr>
+            <a:r>
+              <a:rPr lang="en-AU" dirty="0" smtClean="0"/>
+              <a:t>Interesting that the authors do not include any possible covariates – for example socio-economic, environmental factors.</a:t>
+            </a:r>
+          </a:p>
+          <a:p>
+            <a:pPr marL="0" marR="0" indent="0" algn="l" defTabSz="914400" rtl="0" eaLnBrk="1" fontAlgn="auto" latinLnBrk="0" hangingPunct="1">
+              <a:lnSpc>
+                <a:spcPct val="100000"/>
+              </a:lnSpc>
+              <a:spcBef>
+                <a:spcPts val="0"/>
+              </a:spcBef>
+              <a:spcAft>
+                <a:spcPts val="0"/>
+              </a:spcAft>
+              <a:buClrTx/>
+              <a:buSzTx/>
+              <a:buFontTx/>
+              <a:buNone/>
+              <a:tabLst/>
+              <a:defRPr/>
+            </a:pPr>
+            <a:endParaRPr lang="en-AU" dirty="0" smtClean="0"/>
+          </a:p>
+          <a:p>
+            <a:pPr marL="0" marR="0" indent="0" algn="l" defTabSz="914400" rtl="0" eaLnBrk="1" fontAlgn="auto" latinLnBrk="0" hangingPunct="1">
+              <a:lnSpc>
+                <a:spcPct val="100000"/>
+              </a:lnSpc>
+              <a:spcBef>
+                <a:spcPts val="0"/>
+              </a:spcBef>
+              <a:spcAft>
+                <a:spcPts val="0"/>
+              </a:spcAft>
+              <a:buClrTx/>
+              <a:buSzTx/>
+              <a:buFontTx/>
+              <a:buNone/>
+              <a:tabLst/>
+              <a:defRPr/>
+            </a:pPr>
+            <a:r>
+              <a:rPr lang="en-AU" dirty="0" smtClean="0"/>
+              <a:t>You can see that the large number of zip</a:t>
+            </a:r>
+            <a:r>
+              <a:rPr lang="en-AU" baseline="0" dirty="0" smtClean="0"/>
+              <a:t> code areas with zero cases may pose a problem. In particular, Poisson models generally have a </a:t>
+            </a:r>
+            <a:endParaRPr lang="en-AU" dirty="0" smtClean="0"/>
+          </a:p>
+          <a:p>
             <a:endParaRPr lang="en-AU" dirty="0"/>
           </a:p>
         </p:txBody>
@@ -3195,7 +2794,7 @@
     </p:spTree>
     <p:extLst>
       <p:ext uri="{BB962C8B-B14F-4D97-AF65-F5344CB8AC3E}">
-        <p14:creationId xmlns:p14="http://schemas.microsoft.com/office/powerpoint/2010/main" xmlns="" val="2840800588"/>
+        <p14:creationId xmlns:p14="http://schemas.microsoft.com/office/powerpoint/2010/main" val="2840800588"/>
       </p:ext>
     </p:extLst>
   </p:cSld>
@@ -3250,8 +2849,35 @@
           <a:lstStyle/>
           <a:p>
             <a:r>
+              <a:rPr lang="en-AU" dirty="0" smtClean="0"/>
+              <a:t>Type</a:t>
+            </a:r>
+            <a:r>
+              <a:rPr lang="en-AU" baseline="0" dirty="0" smtClean="0"/>
+              <a:t> of clustering is non-focused, where they assume no previous knowledge of clusters, and prefer a flexible, lowly parameterized model. Allows the data “to speak”. This helps to answer the scientific question of whether there are clusters, since we assume very little to begin with. Consequently, finding clusters in the models would be strong evidence for actual clusters.</a:t>
+            </a:r>
+          </a:p>
+          <a:p>
+            <a:endParaRPr lang="en-AU" baseline="0" dirty="0" smtClean="0"/>
+          </a:p>
+          <a:p>
+            <a:r>
+              <a:rPr lang="en-AU" baseline="0" dirty="0" smtClean="0"/>
+              <a:t>2 different natures of clustering, hot spots and clusters. Talk about the definitions and differences between hot spots and clusters.</a:t>
+            </a:r>
+            <a:endParaRPr lang="en-AU" dirty="0" smtClean="0"/>
+          </a:p>
+          <a:p>
+            <a:endParaRPr lang="en-AU" dirty="0" smtClean="0"/>
+          </a:p>
+          <a:p>
+            <a:r>
+              <a:rPr lang="en-AU" dirty="0" smtClean="0"/>
+              <a:t>(</a:t>
+            </a:r>
+            <a:r>
               <a:rPr lang="en-AU" dirty="0"/>
-              <a:t>(The sums in </a:t>
+              <a:t>The sums in </a:t>
             </a:r>
             <a:r>
               <a:rPr lang="en-AU" dirty="0" err="1"/>
@@ -3267,6 +2893,42 @@
             </a:r>
           </a:p>
           <a:p>
+            <a:endParaRPr lang="en-AU" dirty="0" smtClean="0"/>
+          </a:p>
+          <a:p>
+            <a:pPr marL="0" marR="0" indent="0" algn="l" defTabSz="914400" rtl="0" eaLnBrk="1" fontAlgn="auto" latinLnBrk="0" hangingPunct="1">
+              <a:lnSpc>
+                <a:spcPct val="100000"/>
+              </a:lnSpc>
+              <a:spcBef>
+                <a:spcPts val="0"/>
+              </a:spcBef>
+              <a:spcAft>
+                <a:spcPts val="0"/>
+              </a:spcAft>
+              <a:buClrTx/>
+              <a:buSzTx/>
+              <a:buFontTx/>
+              <a:buNone/>
+              <a:tabLst/>
+              <a:defRPr/>
+            </a:pPr>
+            <a:r>
+              <a:rPr lang="en-AU" sz="1200" dirty="0" smtClean="0"/>
+              <a:t>The statisticians uses 3 different models to model the </a:t>
+            </a:r>
+            <a:r>
+              <a:rPr lang="el-GR" sz="1200" dirty="0" smtClean="0"/>
+              <a:t>θ</a:t>
+            </a:r>
+            <a:r>
+              <a:rPr lang="en-AU" sz="1200" baseline="-25000" dirty="0" smtClean="0"/>
+              <a:t>i</a:t>
+            </a:r>
+            <a:r>
+              <a:rPr lang="en-AU" sz="1200" dirty="0" smtClean="0"/>
+              <a:t>’s and test the models measure of fit using various measures.</a:t>
+            </a:r>
             <a:endParaRPr lang="en-AU" dirty="0"/>
           </a:p>
           <a:p>
@@ -3286,30 +2948,22 @@
           </a:p>
           <a:p>
             <a:r>
+              <a:rPr lang="en-AU" sz="1200" dirty="0" smtClean="0"/>
+              <a:t>1. The Standardised </a:t>
+            </a:r>
+            <a:r>
               <a:rPr lang="en-AU" sz="1200" dirty="0"/>
-              <a:t>The </a:t>
-            </a:r>
-            <a:r>
-              <a:rPr lang="en-AU" sz="1200" dirty="0" err="1"/>
-              <a:t>Standarised</a:t>
-            </a:r>
-            <a:r>
-              <a:rPr lang="en-AU" sz="1200" dirty="0"/>
-              <a:t> morbidity ratio (SMR)(</a:t>
-            </a:r>
-            <a:r>
-              <a:rPr lang="en-AU" sz="1200" dirty="0" err="1"/>
-              <a:t>i.e</a:t>
-            </a:r>
-            <a:r>
-              <a:rPr lang="en-AU" sz="1200" dirty="0"/>
-              <a:t> the MLE)</a:t>
-            </a:r>
-          </a:p>
-          <a:p>
-            <a:r>
-              <a:rPr lang="en-AU" sz="1200" dirty="0"/>
-              <a:t>The </a:t>
+              <a:t>morbidity ratio (SMR</a:t>
+            </a:r>
+            <a:r>
+              <a:rPr lang="en-AU" sz="1200" dirty="0" smtClean="0"/>
+              <a:t>)</a:t>
+            </a:r>
+          </a:p>
+          <a:p>
+            <a:r>
+              <a:rPr lang="en-AU" sz="1200" dirty="0" smtClean="0"/>
+              <a:t>2. The </a:t>
             </a:r>
             <a:r>
               <a:rPr lang="en-AU" sz="1200" dirty="0" err="1"/>
@@ -3322,8 +2976,20 @@
           </a:p>
           <a:p>
             <a:r>
+              <a:rPr lang="en-AU" sz="1200" dirty="0" smtClean="0"/>
+              <a:t>3. The </a:t>
+            </a:r>
+            <a:r>
               <a:rPr lang="en-AU" sz="1200" dirty="0"/>
-              <a:t>The Sparse Poisson Convolution (SPC)</a:t>
+              <a:t>Sparse Poisson </a:t>
+            </a:r>
+            <a:r>
+              <a:rPr lang="en-AU" sz="1200" dirty="0" smtClean="0"/>
+              <a:t>Convolution model </a:t>
+            </a:r>
+            <a:r>
+              <a:rPr lang="en-AU" sz="1200" dirty="0"/>
+              <a:t>(SPC)</a:t>
             </a:r>
           </a:p>
           <a:p>
@@ -3358,7 +3024,7 @@
     </p:spTree>
     <p:extLst>
       <p:ext uri="{BB962C8B-B14F-4D97-AF65-F5344CB8AC3E}">
-        <p14:creationId xmlns:p14="http://schemas.microsoft.com/office/powerpoint/2010/main" xmlns="" val="4213812727"/>
+        <p14:creationId xmlns:p14="http://schemas.microsoft.com/office/powerpoint/2010/main" val="4213812727"/>
       </p:ext>
     </p:extLst>
   </p:cSld>
@@ -3414,7 +3080,115 @@
           <a:p>
             <a:r>
               <a:rPr lang="en-AU" dirty="0" smtClean="0"/>
-              <a:t>Simplest of the models, but doesn’t work with the large number of zero</a:t>
+              <a:t>This model assumes</a:t>
+            </a:r>
+            <a:r>
+              <a:rPr lang="en-AU" baseline="0" dirty="0" smtClean="0"/>
+              <a:t> the case counts </a:t>
+            </a:r>
+            <a:r>
+              <a:rPr lang="en-AU" baseline="0" dirty="0" err="1" smtClean="0"/>
+              <a:t>y</a:t>
+            </a:r>
+            <a:r>
+              <a:rPr lang="en-AU" baseline="-25000" dirty="0" err="1" smtClean="0"/>
+              <a:t>i</a:t>
+            </a:r>
+            <a:r>
+              <a:rPr lang="en-AU" baseline="0" dirty="0" smtClean="0"/>
+              <a:t> are independently distributed then estimates </a:t>
+            </a:r>
+            <a:r>
+              <a:rPr lang="el-GR" sz="1200" dirty="0" smtClean="0"/>
+              <a:t>θ</a:t>
+            </a:r>
+            <a:r>
+              <a:rPr lang="en-AU" sz="1200" baseline="-25000" dirty="0" err="1" smtClean="0"/>
+              <a:t>i</a:t>
+            </a:r>
+            <a:r>
+              <a:rPr lang="en-AU" sz="1200" baseline="-25000" dirty="0" smtClean="0"/>
+              <a:t> </a:t>
+            </a:r>
+            <a:r>
+              <a:rPr lang="en-AU" sz="1200" baseline="0" dirty="0" smtClean="0"/>
+              <a:t>using MLE.</a:t>
+            </a:r>
+            <a:endParaRPr lang="en-AU" dirty="0" smtClean="0"/>
+          </a:p>
+          <a:p>
+            <a:endParaRPr lang="en-AU" dirty="0" smtClean="0"/>
+          </a:p>
+          <a:p>
+            <a:r>
+              <a:rPr lang="en-AU" dirty="0" smtClean="0"/>
+              <a:t>This model estimates the relative risk factor</a:t>
+            </a:r>
+            <a:r>
+              <a:rPr lang="en-AU" baseline="0" dirty="0" smtClean="0"/>
+              <a:t> </a:t>
+            </a:r>
+            <a:r>
+              <a:rPr lang="el-GR" sz="1200" dirty="0" smtClean="0"/>
+              <a:t>θ</a:t>
+            </a:r>
+            <a:r>
+              <a:rPr lang="en-AU" sz="1200" baseline="-25000" dirty="0" err="1" smtClean="0"/>
+              <a:t>i</a:t>
+            </a:r>
+            <a:r>
+              <a:rPr lang="en-AU" sz="1200" baseline="-25000" dirty="0" smtClean="0"/>
+              <a:t> </a:t>
+            </a:r>
+            <a:r>
+              <a:rPr lang="en-AU" baseline="0" dirty="0" smtClean="0"/>
+              <a:t>as the actual counts </a:t>
+            </a:r>
+            <a:r>
+              <a:rPr lang="en-AU" baseline="0" dirty="0" err="1" smtClean="0"/>
+              <a:t>y</a:t>
+            </a:r>
+            <a:r>
+              <a:rPr lang="en-AU" baseline="-25000" dirty="0" err="1" smtClean="0"/>
+              <a:t>i</a:t>
+            </a:r>
+            <a:r>
+              <a:rPr lang="en-AU" baseline="0" dirty="0" smtClean="0"/>
+              <a:t> over the expected counts </a:t>
+            </a:r>
+            <a:r>
+              <a:rPr lang="en-AU" baseline="0" dirty="0" err="1" smtClean="0"/>
+              <a:t>e</a:t>
+            </a:r>
+            <a:r>
+              <a:rPr lang="en-AU" baseline="-25000" dirty="0" err="1" smtClean="0"/>
+              <a:t>i</a:t>
+            </a:r>
+            <a:r>
+              <a:rPr lang="en-AU" baseline="0" dirty="0" smtClean="0"/>
+              <a:t>. That is, the ratio between the observed and expected number of counts. This is the MLE for </a:t>
+            </a:r>
+            <a:r>
+              <a:rPr lang="el-GR" sz="1200" dirty="0" smtClean="0"/>
+              <a:t>θ</a:t>
+            </a:r>
+            <a:r>
+              <a:rPr lang="en-AU" sz="1200" baseline="-25000" dirty="0" err="1" smtClean="0"/>
+              <a:t>i</a:t>
+            </a:r>
+            <a:endParaRPr lang="en-AU" dirty="0" smtClean="0"/>
+          </a:p>
+          <a:p>
+            <a:endParaRPr lang="en-AU" dirty="0" smtClean="0"/>
+          </a:p>
+          <a:p>
+            <a:r>
+              <a:rPr lang="en-AU" dirty="0" smtClean="0"/>
+              <a:t>Simplest </a:t>
+            </a:r>
+            <a:r>
+              <a:rPr lang="en-AU" dirty="0" smtClean="0"/>
+              <a:t>of the models, but doesn’t work with the large number of zero</a:t>
             </a:r>
             <a:r>
               <a:rPr lang="en-AU" baseline="0" dirty="0" smtClean="0"/>
@@ -3442,6 +3216,32 @@
             <a:endParaRPr lang="en-AU" sz="1200" dirty="0" smtClean="0"/>
           </a:p>
           <a:p>
+            <a:r>
+              <a:rPr lang="en-AU" sz="1200" dirty="0" smtClean="0"/>
+              <a:t>There is a large number of zero counts in the data. This can lead to the SMR being misleading, and can lead to large SMR’s regardless of the observed count.</a:t>
+            </a:r>
+          </a:p>
+          <a:p>
+            <a:endParaRPr lang="en-AU" sz="1200" dirty="0" smtClean="0"/>
+          </a:p>
+          <a:p>
+            <a:r>
+              <a:rPr lang="en-AU" sz="1200" dirty="0" smtClean="0"/>
+              <a:t>This </a:t>
+            </a:r>
+            <a:r>
+              <a:rPr lang="en-AU" sz="1200" dirty="0" smtClean="0"/>
+              <a:t>model proved to contain a lot of confounding </a:t>
+            </a:r>
+            <a:r>
+              <a:rPr lang="en-AU" sz="1200" dirty="0" smtClean="0"/>
+              <a:t>noise.</a:t>
+            </a:r>
+          </a:p>
+          <a:p>
+            <a:endParaRPr lang="en-AU" sz="1200" dirty="0" smtClean="0"/>
+          </a:p>
+          <a:p>
             <a:pPr marL="0" marR="0" indent="0" algn="l" defTabSz="914400" rtl="0" eaLnBrk="1" fontAlgn="auto" latinLnBrk="0" hangingPunct="1">
               <a:lnSpc>
                 <a:spcPct val="100000"/>
@@ -3465,16 +3265,7 @@
             </a:r>
           </a:p>
           <a:p>
-            <a:r>
-              <a:rPr lang="en-AU" sz="1200" dirty="0" smtClean="0"/>
-              <a:t>There is a large number of zero counts in the data. This can lead to the SMR being misleading, and can lead to large SMR’s regardless of the observed count.</a:t>
-            </a:r>
-          </a:p>
-          <a:p>
-            <a:r>
-              <a:rPr lang="en-AU" sz="1200" dirty="0" smtClean="0"/>
-              <a:t>This model proved to contain a lot of confounding noise, which showed them that it wasn’t a useful model.</a:t>
-            </a:r>
+            <a:endParaRPr lang="en-AU" sz="1200" dirty="0" smtClean="0"/>
           </a:p>
           <a:p>
             <a:endParaRPr lang="en-AU" dirty="0"/>
@@ -3508,7 +3299,7 @@
     </p:spTree>
     <p:extLst>
       <p:ext uri="{BB962C8B-B14F-4D97-AF65-F5344CB8AC3E}">
-        <p14:creationId xmlns:p14="http://schemas.microsoft.com/office/powerpoint/2010/main" xmlns="" val="2917947510"/>
+        <p14:creationId xmlns:p14="http://schemas.microsoft.com/office/powerpoint/2010/main" val="2917947510"/>
       </p:ext>
     </p:extLst>
   </p:cSld>
@@ -3581,239 +3372,33 @@
             </a:pPr>
             <a:r>
               <a:rPr lang="en-AU" sz="1200" dirty="0" smtClean="0"/>
-              <a:t>“The model decomposes the log of area-level relative risks into the sum of two random effects: one which is unstructured (heterogeneous), </a:t>
-            </a:r>
-            <a:r>
-              <a:rPr lang="en-AU" sz="1200" i="1" dirty="0" smtClean="0"/>
-              <a:t>v</a:t>
-            </a:r>
-            <a:r>
-              <a:rPr lang="en-AU" sz="1200" i="1" baseline="-25000" dirty="0" smtClean="0"/>
+              <a:t>For rare</a:t>
+            </a:r>
+            <a:r>
+              <a:rPr lang="en-AU" sz="1200" baseline="0" dirty="0" smtClean="0"/>
+              <a:t> diseases in small areas, it can be difficult to estimate the relative risk factor </a:t>
+            </a:r>
+            <a:r>
+              <a:rPr lang="el-GR" sz="1200" dirty="0" smtClean="0"/>
+              <a:t>θ</a:t>
+            </a:r>
+            <a:r>
+              <a:rPr lang="en-AU" sz="1200" baseline="-25000" dirty="0" err="1" smtClean="0"/>
               <a:t>i</a:t>
             </a:r>
             <a:r>
-              <a:rPr lang="en-AU" sz="1200" i="1" dirty="0" smtClean="0"/>
-              <a:t> </a:t>
-            </a:r>
-            <a:r>
-              <a:rPr lang="en-AU" sz="1200" dirty="0" smtClean="0"/>
-              <a:t>, and the other spatially structured (dependent), </a:t>
-            </a:r>
-            <a:r>
-              <a:rPr lang="en-AU" sz="1200" i="1" dirty="0" err="1" smtClean="0"/>
-              <a:t>u</a:t>
-            </a:r>
-            <a:r>
-              <a:rPr lang="en-AU" sz="1200" i="1" baseline="-25000" dirty="0" err="1" smtClean="0"/>
-              <a:t>i</a:t>
-            </a:r>
-            <a:r>
-              <a:rPr lang="en-AU" sz="1200" dirty="0" smtClean="0"/>
-              <a:t>.”</a:t>
-            </a:r>
-          </a:p>
-          <a:p>
-            <a:r>
-              <a:rPr lang="en-AU" sz="1200" b="0" i="0" u="none" strike="noStrike" kern="1200" baseline="0" dirty="0" smtClean="0">
-                <a:solidFill>
-                  <a:schemeClr val="tx1"/>
-                </a:solidFill>
-                <a:latin typeface="+mn-lt"/>
-                <a:ea typeface="+mn-ea"/>
-                <a:cs typeface="+mn-cs"/>
-              </a:rPr>
-              <a:t>“The spatially structured effects are modelled by the intrinsic conditional autoregressive normal (ICAR) prior distribution.”</a:t>
-            </a:r>
-          </a:p>
-          <a:p>
-            <a:r>
-              <a:rPr lang="en-AU" sz="1200" b="0" i="0" u="none" strike="noStrike" kern="1200" baseline="0" dirty="0" smtClean="0">
-                <a:solidFill>
-                  <a:schemeClr val="tx1"/>
-                </a:solidFill>
-                <a:latin typeface="+mn-lt"/>
-                <a:ea typeface="+mn-ea"/>
-                <a:cs typeface="+mn-cs"/>
-              </a:rPr>
-              <a:t>“In simple formulation, the prior distribution can be specified as the conditional distribution of each area-specific spatially structured effect, given all other spatial effects, and is a normal distribution with mean equal to the average of its neighbours, and precision proportional to the number of these neighbours.”</a:t>
-            </a:r>
-          </a:p>
-          <a:p>
-            <a:endParaRPr lang="en-AU" sz="1200" b="0" i="0" u="none" strike="noStrike" kern="1200" baseline="0" dirty="0" smtClean="0">
-              <a:solidFill>
-                <a:schemeClr val="tx1"/>
-              </a:solidFill>
-              <a:latin typeface="+mn-lt"/>
-              <a:ea typeface="+mn-ea"/>
-              <a:cs typeface="+mn-cs"/>
-            </a:endParaRPr>
-          </a:p>
-          <a:p>
-            <a:r>
-              <a:rPr lang="en-AU" sz="1200" b="0" i="0" u="none" strike="noStrike" kern="1200" baseline="0" dirty="0" smtClean="0">
-                <a:solidFill>
-                  <a:schemeClr val="tx1"/>
-                </a:solidFill>
-                <a:latin typeface="+mn-lt"/>
-                <a:ea typeface="+mn-ea"/>
-                <a:cs typeface="+mn-cs"/>
-              </a:rPr>
-              <a:t>“The neighbourhood set for the </a:t>
-            </a:r>
-            <a:r>
-              <a:rPr lang="en-AU" sz="1200" b="0" i="1" u="none" strike="noStrike" kern="1200" baseline="0" dirty="0" err="1" smtClean="0">
-                <a:solidFill>
-                  <a:schemeClr val="tx1"/>
-                </a:solidFill>
-                <a:latin typeface="+mn-lt"/>
-                <a:ea typeface="+mn-ea"/>
-                <a:cs typeface="+mn-cs"/>
-              </a:rPr>
-              <a:t>i</a:t>
-            </a:r>
-            <a:r>
-              <a:rPr lang="en-AU" sz="1200" b="0" i="0" u="none" strike="noStrike" kern="1200" baseline="0" dirty="0" err="1" smtClean="0">
-                <a:solidFill>
-                  <a:schemeClr val="tx1"/>
-                </a:solidFill>
-                <a:latin typeface="+mn-lt"/>
-                <a:ea typeface="+mn-ea"/>
-                <a:cs typeface="+mn-cs"/>
-              </a:rPr>
-              <a:t>th</a:t>
-            </a:r>
-            <a:r>
-              <a:rPr lang="en-AU" sz="1200" b="0" i="0" u="none" strike="noStrike" kern="1200" baseline="0" dirty="0" smtClean="0">
-                <a:solidFill>
-                  <a:schemeClr val="tx1"/>
-                </a:solidFill>
-                <a:latin typeface="+mn-lt"/>
-                <a:ea typeface="+mn-ea"/>
-                <a:cs typeface="+mn-cs"/>
-              </a:rPr>
-              <a:t> area is </a:t>
-            </a:r>
-            <a:r>
-              <a:rPr lang="en-AU" sz="1200" b="0" i="1" u="none" strike="noStrike" kern="1200" baseline="0" dirty="0" err="1" smtClean="0">
-                <a:solidFill>
-                  <a:schemeClr val="tx1"/>
-                </a:solidFill>
-                <a:latin typeface="+mn-lt"/>
-                <a:ea typeface="+mn-ea"/>
-                <a:cs typeface="+mn-cs"/>
-              </a:rPr>
-              <a:t>δ</a:t>
-            </a:r>
-            <a:r>
-              <a:rPr lang="en-AU" sz="1200" b="0" i="1" u="none" strike="noStrike" kern="1200" baseline="-25000" dirty="0" err="1" smtClean="0">
-                <a:solidFill>
-                  <a:schemeClr val="tx1"/>
-                </a:solidFill>
-                <a:latin typeface="+mn-lt"/>
-                <a:ea typeface="+mn-ea"/>
-                <a:cs typeface="+mn-cs"/>
-              </a:rPr>
-              <a:t>i</a:t>
-            </a:r>
-            <a:r>
-              <a:rPr lang="en-AU" sz="1200" b="0" i="1" u="none" strike="noStrike" kern="1200" baseline="0" dirty="0" smtClean="0">
-                <a:solidFill>
-                  <a:schemeClr val="tx1"/>
-                </a:solidFill>
-                <a:latin typeface="+mn-lt"/>
-                <a:ea typeface="+mn-ea"/>
-                <a:cs typeface="+mn-cs"/>
-              </a:rPr>
-              <a:t> </a:t>
-            </a:r>
-            <a:r>
-              <a:rPr lang="en-AU" sz="1200" b="0" i="0" u="none" strike="noStrike" kern="1200" baseline="0" dirty="0" smtClean="0">
-                <a:solidFill>
-                  <a:schemeClr val="tx1"/>
-                </a:solidFill>
-                <a:latin typeface="+mn-lt"/>
-                <a:ea typeface="+mn-ea"/>
-                <a:cs typeface="+mn-cs"/>
-              </a:rPr>
-              <a:t>and the number of neighbours is </a:t>
-            </a:r>
-            <a:r>
-              <a:rPr lang="en-AU" sz="1200" b="0" i="1" u="none" strike="noStrike" kern="1200" baseline="0" dirty="0" smtClean="0">
-                <a:solidFill>
-                  <a:schemeClr val="tx1"/>
-                </a:solidFill>
-                <a:latin typeface="+mn-lt"/>
-                <a:ea typeface="+mn-ea"/>
-                <a:cs typeface="+mn-cs"/>
-              </a:rPr>
-              <a:t>n</a:t>
-            </a:r>
-            <a:r>
-              <a:rPr lang="el-GR" sz="1200" b="0" i="1" u="none" strike="noStrike" kern="1200" baseline="-25000" dirty="0" smtClean="0">
-                <a:solidFill>
-                  <a:schemeClr val="tx1"/>
-                </a:solidFill>
-                <a:latin typeface="+mn-lt"/>
-                <a:ea typeface="+mn-ea"/>
-                <a:cs typeface="+mn-cs"/>
-              </a:rPr>
-              <a:t>δ</a:t>
-            </a:r>
-            <a:r>
-              <a:rPr lang="en-AU" sz="1200" b="0" i="1" u="none" strike="noStrike" kern="1200" baseline="-25000" dirty="0" smtClean="0">
-                <a:solidFill>
-                  <a:schemeClr val="tx1"/>
-                </a:solidFill>
-                <a:latin typeface="+mn-lt"/>
-                <a:ea typeface="+mn-ea"/>
-                <a:cs typeface="+mn-cs"/>
-              </a:rPr>
-              <a:t>i</a:t>
-            </a:r>
-            <a:r>
-              <a:rPr lang="en-AU" sz="1200" b="0" i="0" u="none" strike="noStrike" kern="1200" baseline="0" dirty="0" smtClean="0">
-                <a:solidFill>
-                  <a:schemeClr val="tx1"/>
-                </a:solidFill>
-                <a:latin typeface="+mn-lt"/>
-                <a:ea typeface="+mn-ea"/>
-                <a:cs typeface="+mn-cs"/>
-              </a:rPr>
-              <a:t>.”</a:t>
-            </a:r>
-          </a:p>
-          <a:p>
-            <a:endParaRPr lang="en-AU" sz="1200" b="0" i="0" u="none" strike="noStrike" kern="1200" baseline="0" dirty="0" smtClean="0">
-              <a:solidFill>
-                <a:schemeClr val="tx1"/>
-              </a:solidFill>
-              <a:latin typeface="+mn-lt"/>
-              <a:ea typeface="+mn-ea"/>
-              <a:cs typeface="+mn-cs"/>
-            </a:endParaRPr>
-          </a:p>
-          <a:p>
-            <a:r>
-              <a:rPr lang="en-AU" sz="1200" b="0" i="0" u="none" strike="noStrike" kern="1200" baseline="0" dirty="0" smtClean="0">
-                <a:solidFill>
-                  <a:schemeClr val="tx1"/>
-                </a:solidFill>
-                <a:latin typeface="+mn-lt"/>
-                <a:ea typeface="+mn-ea"/>
-                <a:cs typeface="+mn-cs"/>
-              </a:rPr>
-              <a:t>“This model has been shown in many studies to yield robust estimates across of range of scenarios, including clustering of disease”</a:t>
-            </a:r>
-          </a:p>
-          <a:p>
-            <a:endParaRPr lang="en-AU" sz="1200" b="0" i="0" u="none" strike="noStrike" kern="1200" baseline="0" dirty="0" smtClean="0">
-              <a:solidFill>
-                <a:schemeClr val="tx1"/>
-              </a:solidFill>
-              <a:latin typeface="+mn-lt"/>
-              <a:ea typeface="+mn-ea"/>
-              <a:cs typeface="+mn-cs"/>
-            </a:endParaRPr>
+              <a:rPr lang="en-AU" sz="1200" baseline="0" dirty="0" smtClean="0"/>
+              <a:t>. In this case, it is useful to borrow information from neighbouring areas. This is what the </a:t>
+            </a:r>
+            <a:r>
+              <a:rPr lang="en-AU" sz="1200" baseline="0" dirty="0" err="1" smtClean="0"/>
+              <a:t>Besag</a:t>
+            </a:r>
+            <a:r>
+              <a:rPr lang="en-AU" sz="1200" baseline="0" dirty="0" smtClean="0"/>
+              <a:t>, York and Mollie model attempts to do.</a:t>
+            </a:r>
+            <a:endParaRPr lang="en-AU" sz="1200" dirty="0" smtClean="0"/>
           </a:p>
           <a:p>
             <a:pPr marL="0" marR="0" indent="0" algn="l" defTabSz="914400" rtl="0" eaLnBrk="1" fontAlgn="auto" latinLnBrk="0" hangingPunct="1">
@@ -3833,6 +3418,332 @@
               <a:tabLst/>
               <a:defRPr/>
             </a:pPr>
+            <a:endParaRPr lang="en-AU" sz="1200" dirty="0" smtClean="0"/>
+          </a:p>
+          <a:p>
+            <a:pPr marL="0" marR="0" indent="0" algn="l" defTabSz="914400" rtl="0" eaLnBrk="1" fontAlgn="auto" latinLnBrk="0" hangingPunct="1">
+              <a:lnSpc>
+                <a:spcPct val="100000"/>
+              </a:lnSpc>
+              <a:spcBef>
+                <a:spcPts val="0"/>
+              </a:spcBef>
+              <a:spcAft>
+                <a:spcPts val="0"/>
+              </a:spcAft>
+              <a:buClrTx/>
+              <a:buSzTx/>
+              <a:buFontTx/>
+              <a:buNone/>
+              <a:tabLst/>
+              <a:defRPr/>
+            </a:pPr>
+            <a:r>
+              <a:rPr lang="en-AU" sz="1200" dirty="0" smtClean="0"/>
+              <a:t>Hierarchical</a:t>
+            </a:r>
+            <a:r>
+              <a:rPr lang="en-AU" sz="1200" baseline="0" dirty="0" smtClean="0"/>
+              <a:t> model.</a:t>
+            </a:r>
+            <a:endParaRPr lang="en-AU" sz="1200" dirty="0" smtClean="0"/>
+          </a:p>
+          <a:p>
+            <a:pPr marL="0" marR="0" indent="0" algn="l" defTabSz="914400" rtl="0" eaLnBrk="1" fontAlgn="auto" latinLnBrk="0" hangingPunct="1">
+              <a:lnSpc>
+                <a:spcPct val="100000"/>
+              </a:lnSpc>
+              <a:spcBef>
+                <a:spcPts val="0"/>
+              </a:spcBef>
+              <a:spcAft>
+                <a:spcPts val="0"/>
+              </a:spcAft>
+              <a:buClrTx/>
+              <a:buSzTx/>
+              <a:buFontTx/>
+              <a:buNone/>
+              <a:tabLst/>
+              <a:defRPr/>
+            </a:pPr>
+            <a:endParaRPr lang="en-AU" sz="1200" dirty="0" smtClean="0"/>
+          </a:p>
+          <a:p>
+            <a:pPr marL="0" marR="0" indent="0" algn="l" defTabSz="914400" rtl="0" eaLnBrk="1" fontAlgn="auto" latinLnBrk="0" hangingPunct="1">
+              <a:lnSpc>
+                <a:spcPct val="100000"/>
+              </a:lnSpc>
+              <a:spcBef>
+                <a:spcPts val="0"/>
+              </a:spcBef>
+              <a:spcAft>
+                <a:spcPts val="0"/>
+              </a:spcAft>
+              <a:buClrTx/>
+              <a:buSzTx/>
+              <a:buFontTx/>
+              <a:buNone/>
+              <a:tabLst/>
+              <a:defRPr/>
+            </a:pPr>
+            <a:r>
+              <a:rPr lang="en-AU" sz="1200" dirty="0" smtClean="0"/>
+              <a:t>“</a:t>
+            </a:r>
+            <a:r>
+              <a:rPr lang="en-AU" sz="1200" dirty="0" smtClean="0"/>
+              <a:t>The model decomposes the log of area-level relative risks into the sum of two random effects: one which is unstructured (heterogeneous), </a:t>
+            </a:r>
+            <a:r>
+              <a:rPr lang="en-AU" sz="1200" i="1" dirty="0" smtClean="0"/>
+              <a:t>v</a:t>
+            </a:r>
+            <a:r>
+              <a:rPr lang="en-AU" sz="1200" i="1" baseline="-25000" dirty="0" smtClean="0"/>
+              <a:t>i</a:t>
+            </a:r>
+            <a:r>
+              <a:rPr lang="en-AU" sz="1200" i="1" dirty="0" smtClean="0"/>
+              <a:t> </a:t>
+            </a:r>
+            <a:r>
+              <a:rPr lang="en-AU" sz="1200" dirty="0" smtClean="0"/>
+              <a:t>, and the other spatially structured (dependent), </a:t>
+            </a:r>
+            <a:r>
+              <a:rPr lang="en-AU" sz="1200" i="1" dirty="0" err="1" smtClean="0"/>
+              <a:t>u</a:t>
+            </a:r>
+            <a:r>
+              <a:rPr lang="en-AU" sz="1200" i="1" baseline="-25000" dirty="0" err="1" smtClean="0"/>
+              <a:t>i</a:t>
+            </a:r>
+            <a:r>
+              <a:rPr lang="en-AU" sz="1200" dirty="0" smtClean="0"/>
+              <a:t>.”</a:t>
+            </a:r>
+          </a:p>
+          <a:p>
+            <a:r>
+              <a:rPr lang="en-AU" sz="1200" b="0" i="0" u="none" strike="noStrike" kern="1200" baseline="0" dirty="0" smtClean="0">
+                <a:solidFill>
+                  <a:schemeClr val="tx1"/>
+                </a:solidFill>
+                <a:latin typeface="+mn-lt"/>
+                <a:ea typeface="+mn-ea"/>
+                <a:cs typeface="+mn-cs"/>
+              </a:rPr>
+              <a:t>“The spatially structured effects are modelled by the intrinsic conditional autoregressive normal (ICAR) prior distribution.”</a:t>
+            </a:r>
+          </a:p>
+          <a:p>
+            <a:r>
+              <a:rPr lang="en-AU" sz="1200" b="0" i="0" u="none" strike="noStrike" kern="1200" baseline="0" dirty="0" smtClean="0">
+                <a:solidFill>
+                  <a:schemeClr val="tx1"/>
+                </a:solidFill>
+                <a:latin typeface="+mn-lt"/>
+                <a:ea typeface="+mn-ea"/>
+                <a:cs typeface="+mn-cs"/>
+              </a:rPr>
+              <a:t>“In simple formulation, the prior distribution can be specified as the conditional distribution of each area-specific spatially structured effect, given all other spatial effects, and is a normal distribution with mean equal to the average of its neighbours, and precision proportional to the number of these neighbours.”</a:t>
+            </a:r>
+          </a:p>
+          <a:p>
+            <a:endParaRPr lang="en-AU" sz="1200" b="0" i="0" u="none" strike="noStrike" kern="1200" baseline="0" dirty="0" smtClean="0">
+              <a:solidFill>
+                <a:schemeClr val="tx1"/>
+              </a:solidFill>
+              <a:latin typeface="+mn-lt"/>
+              <a:ea typeface="+mn-ea"/>
+              <a:cs typeface="+mn-cs"/>
+            </a:endParaRPr>
+          </a:p>
+          <a:p>
+            <a:r>
+              <a:rPr lang="en-AU" sz="1200" b="0" i="0" u="none" strike="noStrike" kern="1200" baseline="0" dirty="0" smtClean="0">
+                <a:solidFill>
+                  <a:schemeClr val="tx1"/>
+                </a:solidFill>
+                <a:latin typeface="+mn-lt"/>
+                <a:ea typeface="+mn-ea"/>
+                <a:cs typeface="+mn-cs"/>
+              </a:rPr>
+              <a:t>“The neighbourhood set for the </a:t>
+            </a:r>
+            <a:r>
+              <a:rPr lang="en-AU" sz="1200" b="0" i="1" u="none" strike="noStrike" kern="1200" baseline="0" dirty="0" err="1" smtClean="0">
+                <a:solidFill>
+                  <a:schemeClr val="tx1"/>
+                </a:solidFill>
+                <a:latin typeface="+mn-lt"/>
+                <a:ea typeface="+mn-ea"/>
+                <a:cs typeface="+mn-cs"/>
+              </a:rPr>
+              <a:t>i</a:t>
+            </a:r>
+            <a:r>
+              <a:rPr lang="en-AU" sz="1200" b="0" i="0" u="none" strike="noStrike" kern="1200" baseline="0" dirty="0" err="1" smtClean="0">
+                <a:solidFill>
+                  <a:schemeClr val="tx1"/>
+                </a:solidFill>
+                <a:latin typeface="+mn-lt"/>
+                <a:ea typeface="+mn-ea"/>
+                <a:cs typeface="+mn-cs"/>
+              </a:rPr>
+              <a:t>th</a:t>
+            </a:r>
+            <a:r>
+              <a:rPr lang="en-AU" sz="1200" b="0" i="0" u="none" strike="noStrike" kern="1200" baseline="0" dirty="0" smtClean="0">
+                <a:solidFill>
+                  <a:schemeClr val="tx1"/>
+                </a:solidFill>
+                <a:latin typeface="+mn-lt"/>
+                <a:ea typeface="+mn-ea"/>
+                <a:cs typeface="+mn-cs"/>
+              </a:rPr>
+              <a:t> area is </a:t>
+            </a:r>
+            <a:r>
+              <a:rPr lang="en-AU" sz="1200" b="0" i="1" u="none" strike="noStrike" kern="1200" baseline="0" dirty="0" err="1" smtClean="0">
+                <a:solidFill>
+                  <a:schemeClr val="tx1"/>
+                </a:solidFill>
+                <a:latin typeface="+mn-lt"/>
+                <a:ea typeface="+mn-ea"/>
+                <a:cs typeface="+mn-cs"/>
+              </a:rPr>
+              <a:t>δ</a:t>
+            </a:r>
+            <a:r>
+              <a:rPr lang="en-AU" sz="1200" b="0" i="1" u="none" strike="noStrike" kern="1200" baseline="-25000" dirty="0" err="1" smtClean="0">
+                <a:solidFill>
+                  <a:schemeClr val="tx1"/>
+                </a:solidFill>
+                <a:latin typeface="+mn-lt"/>
+                <a:ea typeface="+mn-ea"/>
+                <a:cs typeface="+mn-cs"/>
+              </a:rPr>
+              <a:t>i</a:t>
+            </a:r>
+            <a:r>
+              <a:rPr lang="en-AU" sz="1200" b="0" i="1" u="none" strike="noStrike" kern="1200" baseline="0" dirty="0" smtClean="0">
+                <a:solidFill>
+                  <a:schemeClr val="tx1"/>
+                </a:solidFill>
+                <a:latin typeface="+mn-lt"/>
+                <a:ea typeface="+mn-ea"/>
+                <a:cs typeface="+mn-cs"/>
+              </a:rPr>
+              <a:t> </a:t>
+            </a:r>
+            <a:r>
+              <a:rPr lang="en-AU" sz="1200" b="0" i="0" u="none" strike="noStrike" kern="1200" baseline="0" dirty="0" smtClean="0">
+                <a:solidFill>
+                  <a:schemeClr val="tx1"/>
+                </a:solidFill>
+                <a:latin typeface="+mn-lt"/>
+                <a:ea typeface="+mn-ea"/>
+                <a:cs typeface="+mn-cs"/>
+              </a:rPr>
+              <a:t>and the number of neighbours is </a:t>
+            </a:r>
+            <a:r>
+              <a:rPr lang="en-AU" sz="1200" b="0" i="1" u="none" strike="noStrike" kern="1200" baseline="0" dirty="0" smtClean="0">
+                <a:solidFill>
+                  <a:schemeClr val="tx1"/>
+                </a:solidFill>
+                <a:latin typeface="+mn-lt"/>
+                <a:ea typeface="+mn-ea"/>
+                <a:cs typeface="+mn-cs"/>
+              </a:rPr>
+              <a:t>n</a:t>
+            </a:r>
+            <a:r>
+              <a:rPr lang="el-GR" sz="1200" b="0" i="1" u="none" strike="noStrike" kern="1200" baseline="-25000" dirty="0" smtClean="0">
+                <a:solidFill>
+                  <a:schemeClr val="tx1"/>
+                </a:solidFill>
+                <a:latin typeface="+mn-lt"/>
+                <a:ea typeface="+mn-ea"/>
+                <a:cs typeface="+mn-cs"/>
+              </a:rPr>
+              <a:t>δ</a:t>
+            </a:r>
+            <a:r>
+              <a:rPr lang="en-AU" sz="1200" b="0" i="1" u="none" strike="noStrike" kern="1200" baseline="-25000" dirty="0" smtClean="0">
+                <a:solidFill>
+                  <a:schemeClr val="tx1"/>
+                </a:solidFill>
+                <a:latin typeface="+mn-lt"/>
+                <a:ea typeface="+mn-ea"/>
+                <a:cs typeface="+mn-cs"/>
+              </a:rPr>
+              <a:t>i</a:t>
+            </a:r>
+            <a:r>
+              <a:rPr lang="en-AU" sz="1200" b="0" i="0" u="none" strike="noStrike" kern="1200" baseline="0" dirty="0" smtClean="0">
+                <a:solidFill>
+                  <a:schemeClr val="tx1"/>
+                </a:solidFill>
+                <a:latin typeface="+mn-lt"/>
+                <a:ea typeface="+mn-ea"/>
+                <a:cs typeface="+mn-cs"/>
+              </a:rPr>
+              <a:t>.”</a:t>
+            </a:r>
+          </a:p>
+          <a:p>
+            <a:endParaRPr lang="en-AU" sz="1200" b="0" i="0" u="none" strike="noStrike" kern="1200" baseline="0" dirty="0" smtClean="0">
+              <a:solidFill>
+                <a:schemeClr val="tx1"/>
+              </a:solidFill>
+              <a:latin typeface="+mn-lt"/>
+              <a:ea typeface="+mn-ea"/>
+              <a:cs typeface="+mn-cs"/>
+            </a:endParaRPr>
+          </a:p>
+          <a:p>
+            <a:r>
+              <a:rPr lang="en-AU" sz="1200" b="0" i="0" u="none" strike="noStrike" kern="1200" baseline="0" dirty="0" smtClean="0">
+                <a:solidFill>
+                  <a:schemeClr val="tx1"/>
+                </a:solidFill>
+                <a:latin typeface="+mn-lt"/>
+                <a:ea typeface="+mn-ea"/>
+                <a:cs typeface="+mn-cs"/>
+              </a:rPr>
+              <a:t>“This model has been shown in many studies to yield robust estimates across of range of scenarios, including clustering of disease”</a:t>
+            </a:r>
+          </a:p>
+          <a:p>
+            <a:endParaRPr lang="en-AU" sz="1200" b="0" i="0" u="none" strike="noStrike" kern="1200" baseline="0" dirty="0" smtClean="0">
+              <a:solidFill>
+                <a:schemeClr val="tx1"/>
+              </a:solidFill>
+              <a:latin typeface="+mn-lt"/>
+              <a:ea typeface="+mn-ea"/>
+              <a:cs typeface="+mn-cs"/>
+            </a:endParaRPr>
+          </a:p>
+          <a:p>
+            <a:pPr marL="0" marR="0" indent="0" algn="l" defTabSz="914400" rtl="0" eaLnBrk="1" fontAlgn="auto" latinLnBrk="0" hangingPunct="1">
+              <a:lnSpc>
+                <a:spcPct val="100000"/>
+              </a:lnSpc>
+              <a:spcBef>
+                <a:spcPts val="0"/>
+              </a:spcBef>
+              <a:spcAft>
+                <a:spcPts val="0"/>
+              </a:spcAft>
+              <a:buClrTx/>
+              <a:buSzTx/>
+              <a:buFontTx/>
+              <a:buNone/>
+              <a:tabLst/>
+              <a:defRPr/>
+            </a:pPr>
             <a:r>
               <a:rPr lang="en-AU" sz="1200" dirty="0" smtClean="0"/>
               <a:t>The BYM model is a Bayesian approach to fitting </a:t>
@@ -3930,7 +3841,7 @@
     </p:spTree>
     <p:extLst>
       <p:ext uri="{BB962C8B-B14F-4D97-AF65-F5344CB8AC3E}">
-        <p14:creationId xmlns:p14="http://schemas.microsoft.com/office/powerpoint/2010/main" xmlns="" val="3461267674"/>
+        <p14:creationId xmlns:p14="http://schemas.microsoft.com/office/powerpoint/2010/main" val="3461267674"/>
       </p:ext>
     </p:extLst>
   </p:cSld>
@@ -4159,7 +4070,7 @@
     </p:spTree>
     <p:extLst>
       <p:ext uri="{BB962C8B-B14F-4D97-AF65-F5344CB8AC3E}">
-        <p14:creationId xmlns:p14="http://schemas.microsoft.com/office/powerpoint/2010/main" xmlns="" val="592797795"/>
+        <p14:creationId xmlns:p14="http://schemas.microsoft.com/office/powerpoint/2010/main" val="592797795"/>
       </p:ext>
     </p:extLst>
   </p:cSld>
@@ -4438,7 +4349,7 @@
             <a:fld id="{D795D3F8-AA5B-4E58-9602-70EDB6AF1C76}" type="slidenum">
               <a:rPr lang="en-AU" smtClean="0"/>
               <a:pPr/>
-              <a:t>8</a:t>
+              <a:t>9</a:t>
             </a:fld>
             <a:endParaRPr lang="en-AU"/>
           </a:p>
@@ -4447,7 +4358,7 @@
     </p:spTree>
     <p:extLst>
       <p:ext uri="{BB962C8B-B14F-4D97-AF65-F5344CB8AC3E}">
-        <p14:creationId xmlns:p14="http://schemas.microsoft.com/office/powerpoint/2010/main" xmlns="" val="735759505"/>
+        <p14:creationId xmlns:p14="http://schemas.microsoft.com/office/powerpoint/2010/main" val="735759505"/>
       </p:ext>
     </p:extLst>
   </p:cSld>
@@ -4600,7 +4511,7 @@
             <a:fld id="{D795D3F8-AA5B-4E58-9602-70EDB6AF1C76}" type="slidenum">
               <a:rPr lang="en-AU" smtClean="0"/>
               <a:pPr/>
-              <a:t>10</a:t>
+              <a:t>11</a:t>
             </a:fld>
             <a:endParaRPr lang="en-AU"/>
           </a:p>
@@ -4609,7 +4520,7 @@
     </p:spTree>
     <p:extLst>
       <p:ext uri="{BB962C8B-B14F-4D97-AF65-F5344CB8AC3E}">
-        <p14:creationId xmlns:p14="http://schemas.microsoft.com/office/powerpoint/2010/main" xmlns="" val="1061400037"/>
+        <p14:creationId xmlns:p14="http://schemas.microsoft.com/office/powerpoint/2010/main" val="1061400037"/>
       </p:ext>
     </p:extLst>
   </p:cSld>
@@ -4801,7 +4712,7 @@
             <a:fld id="{5C1DE6E1-CB5A-410F-AE1B-A0C634280F57}" type="datetimeFigureOut">
               <a:rPr lang="en-AU" smtClean="0"/>
               <a:pPr/>
-              <a:t>16/05/2016</a:t>
+              <a:t>16/05/16</a:t>
             </a:fld>
             <a:endParaRPr lang="en-AU"/>
           </a:p>
@@ -4844,7 +4755,7 @@
             <a:fld id="{FB9FCF4A-F5C4-456E-BDA7-E07E5794C904}" type="slidenum">
               <a:rPr lang="en-AU" smtClean="0"/>
               <a:pPr/>
-              <a:t>‹nr.›</a:t>
+              <a:t>‹#›</a:t>
             </a:fld>
             <a:endParaRPr lang="en-AU"/>
           </a:p>
@@ -4853,7 +4764,7 @@
     </p:spTree>
     <p:extLst>
       <p:ext uri="{BB962C8B-B14F-4D97-AF65-F5344CB8AC3E}">
-        <p14:creationId xmlns:p14="http://schemas.microsoft.com/office/powerpoint/2010/main" xmlns="" val="3850093957"/>
+        <p14:creationId xmlns:p14="http://schemas.microsoft.com/office/powerpoint/2010/main" val="3850093957"/>
       </p:ext>
     </p:extLst>
   </p:cSld>
@@ -4973,7 +4884,7 @@
             <a:fld id="{5C1DE6E1-CB5A-410F-AE1B-A0C634280F57}" type="datetimeFigureOut">
               <a:rPr lang="en-AU" smtClean="0"/>
               <a:pPr/>
-              <a:t>16/05/2016</a:t>
+              <a:t>16/05/16</a:t>
             </a:fld>
             <a:endParaRPr lang="en-AU"/>
           </a:p>
@@ -5016,7 +4927,7 @@
             <a:fld id="{FB9FCF4A-F5C4-456E-BDA7-E07E5794C904}" type="slidenum">
               <a:rPr lang="en-AU" smtClean="0"/>
               <a:pPr/>
-              <a:t>‹nr.›</a:t>
+              <a:t>‹#›</a:t>
             </a:fld>
             <a:endParaRPr lang="en-AU"/>
           </a:p>
@@ -5025,7 +4936,7 @@
     </p:spTree>
     <p:extLst>
       <p:ext uri="{BB962C8B-B14F-4D97-AF65-F5344CB8AC3E}">
-        <p14:creationId xmlns:p14="http://schemas.microsoft.com/office/powerpoint/2010/main" xmlns="" val="82366858"/>
+        <p14:creationId xmlns:p14="http://schemas.microsoft.com/office/powerpoint/2010/main" val="82366858"/>
       </p:ext>
     </p:extLst>
   </p:cSld>
@@ -5155,7 +5066,7 @@
             <a:fld id="{5C1DE6E1-CB5A-410F-AE1B-A0C634280F57}" type="datetimeFigureOut">
               <a:rPr lang="en-AU" smtClean="0"/>
               <a:pPr/>
-              <a:t>16/05/2016</a:t>
+              <a:t>16/05/16</a:t>
             </a:fld>
             <a:endParaRPr lang="en-AU"/>
           </a:p>
@@ -5198,7 +5109,7 @@
             <a:fld id="{FB9FCF4A-F5C4-456E-BDA7-E07E5794C904}" type="slidenum">
               <a:rPr lang="en-AU" smtClean="0"/>
               <a:pPr/>
-              <a:t>‹nr.›</a:t>
+              <a:t>‹#›</a:t>
             </a:fld>
             <a:endParaRPr lang="en-AU"/>
           </a:p>
@@ -5207,7 +5118,7 @@
     </p:spTree>
     <p:extLst>
       <p:ext uri="{BB962C8B-B14F-4D97-AF65-F5344CB8AC3E}">
-        <p14:creationId xmlns:p14="http://schemas.microsoft.com/office/powerpoint/2010/main" xmlns="" val="2374521283"/>
+        <p14:creationId xmlns:p14="http://schemas.microsoft.com/office/powerpoint/2010/main" val="2374521283"/>
       </p:ext>
     </p:extLst>
   </p:cSld>
@@ -5327,7 +5238,7 @@
             <a:fld id="{5C1DE6E1-CB5A-410F-AE1B-A0C634280F57}" type="datetimeFigureOut">
               <a:rPr lang="en-AU" smtClean="0"/>
               <a:pPr/>
-              <a:t>16/05/2016</a:t>
+              <a:t>16/05/16</a:t>
             </a:fld>
             <a:endParaRPr lang="en-AU"/>
           </a:p>
@@ -5370,7 +5281,7 @@
             <a:fld id="{FB9FCF4A-F5C4-456E-BDA7-E07E5794C904}" type="slidenum">
               <a:rPr lang="en-AU" smtClean="0"/>
               <a:pPr/>
-              <a:t>‹nr.›</a:t>
+              <a:t>‹#›</a:t>
             </a:fld>
             <a:endParaRPr lang="en-AU"/>
           </a:p>
@@ -5379,7 +5290,7 @@
     </p:spTree>
     <p:extLst>
       <p:ext uri="{BB962C8B-B14F-4D97-AF65-F5344CB8AC3E}">
-        <p14:creationId xmlns:p14="http://schemas.microsoft.com/office/powerpoint/2010/main" xmlns="" val="578597547"/>
+        <p14:creationId xmlns:p14="http://schemas.microsoft.com/office/powerpoint/2010/main" val="578597547"/>
       </p:ext>
     </p:extLst>
   </p:cSld>
@@ -5575,7 +5486,7 @@
             <a:fld id="{5C1DE6E1-CB5A-410F-AE1B-A0C634280F57}" type="datetimeFigureOut">
               <a:rPr lang="en-AU" smtClean="0"/>
               <a:pPr/>
-              <a:t>16/05/2016</a:t>
+              <a:t>16/05/16</a:t>
             </a:fld>
             <a:endParaRPr lang="en-AU"/>
           </a:p>
@@ -5618,7 +5529,7 @@
             <a:fld id="{FB9FCF4A-F5C4-456E-BDA7-E07E5794C904}" type="slidenum">
               <a:rPr lang="en-AU" smtClean="0"/>
               <a:pPr/>
-              <a:t>‹nr.›</a:t>
+              <a:t>‹#›</a:t>
             </a:fld>
             <a:endParaRPr lang="en-AU"/>
           </a:p>
@@ -5627,7 +5538,7 @@
     </p:spTree>
     <p:extLst>
       <p:ext uri="{BB962C8B-B14F-4D97-AF65-F5344CB8AC3E}">
-        <p14:creationId xmlns:p14="http://schemas.microsoft.com/office/powerpoint/2010/main" xmlns="" val="1168334767"/>
+        <p14:creationId xmlns:p14="http://schemas.microsoft.com/office/powerpoint/2010/main" val="1168334767"/>
       </p:ext>
     </p:extLst>
   </p:cSld>
@@ -5865,7 +5776,7 @@
             <a:fld id="{5C1DE6E1-CB5A-410F-AE1B-A0C634280F57}" type="datetimeFigureOut">
               <a:rPr lang="en-AU" smtClean="0"/>
               <a:pPr/>
-              <a:t>16/05/2016</a:t>
+              <a:t>16/05/16</a:t>
             </a:fld>
             <a:endParaRPr lang="en-AU"/>
           </a:p>
@@ -5908,7 +5819,7 @@
             <a:fld id="{FB9FCF4A-F5C4-456E-BDA7-E07E5794C904}" type="slidenum">
               <a:rPr lang="en-AU" smtClean="0"/>
               <a:pPr/>
-              <a:t>‹nr.›</a:t>
+              <a:t>‹#›</a:t>
             </a:fld>
             <a:endParaRPr lang="en-AU"/>
           </a:p>
@@ -5917,7 +5828,7 @@
     </p:spTree>
     <p:extLst>
       <p:ext uri="{BB962C8B-B14F-4D97-AF65-F5344CB8AC3E}">
-        <p14:creationId xmlns:p14="http://schemas.microsoft.com/office/powerpoint/2010/main" xmlns="" val="3799393235"/>
+        <p14:creationId xmlns:p14="http://schemas.microsoft.com/office/powerpoint/2010/main" val="3799393235"/>
       </p:ext>
     </p:extLst>
   </p:cSld>
@@ -6289,7 +6200,7 @@
             <a:fld id="{5C1DE6E1-CB5A-410F-AE1B-A0C634280F57}" type="datetimeFigureOut">
               <a:rPr lang="en-AU" smtClean="0"/>
               <a:pPr/>
-              <a:t>16/05/2016</a:t>
+              <a:t>16/05/16</a:t>
             </a:fld>
             <a:endParaRPr lang="en-AU"/>
           </a:p>
@@ -6332,7 +6243,7 @@
             <a:fld id="{FB9FCF4A-F5C4-456E-BDA7-E07E5794C904}" type="slidenum">
               <a:rPr lang="en-AU" smtClean="0"/>
               <a:pPr/>
-              <a:t>‹nr.›</a:t>
+              <a:t>‹#›</a:t>
             </a:fld>
             <a:endParaRPr lang="en-AU"/>
           </a:p>
@@ -6341,7 +6252,7 @@
     </p:spTree>
     <p:extLst>
       <p:ext uri="{BB962C8B-B14F-4D97-AF65-F5344CB8AC3E}">
-        <p14:creationId xmlns:p14="http://schemas.microsoft.com/office/powerpoint/2010/main" xmlns="" val="331330908"/>
+        <p14:creationId xmlns:p14="http://schemas.microsoft.com/office/powerpoint/2010/main" val="331330908"/>
       </p:ext>
     </p:extLst>
   </p:cSld>
@@ -6409,7 +6320,7 @@
             <a:fld id="{5C1DE6E1-CB5A-410F-AE1B-A0C634280F57}" type="datetimeFigureOut">
               <a:rPr lang="en-AU" smtClean="0"/>
               <a:pPr/>
-              <a:t>16/05/2016</a:t>
+              <a:t>16/05/16</a:t>
             </a:fld>
             <a:endParaRPr lang="en-AU"/>
           </a:p>
@@ -6452,7 +6363,7 @@
             <a:fld id="{FB9FCF4A-F5C4-456E-BDA7-E07E5794C904}" type="slidenum">
               <a:rPr lang="en-AU" smtClean="0"/>
               <a:pPr/>
-              <a:t>‹nr.›</a:t>
+              <a:t>‹#›</a:t>
             </a:fld>
             <a:endParaRPr lang="en-AU"/>
           </a:p>
@@ -6461,7 +6372,7 @@
     </p:spTree>
     <p:extLst>
       <p:ext uri="{BB962C8B-B14F-4D97-AF65-F5344CB8AC3E}">
-        <p14:creationId xmlns:p14="http://schemas.microsoft.com/office/powerpoint/2010/main" xmlns="" val="3386676714"/>
+        <p14:creationId xmlns:p14="http://schemas.microsoft.com/office/powerpoint/2010/main" val="3386676714"/>
       </p:ext>
     </p:extLst>
   </p:cSld>
@@ -6506,7 +6417,7 @@
             <a:fld id="{5C1DE6E1-CB5A-410F-AE1B-A0C634280F57}" type="datetimeFigureOut">
               <a:rPr lang="en-AU" smtClean="0"/>
               <a:pPr/>
-              <a:t>16/05/2016</a:t>
+              <a:t>16/05/16</a:t>
             </a:fld>
             <a:endParaRPr lang="en-AU"/>
           </a:p>
@@ -6549,7 +6460,7 @@
             <a:fld id="{FB9FCF4A-F5C4-456E-BDA7-E07E5794C904}" type="slidenum">
               <a:rPr lang="en-AU" smtClean="0"/>
               <a:pPr/>
-              <a:t>‹nr.›</a:t>
+              <a:t>‹#›</a:t>
             </a:fld>
             <a:endParaRPr lang="en-AU"/>
           </a:p>
@@ -6558,7 +6469,7 @@
     </p:spTree>
     <p:extLst>
       <p:ext uri="{BB962C8B-B14F-4D97-AF65-F5344CB8AC3E}">
-        <p14:creationId xmlns:p14="http://schemas.microsoft.com/office/powerpoint/2010/main" xmlns="" val="2550651688"/>
+        <p14:creationId xmlns:p14="http://schemas.microsoft.com/office/powerpoint/2010/main" val="2550651688"/>
       </p:ext>
     </p:extLst>
   </p:cSld>
@@ -6785,7 +6696,7 @@
             <a:fld id="{5C1DE6E1-CB5A-410F-AE1B-A0C634280F57}" type="datetimeFigureOut">
               <a:rPr lang="en-AU" smtClean="0"/>
               <a:pPr/>
-              <a:t>16/05/2016</a:t>
+              <a:t>16/05/16</a:t>
             </a:fld>
             <a:endParaRPr lang="en-AU"/>
           </a:p>
@@ -6828,7 +6739,7 @@
             <a:fld id="{FB9FCF4A-F5C4-456E-BDA7-E07E5794C904}" type="slidenum">
               <a:rPr lang="en-AU" smtClean="0"/>
               <a:pPr/>
-              <a:t>‹nr.›</a:t>
+              <a:t>‹#›</a:t>
             </a:fld>
             <a:endParaRPr lang="en-AU"/>
           </a:p>
@@ -6837,7 +6748,7 @@
     </p:spTree>
     <p:extLst>
       <p:ext uri="{BB962C8B-B14F-4D97-AF65-F5344CB8AC3E}">
-        <p14:creationId xmlns:p14="http://schemas.microsoft.com/office/powerpoint/2010/main" xmlns="" val="1800469625"/>
+        <p14:creationId xmlns:p14="http://schemas.microsoft.com/office/powerpoint/2010/main" val="1800469625"/>
       </p:ext>
     </p:extLst>
   </p:cSld>
@@ -7040,7 +6951,7 @@
             <a:fld id="{5C1DE6E1-CB5A-410F-AE1B-A0C634280F57}" type="datetimeFigureOut">
               <a:rPr lang="en-AU" smtClean="0"/>
               <a:pPr/>
-              <a:t>16/05/2016</a:t>
+              <a:t>16/05/16</a:t>
             </a:fld>
             <a:endParaRPr lang="en-AU"/>
           </a:p>
@@ -7083,7 +6994,7 @@
             <a:fld id="{FB9FCF4A-F5C4-456E-BDA7-E07E5794C904}" type="slidenum">
               <a:rPr lang="en-AU" smtClean="0"/>
               <a:pPr/>
-              <a:t>‹nr.›</a:t>
+              <a:t>‹#›</a:t>
             </a:fld>
             <a:endParaRPr lang="en-AU"/>
           </a:p>
@@ -7092,7 +7003,7 @@
     </p:spTree>
     <p:extLst>
       <p:ext uri="{BB962C8B-B14F-4D97-AF65-F5344CB8AC3E}">
-        <p14:creationId xmlns:p14="http://schemas.microsoft.com/office/powerpoint/2010/main" xmlns="" val="2274258738"/>
+        <p14:creationId xmlns:p14="http://schemas.microsoft.com/office/powerpoint/2010/main" val="2274258738"/>
       </p:ext>
     </p:extLst>
   </p:cSld>
@@ -7255,7 +7166,7 @@
             <a:fld id="{5C1DE6E1-CB5A-410F-AE1B-A0C634280F57}" type="datetimeFigureOut">
               <a:rPr lang="en-AU" smtClean="0"/>
               <a:pPr/>
-              <a:t>16/05/2016</a:t>
+              <a:t>16/05/16</a:t>
             </a:fld>
             <a:endParaRPr lang="en-AU"/>
           </a:p>
@@ -7334,7 +7245,7 @@
             <a:fld id="{FB9FCF4A-F5C4-456E-BDA7-E07E5794C904}" type="slidenum">
               <a:rPr lang="en-AU" smtClean="0"/>
               <a:pPr/>
-              <a:t>‹nr.›</a:t>
+              <a:t>‹#›</a:t>
             </a:fld>
             <a:endParaRPr lang="en-AU"/>
           </a:p>
@@ -7343,7 +7254,7 @@
     </p:spTree>
     <p:extLst>
       <p:ext uri="{BB962C8B-B14F-4D97-AF65-F5344CB8AC3E}">
-        <p14:creationId xmlns:p14="http://schemas.microsoft.com/office/powerpoint/2010/main" xmlns="" val="4183199730"/>
+        <p14:creationId xmlns:p14="http://schemas.microsoft.com/office/powerpoint/2010/main" val="4183199730"/>
       </p:ext>
     </p:extLst>
   </p:cSld>
@@ -7712,7 +7623,7 @@
     </p:spTree>
     <p:extLst>
       <p:ext uri="{BB962C8B-B14F-4D97-AF65-F5344CB8AC3E}">
-        <p14:creationId xmlns:p14="http://schemas.microsoft.com/office/powerpoint/2010/main" xmlns="" val="1263506307"/>
+        <p14:creationId xmlns:p14="http://schemas.microsoft.com/office/powerpoint/2010/main" val="1263506307"/>
       </p:ext>
     </p:extLst>
   </p:cSld>
@@ -7722,7 +7633,7 @@
   <p:timing>
     <p:tnLst>
       <p:par>
-        <p:cTn id="1" dur="indefinite" restart="never" nodeType="tmRoot"/>
+        <p:cTn xmlns:p14="http://schemas.microsoft.com/office/powerpoint/2010/main" id="1" dur="indefinite" restart="never" nodeType="tmRoot"/>
       </p:par>
     </p:tnLst>
   </p:timing>
@@ -7758,32 +7669,243 @@
         </p:nvSpPr>
         <p:spPr/>
         <p:txBody>
+          <a:bodyPr/>
+          <a:lstStyle/>
+          <a:p>
+            <a:r>
+              <a:rPr lang="en-AU" dirty="0" smtClean="0"/>
+              <a:t>Model Checking</a:t>
+            </a:r>
+            <a:endParaRPr lang="en-AU" dirty="0"/>
+          </a:p>
+        </p:txBody>
+      </p:sp>
+      <p:sp>
+        <p:nvSpPr>
+          <p:cNvPr id="3" name="Content Placeholder 2"/>
+          <p:cNvSpPr>
+            <a:spLocks noGrp="1"/>
+          </p:cNvSpPr>
+          <p:nvPr>
+            <p:ph idx="1"/>
+          </p:nvPr>
+        </p:nvSpPr>
+        <p:spPr/>
+        <p:txBody>
           <a:bodyPr>
             <a:normAutofit/>
           </a:bodyPr>
           <a:lstStyle/>
           <a:p>
             <a:r>
-              <a:rPr lang="en-AU" dirty="0" smtClean="0"/>
-              <a:t>Results</a:t>
-            </a:r>
+              <a:rPr lang="en-AU" sz="2400" dirty="0"/>
+              <a:t>The mean square predictive error (MSPE) is:</a:t>
+            </a:r>
+          </a:p>
+          <a:p>
+            <a:endParaRPr lang="en-AU" sz="2400" dirty="0"/>
+          </a:p>
+          <a:p>
+            <a:endParaRPr lang="en-AU" sz="2400" dirty="0" smtClean="0"/>
+          </a:p>
+          <a:p>
+            <a:pPr marL="0" indent="0">
+              <a:buNone/>
+            </a:pPr>
+            <a:endParaRPr lang="en-AU" sz="2400" dirty="0" smtClean="0"/>
+          </a:p>
+          <a:p>
+            <a:r>
+              <a:rPr lang="en-AU" sz="2400" dirty="0" smtClean="0"/>
+              <a:t>The </a:t>
+            </a:r>
+            <a:r>
+              <a:rPr lang="en-AU" sz="2400" dirty="0" err="1"/>
+              <a:t>Watanbe-Akaike</a:t>
+            </a:r>
+            <a:r>
+              <a:rPr lang="en-AU" sz="2400" dirty="0"/>
+              <a:t> information criterion (WAIC) is:</a:t>
+            </a:r>
+          </a:p>
+        </p:txBody>
+      </p:sp>
+      <p:sp>
+        <p:nvSpPr>
+          <p:cNvPr id="4" name="Content Placeholder 2"/>
+          <p:cNvSpPr txBox="1">
+            <a:spLocks/>
+          </p:cNvSpPr>
+          <p:nvPr/>
+        </p:nvSpPr>
+        <p:spPr>
+          <a:xfrm>
+            <a:off x="467544" y="1628800"/>
+            <a:ext cx="8229600" cy="4525963"/>
+          </a:xfrm>
+          <a:prstGeom prst="rect">
+            <a:avLst/>
+          </a:prstGeom>
+        </p:spPr>
+        <p:txBody>
+          <a:bodyPr vert="horz" lIns="91440" tIns="45720" rIns="91440" bIns="45720" rtlCol="0">
+            <a:normAutofit/>
+          </a:bodyPr>
+          <a:lstStyle>
+            <a:lvl1pPr marL="342900" indent="-342900" algn="l" defTabSz="914400" rtl="0" eaLnBrk="1" latinLnBrk="0" hangingPunct="1">
+              <a:spcBef>
+                <a:spcPct val="20000"/>
+              </a:spcBef>
+              <a:buFont typeface="Arial" panose="020B0604020202020204" pitchFamily="34" charset="0"/>
+              <a:buChar char="•"/>
+              <a:defRPr sz="3200" kern="1200">
+                <a:solidFill>
+                  <a:schemeClr val="tx1"/>
+                </a:solidFill>
+                <a:latin typeface="+mn-lt"/>
+                <a:ea typeface="+mn-ea"/>
+                <a:cs typeface="+mn-cs"/>
+              </a:defRPr>
+            </a:lvl1pPr>
+            <a:lvl2pPr marL="742950" indent="-285750" algn="l" defTabSz="914400" rtl="0" eaLnBrk="1" latinLnBrk="0" hangingPunct="1">
+              <a:spcBef>
+                <a:spcPct val="20000"/>
+              </a:spcBef>
+              <a:buFont typeface="Arial" panose="020B0604020202020204" pitchFamily="34" charset="0"/>
+              <a:buChar char="–"/>
+              <a:defRPr sz="2800" kern="1200">
+                <a:solidFill>
+                  <a:schemeClr val="tx1"/>
+                </a:solidFill>
+                <a:latin typeface="+mn-lt"/>
+                <a:ea typeface="+mn-ea"/>
+                <a:cs typeface="+mn-cs"/>
+              </a:defRPr>
+            </a:lvl2pPr>
+            <a:lvl3pPr marL="1143000" indent="-228600" algn="l" defTabSz="914400" rtl="0" eaLnBrk="1" latinLnBrk="0" hangingPunct="1">
+              <a:spcBef>
+                <a:spcPct val="20000"/>
+              </a:spcBef>
+              <a:buFont typeface="Arial" panose="020B0604020202020204" pitchFamily="34" charset="0"/>
+              <a:buChar char="•"/>
+              <a:defRPr sz="2400" kern="1200">
+                <a:solidFill>
+                  <a:schemeClr val="tx1"/>
+                </a:solidFill>
+                <a:latin typeface="+mn-lt"/>
+                <a:ea typeface="+mn-ea"/>
+                <a:cs typeface="+mn-cs"/>
+              </a:defRPr>
+            </a:lvl3pPr>
+            <a:lvl4pPr marL="1600200" indent="-228600" algn="l" defTabSz="914400" rtl="0" eaLnBrk="1" latinLnBrk="0" hangingPunct="1">
+              <a:spcBef>
+                <a:spcPct val="20000"/>
+              </a:spcBef>
+              <a:buFont typeface="Arial" panose="020B0604020202020204" pitchFamily="34" charset="0"/>
+              <a:buChar char="–"/>
+              <a:defRPr sz="2000" kern="1200">
+                <a:solidFill>
+                  <a:schemeClr val="tx1"/>
+                </a:solidFill>
+                <a:latin typeface="+mn-lt"/>
+                <a:ea typeface="+mn-ea"/>
+                <a:cs typeface="+mn-cs"/>
+              </a:defRPr>
+            </a:lvl4pPr>
+            <a:lvl5pPr marL="2057400" indent="-228600" algn="l" defTabSz="914400" rtl="0" eaLnBrk="1" latinLnBrk="0" hangingPunct="1">
+              <a:spcBef>
+                <a:spcPct val="20000"/>
+              </a:spcBef>
+              <a:buFont typeface="Arial" panose="020B0604020202020204" pitchFamily="34" charset="0"/>
+              <a:buChar char="»"/>
+              <a:defRPr sz="2000" kern="1200">
+                <a:solidFill>
+                  <a:schemeClr val="tx1"/>
+                </a:solidFill>
+                <a:latin typeface="+mn-lt"/>
+                <a:ea typeface="+mn-ea"/>
+                <a:cs typeface="+mn-cs"/>
+              </a:defRPr>
+            </a:lvl5pPr>
+            <a:lvl6pPr marL="2514600" indent="-228600" algn="l" defTabSz="914400" rtl="0" eaLnBrk="1" latinLnBrk="0" hangingPunct="1">
+              <a:spcBef>
+                <a:spcPct val="20000"/>
+              </a:spcBef>
+              <a:buFont typeface="Arial" panose="020B0604020202020204" pitchFamily="34" charset="0"/>
+              <a:buChar char="•"/>
+              <a:defRPr sz="2000" kern="1200">
+                <a:solidFill>
+                  <a:schemeClr val="tx1"/>
+                </a:solidFill>
+                <a:latin typeface="+mn-lt"/>
+                <a:ea typeface="+mn-ea"/>
+                <a:cs typeface="+mn-cs"/>
+              </a:defRPr>
+            </a:lvl6pPr>
+            <a:lvl7pPr marL="2971800" indent="-228600" algn="l" defTabSz="914400" rtl="0" eaLnBrk="1" latinLnBrk="0" hangingPunct="1">
+              <a:spcBef>
+                <a:spcPct val="20000"/>
+              </a:spcBef>
+              <a:buFont typeface="Arial" panose="020B0604020202020204" pitchFamily="34" charset="0"/>
+              <a:buChar char="•"/>
+              <a:defRPr sz="2000" kern="1200">
+                <a:solidFill>
+                  <a:schemeClr val="tx1"/>
+                </a:solidFill>
+                <a:latin typeface="+mn-lt"/>
+                <a:ea typeface="+mn-ea"/>
+                <a:cs typeface="+mn-cs"/>
+              </a:defRPr>
+            </a:lvl7pPr>
+            <a:lvl8pPr marL="3429000" indent="-228600" algn="l" defTabSz="914400" rtl="0" eaLnBrk="1" latinLnBrk="0" hangingPunct="1">
+              <a:spcBef>
+                <a:spcPct val="20000"/>
+              </a:spcBef>
+              <a:buFont typeface="Arial" panose="020B0604020202020204" pitchFamily="34" charset="0"/>
+              <a:buChar char="•"/>
+              <a:defRPr sz="2000" kern="1200">
+                <a:solidFill>
+                  <a:schemeClr val="tx1"/>
+                </a:solidFill>
+                <a:latin typeface="+mn-lt"/>
+                <a:ea typeface="+mn-ea"/>
+                <a:cs typeface="+mn-cs"/>
+              </a:defRPr>
+            </a:lvl8pPr>
+            <a:lvl9pPr marL="3886200" indent="-228600" algn="l" defTabSz="914400" rtl="0" eaLnBrk="1" latinLnBrk="0" hangingPunct="1">
+              <a:spcBef>
+                <a:spcPct val="20000"/>
+              </a:spcBef>
+              <a:buFont typeface="Arial" panose="020B0604020202020204" pitchFamily="34" charset="0"/>
+              <a:buChar char="•"/>
+              <a:defRPr sz="2000" kern="1200">
+                <a:solidFill>
+                  <a:schemeClr val="tx1"/>
+                </a:solidFill>
+                <a:latin typeface="+mn-lt"/>
+                <a:ea typeface="+mn-ea"/>
+                <a:cs typeface="+mn-cs"/>
+              </a:defRPr>
+            </a:lvl9pPr>
+          </a:lstStyle>
+          <a:p>
             <a:endParaRPr lang="en-AU" dirty="0"/>
           </a:p>
         </p:txBody>
       </p:sp>
       <p:pic>
         <p:nvPicPr>
-          <p:cNvPr id="3075" name="Picture 3"/>
+          <p:cNvPr id="5" name="Picture 8"/>
           <p:cNvPicPr>
             <a:picLocks noChangeAspect="1" noChangeArrowheads="1"/>
           </p:cNvPicPr>
           <p:nvPr/>
         </p:nvPicPr>
         <p:blipFill>
-          <a:blip r:embed="rId3" cstate="print">
+          <a:blip r:embed="rId2" cstate="print">
             <a:extLst>
               <a:ext uri="{28A0092B-C50C-407E-A947-70E740481C1C}">
-                <a14:useLocalDpi xmlns:a14="http://schemas.microsoft.com/office/drawing/2010/main" xmlns="" val="0"/>
+                <a14:useLocalDpi xmlns:a14="http://schemas.microsoft.com/office/drawing/2010/main" val="0"/>
               </a:ext>
             </a:extLst>
           </a:blip>
@@ -7794,8 +7916,8 @@
         </p:blipFill>
         <p:spPr bwMode="auto">
           <a:xfrm>
-            <a:off x="1587667" y="1124744"/>
-            <a:ext cx="5940429" cy="5570746"/>
+            <a:off x="1259632" y="2348880"/>
+            <a:ext cx="3528392" cy="431666"/>
           </a:xfrm>
           <a:prstGeom prst="rect">
             <a:avLst/>
@@ -7805,15 +7927,177 @@
             <a:noFill/>
           </a:ln>
           <a:extLst>
-            <a:ext uri="{909E8E84-426E-40DD-AFC4-6F175D3DCCD1}">
-              <a14:hiddenFill xmlns:a14="http://schemas.microsoft.com/office/drawing/2010/main" xmlns="">
+            <a:ext uri="{909E8E84-426E-40dd-AFC4-6F175D3DCCD1}">
+              <a14:hiddenFill xmlns:a14="http://schemas.microsoft.com/office/drawing/2010/main">
                 <a:solidFill>
                   <a:schemeClr val="accent1"/>
                 </a:solidFill>
               </a14:hiddenFill>
             </a:ext>
-            <a:ext uri="{91240B29-F687-4F45-9708-019B960494DF}">
-              <a14:hiddenLine xmlns:a14="http://schemas.microsoft.com/office/drawing/2010/main" xmlns="" w="9525">
+            <a:ext uri="{91240B29-F687-4f45-9708-019B960494DF}">
+              <a14:hiddenLine xmlns:a14="http://schemas.microsoft.com/office/drawing/2010/main" w="9525">
+                <a:solidFill>
+                  <a:schemeClr val="tx1"/>
+                </a:solidFill>
+                <a:miter lim="800000"/>
+                <a:headEnd/>
+                <a:tailEnd/>
+              </a14:hiddenLine>
+            </a:ext>
+          </a:extLst>
+        </p:spPr>
+      </p:pic>
+      <p:pic>
+        <p:nvPicPr>
+          <p:cNvPr id="6" name="Picture 9"/>
+          <p:cNvPicPr>
+            <a:picLocks noChangeAspect="1" noChangeArrowheads="1"/>
+          </p:cNvPicPr>
+          <p:nvPr/>
+        </p:nvPicPr>
+        <p:blipFill>
+          <a:blip r:embed="rId3" cstate="print">
+            <a:extLst>
+              <a:ext uri="{28A0092B-C50C-407E-A947-70E740481C1C}">
+                <a14:useLocalDpi xmlns:a14="http://schemas.microsoft.com/office/drawing/2010/main" val="0"/>
+              </a:ext>
+            </a:extLst>
+          </a:blip>
+          <a:srcRect/>
+          <a:stretch>
+            <a:fillRect/>
+          </a:stretch>
+        </p:blipFill>
+        <p:spPr bwMode="auto">
+          <a:xfrm>
+            <a:off x="827584" y="4203120"/>
+            <a:ext cx="2880320" cy="374068"/>
+          </a:xfrm>
+          <a:prstGeom prst="rect">
+            <a:avLst/>
+          </a:prstGeom>
+          <a:noFill/>
+          <a:ln>
+            <a:noFill/>
+          </a:ln>
+          <a:extLst>
+            <a:ext uri="{909E8E84-426E-40dd-AFC4-6F175D3DCCD1}">
+              <a14:hiddenFill xmlns:a14="http://schemas.microsoft.com/office/drawing/2010/main">
+                <a:solidFill>
+                  <a:schemeClr val="accent1"/>
+                </a:solidFill>
+              </a14:hiddenFill>
+            </a:ext>
+            <a:ext uri="{91240B29-F687-4f45-9708-019B960494DF}">
+              <a14:hiddenLine xmlns:a14="http://schemas.microsoft.com/office/drawing/2010/main" w="9525">
+                <a:solidFill>
+                  <a:schemeClr val="tx1"/>
+                </a:solidFill>
+                <a:miter lim="800000"/>
+                <a:headEnd/>
+                <a:tailEnd/>
+              </a14:hiddenLine>
+            </a:ext>
+          </a:extLst>
+        </p:spPr>
+      </p:pic>
+      <p:pic>
+        <p:nvPicPr>
+          <p:cNvPr id="7" name="Picture 10"/>
+          <p:cNvPicPr>
+            <a:picLocks noChangeAspect="1" noChangeArrowheads="1"/>
+          </p:cNvPicPr>
+          <p:nvPr/>
+        </p:nvPicPr>
+        <p:blipFill>
+          <a:blip r:embed="rId4" cstate="print">
+            <a:extLst>
+              <a:ext uri="{28A0092B-C50C-407E-A947-70E740481C1C}">
+                <a14:useLocalDpi xmlns:a14="http://schemas.microsoft.com/office/drawing/2010/main" val="0"/>
+              </a:ext>
+            </a:extLst>
+          </a:blip>
+          <a:srcRect/>
+          <a:stretch>
+            <a:fillRect/>
+          </a:stretch>
+        </p:blipFill>
+        <p:spPr bwMode="auto">
+          <a:xfrm>
+            <a:off x="495360" y="4823846"/>
+            <a:ext cx="4796720" cy="449056"/>
+          </a:xfrm>
+          <a:prstGeom prst="rect">
+            <a:avLst/>
+          </a:prstGeom>
+          <a:noFill/>
+          <a:ln>
+            <a:noFill/>
+          </a:ln>
+          <a:extLst>
+            <a:ext uri="{909E8E84-426E-40dd-AFC4-6F175D3DCCD1}">
+              <a14:hiddenFill xmlns:a14="http://schemas.microsoft.com/office/drawing/2010/main">
+                <a:solidFill>
+                  <a:schemeClr val="accent1"/>
+                </a:solidFill>
+              </a14:hiddenFill>
+            </a:ext>
+            <a:ext uri="{91240B29-F687-4f45-9708-019B960494DF}">
+              <a14:hiddenLine xmlns:a14="http://schemas.microsoft.com/office/drawing/2010/main" w="9525">
+                <a:solidFill>
+                  <a:schemeClr val="tx1"/>
+                </a:solidFill>
+                <a:miter lim="800000"/>
+                <a:headEnd/>
+                <a:tailEnd/>
+              </a14:hiddenLine>
+            </a:ext>
+          </a:extLst>
+        </p:spPr>
+      </p:pic>
+      <p:pic>
+        <p:nvPicPr>
+          <p:cNvPr id="8" name="Picture 11"/>
+          <p:cNvPicPr>
+            <a:picLocks noChangeAspect="1" noChangeArrowheads="1"/>
+          </p:cNvPicPr>
+          <p:nvPr/>
+        </p:nvPicPr>
+        <p:blipFill>
+          <a:blip r:embed="rId5" cstate="print">
+            <a:extLst>
+              <a:ext uri="{28A0092B-C50C-407E-A947-70E740481C1C}">
+                <a14:useLocalDpi xmlns:a14="http://schemas.microsoft.com/office/drawing/2010/main" val="0"/>
+              </a:ext>
+            </a:extLst>
+          </a:blip>
+          <a:srcRect/>
+          <a:stretch>
+            <a:fillRect/>
+          </a:stretch>
+        </p:blipFill>
+        <p:spPr bwMode="auto">
+          <a:xfrm>
+            <a:off x="4152840" y="4180423"/>
+            <a:ext cx="4091568" cy="378516"/>
+          </a:xfrm>
+          <a:prstGeom prst="rect">
+            <a:avLst/>
+          </a:prstGeom>
+          <a:noFill/>
+          <a:ln>
+            <a:noFill/>
+          </a:ln>
+          <a:extLst>
+            <a:ext uri="{909E8E84-426E-40dd-AFC4-6F175D3DCCD1}">
+              <a14:hiddenFill xmlns:a14="http://schemas.microsoft.com/office/drawing/2010/main">
+                <a:solidFill>
+                  <a:schemeClr val="accent1"/>
+                </a:solidFill>
+              </a14:hiddenFill>
+            </a:ext>
+            <a:ext uri="{91240B29-F687-4f45-9708-019B960494DF}">
+              <a14:hiddenLine xmlns:a14="http://schemas.microsoft.com/office/drawing/2010/main" w="9525">
                 <a:solidFill>
                   <a:schemeClr val="tx1"/>
                 </a:solidFill>
@@ -7828,7 +8112,7 @@
     </p:spTree>
     <p:extLst>
       <p:ext uri="{BB962C8B-B14F-4D97-AF65-F5344CB8AC3E}">
-        <p14:creationId xmlns:p14="http://schemas.microsoft.com/office/powerpoint/2010/main" xmlns="" val="1269273054"/>
+        <p14:creationId xmlns:p14="http://schemas.microsoft.com/office/powerpoint/2010/main" val="3525150167"/>
       </p:ext>
     </p:extLst>
   </p:cSld>
@@ -7838,7 +8122,7 @@
   <p:timing>
     <p:tnLst>
       <p:par>
-        <p:cTn id="1" dur="indefinite" restart="never" nodeType="tmRoot"/>
+        <p:cTn xmlns:p14="http://schemas.microsoft.com/office/powerpoint/2010/main" id="1" dur="indefinite" restart="never" nodeType="tmRoot"/>
       </p:par>
     </p:tnLst>
   </p:timing>
@@ -7874,7 +8158,9 @@
         </p:nvSpPr>
         <p:spPr/>
         <p:txBody>
-          <a:bodyPr/>
+          <a:bodyPr>
+            <a:normAutofit/>
+          </a:bodyPr>
           <a:lstStyle/>
           <a:p>
             <a:r>
@@ -7887,17 +8173,17 @@
       </p:sp>
       <p:pic>
         <p:nvPicPr>
-          <p:cNvPr id="6" name="Picture 2"/>
+          <p:cNvPr id="3075" name="Picture 3"/>
           <p:cNvPicPr>
             <a:picLocks noChangeAspect="1" noChangeArrowheads="1"/>
           </p:cNvPicPr>
           <p:nvPr/>
         </p:nvPicPr>
         <p:blipFill>
-          <a:blip r:embed="rId2" cstate="print">
+          <a:blip r:embed="rId3" cstate="print">
             <a:extLst>
               <a:ext uri="{28A0092B-C50C-407E-A947-70E740481C1C}">
-                <a14:useLocalDpi xmlns:a14="http://schemas.microsoft.com/office/drawing/2010/main" xmlns="" val="0"/>
+                <a14:useLocalDpi xmlns:a14="http://schemas.microsoft.com/office/drawing/2010/main" val="0"/>
               </a:ext>
             </a:extLst>
           </a:blip>
@@ -7908,8 +8194,8 @@
         </p:blipFill>
         <p:spPr bwMode="auto">
           <a:xfrm>
-            <a:off x="1547664" y="1412776"/>
-            <a:ext cx="5544616" cy="5142525"/>
+            <a:off x="1587667" y="1124744"/>
+            <a:ext cx="5940429" cy="5570746"/>
           </a:xfrm>
           <a:prstGeom prst="rect">
             <a:avLst/>
@@ -7919,15 +8205,15 @@
             <a:noFill/>
           </a:ln>
           <a:extLst>
-            <a:ext uri="{909E8E84-426E-40DD-AFC4-6F175D3DCCD1}">
-              <a14:hiddenFill xmlns:a14="http://schemas.microsoft.com/office/drawing/2010/main" xmlns="">
+            <a:ext uri="{909E8E84-426E-40dd-AFC4-6F175D3DCCD1}">
+              <a14:hiddenFill xmlns:a14="http://schemas.microsoft.com/office/drawing/2010/main">
                 <a:solidFill>
                   <a:schemeClr val="accent1"/>
                 </a:solidFill>
               </a14:hiddenFill>
             </a:ext>
-            <a:ext uri="{91240B29-F687-4F45-9708-019B960494DF}">
-              <a14:hiddenLine xmlns:a14="http://schemas.microsoft.com/office/drawing/2010/main" xmlns="" w="9525">
+            <a:ext uri="{91240B29-F687-4f45-9708-019B960494DF}">
+              <a14:hiddenLine xmlns:a14="http://schemas.microsoft.com/office/drawing/2010/main" w="9525">
                 <a:solidFill>
                   <a:schemeClr val="tx1"/>
                 </a:solidFill>
@@ -7942,7 +8228,7 @@
     </p:spTree>
     <p:extLst>
       <p:ext uri="{BB962C8B-B14F-4D97-AF65-F5344CB8AC3E}">
-        <p14:creationId xmlns:p14="http://schemas.microsoft.com/office/powerpoint/2010/main" xmlns="" val="3768992529"/>
+        <p14:creationId xmlns:p14="http://schemas.microsoft.com/office/powerpoint/2010/main" val="1269273054"/>
       </p:ext>
     </p:extLst>
   </p:cSld>
@@ -7952,7 +8238,7 @@
   <p:timing>
     <p:tnLst>
       <p:par>
-        <p:cTn id="1" dur="indefinite" restart="never" nodeType="tmRoot"/>
+        <p:cTn xmlns:p14="http://schemas.microsoft.com/office/powerpoint/2010/main" id="1" dur="indefinite" restart="never" nodeType="tmRoot"/>
       </p:par>
     </p:tnLst>
   </p:timing>
@@ -8001,7 +8287,7 @@
       </p:sp>
       <p:pic>
         <p:nvPicPr>
-          <p:cNvPr id="6" name="Picture 5"/>
+          <p:cNvPr id="6" name="Picture 2"/>
           <p:cNvPicPr>
             <a:picLocks noChangeAspect="1" noChangeArrowheads="1"/>
           </p:cNvPicPr>
@@ -8011,7 +8297,7 @@
           <a:blip r:embed="rId2" cstate="print">
             <a:extLst>
               <a:ext uri="{28A0092B-C50C-407E-A947-70E740481C1C}">
-                <a14:useLocalDpi xmlns:a14="http://schemas.microsoft.com/office/drawing/2010/main" xmlns="" val="0"/>
+                <a14:useLocalDpi xmlns:a14="http://schemas.microsoft.com/office/drawing/2010/main" val="0"/>
               </a:ext>
             </a:extLst>
           </a:blip>
@@ -8022,8 +8308,8 @@
         </p:blipFill>
         <p:spPr bwMode="auto">
           <a:xfrm>
-            <a:off x="1547664" y="1268760"/>
-            <a:ext cx="5394370" cy="5211271"/>
+            <a:off x="1547664" y="1412776"/>
+            <a:ext cx="5544616" cy="5142525"/>
           </a:xfrm>
           <a:prstGeom prst="rect">
             <a:avLst/>
@@ -8033,15 +8319,15 @@
             <a:noFill/>
           </a:ln>
           <a:extLst>
-            <a:ext uri="{909E8E84-426E-40DD-AFC4-6F175D3DCCD1}">
-              <a14:hiddenFill xmlns:a14="http://schemas.microsoft.com/office/drawing/2010/main" xmlns="">
+            <a:ext uri="{909E8E84-426E-40dd-AFC4-6F175D3DCCD1}">
+              <a14:hiddenFill xmlns:a14="http://schemas.microsoft.com/office/drawing/2010/main">
                 <a:solidFill>
                   <a:schemeClr val="accent1"/>
                 </a:solidFill>
               </a14:hiddenFill>
             </a:ext>
-            <a:ext uri="{91240B29-F687-4F45-9708-019B960494DF}">
-              <a14:hiddenLine xmlns:a14="http://schemas.microsoft.com/office/drawing/2010/main" xmlns="" w="9525">
+            <a:ext uri="{91240B29-F687-4f45-9708-019B960494DF}">
+              <a14:hiddenLine xmlns:a14="http://schemas.microsoft.com/office/drawing/2010/main" w="9525">
                 <a:solidFill>
                   <a:schemeClr val="tx1"/>
                 </a:solidFill>
@@ -8056,7 +8342,7 @@
     </p:spTree>
     <p:extLst>
       <p:ext uri="{BB962C8B-B14F-4D97-AF65-F5344CB8AC3E}">
-        <p14:creationId xmlns:p14="http://schemas.microsoft.com/office/powerpoint/2010/main" xmlns="" val="3460837379"/>
+        <p14:creationId xmlns:p14="http://schemas.microsoft.com/office/powerpoint/2010/main" val="3768992529"/>
       </p:ext>
     </p:extLst>
   </p:cSld>
@@ -8066,7 +8352,7 @@
   <p:timing>
     <p:tnLst>
       <p:par>
-        <p:cTn id="1" dur="indefinite" restart="never" nodeType="tmRoot"/>
+        <p:cTn xmlns:p14="http://schemas.microsoft.com/office/powerpoint/2010/main" id="1" dur="indefinite" restart="never" nodeType="tmRoot"/>
       </p:par>
     </p:tnLst>
   </p:timing>
@@ -8107,61 +8393,25 @@
           <a:p>
             <a:r>
               <a:rPr lang="en-AU" dirty="0" smtClean="0"/>
-              <a:t>Results of the article</a:t>
+              <a:t>Results</a:t>
             </a:r>
             <a:endParaRPr lang="en-AU" dirty="0"/>
-          </a:p>
-        </p:txBody>
-      </p:sp>
-      <p:sp>
-        <p:nvSpPr>
-          <p:cNvPr id="3" name="Content Placeholder 2"/>
-          <p:cNvSpPr>
-            <a:spLocks noGrp="1"/>
-          </p:cNvSpPr>
-          <p:nvPr>
-            <p:ph idx="1"/>
-          </p:nvPr>
-        </p:nvSpPr>
-        <p:spPr>
-          <a:xfrm>
-            <a:off x="457200" y="1600200"/>
-            <a:ext cx="4143324" cy="4525963"/>
-          </a:xfrm>
-        </p:spPr>
-        <p:txBody>
-          <a:bodyPr>
-            <a:normAutofit/>
-          </a:bodyPr>
-          <a:lstStyle/>
-          <a:p>
-            <a:r>
-              <a:rPr lang="en-AU" sz="2400" dirty="0" smtClean="0"/>
-              <a:t>When they compared the BYM and SPC models, they found that the SPC is a better fit to the data, but is only marginally better at predicting future data.  </a:t>
-            </a:r>
-          </a:p>
-          <a:p>
-            <a:r>
-              <a:rPr lang="en-AU" sz="2400" dirty="0" smtClean="0"/>
-              <a:t>They also compared the SMR with the BYM and SPC models, and found that the BYM and SPC produced smoother risk estimates</a:t>
-            </a:r>
-            <a:endParaRPr lang="en-AU" sz="2400" dirty="0"/>
           </a:p>
         </p:txBody>
       </p:sp>
       <p:pic>
         <p:nvPicPr>
-          <p:cNvPr id="1026" name="Picture 2"/>
+          <p:cNvPr id="6" name="Picture 5"/>
           <p:cNvPicPr>
             <a:picLocks noChangeAspect="1" noChangeArrowheads="1"/>
           </p:cNvPicPr>
           <p:nvPr/>
         </p:nvPicPr>
         <p:blipFill>
-          <a:blip r:embed="rId3" cstate="print">
+          <a:blip r:embed="rId2" cstate="print">
             <a:extLst>
               <a:ext uri="{28A0092B-C50C-407E-A947-70E740481C1C}">
-                <a14:useLocalDpi xmlns:a14="http://schemas.microsoft.com/office/drawing/2010/main" xmlns="" val="0"/>
+                <a14:useLocalDpi xmlns:a14="http://schemas.microsoft.com/office/drawing/2010/main" val="0"/>
               </a:ext>
             </a:extLst>
           </a:blip>
@@ -8172,8 +8422,8 @@
         </p:blipFill>
         <p:spPr bwMode="auto">
           <a:xfrm>
-            <a:off x="4600524" y="1457325"/>
-            <a:ext cx="3771900" cy="1314450"/>
+            <a:off x="1547664" y="1268760"/>
+            <a:ext cx="5394370" cy="5211271"/>
           </a:xfrm>
           <a:prstGeom prst="rect">
             <a:avLst/>
@@ -8183,15 +8433,15 @@
             <a:noFill/>
           </a:ln>
           <a:extLst>
-            <a:ext uri="{909E8E84-426E-40DD-AFC4-6F175D3DCCD1}">
-              <a14:hiddenFill xmlns:a14="http://schemas.microsoft.com/office/drawing/2010/main" xmlns="">
+            <a:ext uri="{909E8E84-426E-40dd-AFC4-6F175D3DCCD1}">
+              <a14:hiddenFill xmlns:a14="http://schemas.microsoft.com/office/drawing/2010/main">
                 <a:solidFill>
                   <a:schemeClr val="accent1"/>
                 </a:solidFill>
               </a14:hiddenFill>
             </a:ext>
-            <a:ext uri="{91240B29-F687-4F45-9708-019B960494DF}">
-              <a14:hiddenLine xmlns:a14="http://schemas.microsoft.com/office/drawing/2010/main" xmlns="" w="9525">
+            <a:ext uri="{91240B29-F687-4f45-9708-019B960494DF}">
+              <a14:hiddenLine xmlns:a14="http://schemas.microsoft.com/office/drawing/2010/main" w="9525">
                 <a:solidFill>
                   <a:schemeClr val="tx1"/>
                 </a:solidFill>
@@ -8206,7 +8456,7 @@
     </p:spTree>
     <p:extLst>
       <p:ext uri="{BB962C8B-B14F-4D97-AF65-F5344CB8AC3E}">
-        <p14:creationId xmlns:p14="http://schemas.microsoft.com/office/powerpoint/2010/main" xmlns="" val="3639731568"/>
+        <p14:creationId xmlns:p14="http://schemas.microsoft.com/office/powerpoint/2010/main" val="3460837379"/>
       </p:ext>
     </p:extLst>
   </p:cSld>
@@ -8216,7 +8466,7 @@
   <p:timing>
     <p:tnLst>
       <p:par>
-        <p:cTn id="1" dur="indefinite" restart="never" nodeType="tmRoot"/>
+        <p:cTn xmlns:p14="http://schemas.microsoft.com/office/powerpoint/2010/main" id="1" dur="indefinite" restart="never" nodeType="tmRoot"/>
       </p:par>
     </p:tnLst>
   </p:timing>
@@ -8252,71 +8502,111 @@
         </p:nvSpPr>
         <p:spPr/>
         <p:txBody>
+          <a:bodyPr/>
+          <a:lstStyle/>
+          <a:p>
+            <a:r>
+              <a:rPr lang="en-AU" dirty="0" smtClean="0"/>
+              <a:t>Results of the article</a:t>
+            </a:r>
+            <a:endParaRPr lang="en-AU" dirty="0"/>
+          </a:p>
+        </p:txBody>
+      </p:sp>
+      <p:sp>
+        <p:nvSpPr>
+          <p:cNvPr id="3" name="Content Placeholder 2"/>
+          <p:cNvSpPr>
+            <a:spLocks noGrp="1"/>
+          </p:cNvSpPr>
+          <p:nvPr>
+            <p:ph idx="1"/>
+          </p:nvPr>
+        </p:nvSpPr>
+        <p:spPr>
+          <a:xfrm>
+            <a:off x="457200" y="1600200"/>
+            <a:ext cx="4143324" cy="4525963"/>
+          </a:xfrm>
+        </p:spPr>
+        <p:txBody>
           <a:bodyPr>
-            <a:normAutofit fontScale="90000"/>
+            <a:normAutofit/>
           </a:bodyPr>
           <a:lstStyle/>
           <a:p>
             <a:r>
-              <a:rPr lang="en-AU" dirty="0"/>
-              <a:t>Extension – Immunisation Rates in Australia</a:t>
-            </a:r>
-          </a:p>
-        </p:txBody>
-      </p:sp>
-      <p:sp>
-        <p:nvSpPr>
-          <p:cNvPr id="3" name="Content Placeholder 2"/>
-          <p:cNvSpPr>
-            <a:spLocks noGrp="1"/>
-          </p:cNvSpPr>
-          <p:nvPr>
-            <p:ph idx="1"/>
-          </p:nvPr>
-        </p:nvSpPr>
-        <p:spPr/>
-        <p:txBody>
-          <a:bodyPr/>
-          <a:lstStyle/>
-          <a:p>
-            <a:r>
-              <a:rPr lang="en-AU" dirty="0"/>
-              <a:t>Are there clustering of high unimmunised children in Australia</a:t>
-            </a:r>
-            <a:r>
-              <a:rPr lang="en-AU" dirty="0" smtClean="0"/>
-              <a:t>?</a:t>
-            </a:r>
-          </a:p>
-          <a:p>
-            <a:r>
-              <a:rPr lang="en-AU" dirty="0" smtClean="0"/>
-              <a:t>Vaccination rates need to continue to improve to reach the 95% coverage goal for herd immunity (reference).</a:t>
-            </a:r>
-          </a:p>
-          <a:p>
-            <a:r>
-              <a:rPr lang="en-US" dirty="0"/>
-              <a:t>Outbreaks of measles linked to low vaccination </a:t>
-            </a:r>
-            <a:r>
-              <a:rPr lang="en-US" dirty="0" smtClean="0"/>
-              <a:t>rates (reference).</a:t>
-            </a:r>
-            <a:endParaRPr lang="en-AU" dirty="0"/>
-          </a:p>
-          <a:p>
-            <a:endParaRPr lang="en-AU" dirty="0"/>
-          </a:p>
-          <a:p>
-            <a:endParaRPr lang="en-AU" dirty="0"/>
-          </a:p>
-        </p:txBody>
-      </p:sp>
+              <a:rPr lang="en-AU" sz="2400" dirty="0" smtClean="0"/>
+              <a:t>When they compared the BYM and SPC models, they found that the SPC is a better fit to the data, but is only marginally better at predicting future data.  </a:t>
+            </a:r>
+          </a:p>
+          <a:p>
+            <a:r>
+              <a:rPr lang="en-AU" sz="2400" dirty="0" smtClean="0"/>
+              <a:t>They also compared the SMR with the BYM and SPC models, and found that the BYM and SPC produced smoother risk estimates</a:t>
+            </a:r>
+            <a:endParaRPr lang="en-AU" sz="2400" dirty="0"/>
+          </a:p>
+        </p:txBody>
+      </p:sp>
+      <p:pic>
+        <p:nvPicPr>
+          <p:cNvPr id="1026" name="Picture 2"/>
+          <p:cNvPicPr>
+            <a:picLocks noChangeAspect="1" noChangeArrowheads="1"/>
+          </p:cNvPicPr>
+          <p:nvPr/>
+        </p:nvPicPr>
+        <p:blipFill>
+          <a:blip r:embed="rId3" cstate="print">
+            <a:extLst>
+              <a:ext uri="{28A0092B-C50C-407E-A947-70E740481C1C}">
+                <a14:useLocalDpi xmlns:a14="http://schemas.microsoft.com/office/drawing/2010/main" val="0"/>
+              </a:ext>
+            </a:extLst>
+          </a:blip>
+          <a:srcRect/>
+          <a:stretch>
+            <a:fillRect/>
+          </a:stretch>
+        </p:blipFill>
+        <p:spPr bwMode="auto">
+          <a:xfrm>
+            <a:off x="4600524" y="1457325"/>
+            <a:ext cx="3771900" cy="1314450"/>
+          </a:xfrm>
+          <a:prstGeom prst="rect">
+            <a:avLst/>
+          </a:prstGeom>
+          <a:noFill/>
+          <a:ln>
+            <a:noFill/>
+          </a:ln>
+          <a:extLst>
+            <a:ext uri="{909E8E84-426E-40dd-AFC4-6F175D3DCCD1}">
+              <a14:hiddenFill xmlns:a14="http://schemas.microsoft.com/office/drawing/2010/main">
+                <a:solidFill>
+                  <a:schemeClr val="accent1"/>
+                </a:solidFill>
+              </a14:hiddenFill>
+            </a:ext>
+            <a:ext uri="{91240B29-F687-4f45-9708-019B960494DF}">
+              <a14:hiddenLine xmlns:a14="http://schemas.microsoft.com/office/drawing/2010/main" w="9525">
+                <a:solidFill>
+                  <a:schemeClr val="tx1"/>
+                </a:solidFill>
+                <a:miter lim="800000"/>
+                <a:headEnd/>
+                <a:tailEnd/>
+              </a14:hiddenLine>
+            </a:ext>
+          </a:extLst>
+        </p:spPr>
+      </p:pic>
     </p:spTree>
     <p:extLst>
       <p:ext uri="{BB962C8B-B14F-4D97-AF65-F5344CB8AC3E}">
-        <p14:creationId xmlns:p14="http://schemas.microsoft.com/office/powerpoint/2010/main" xmlns="" val="189330541"/>
+        <p14:creationId xmlns:p14="http://schemas.microsoft.com/office/powerpoint/2010/main" val="3639731568"/>
       </p:ext>
     </p:extLst>
   </p:cSld>
@@ -8326,7 +8616,7 @@
   <p:timing>
     <p:tnLst>
       <p:par>
-        <p:cTn id="1" dur="indefinite" restart="never" nodeType="tmRoot"/>
+        <p:cTn xmlns:p14="http://schemas.microsoft.com/office/powerpoint/2010/main" id="1" dur="indefinite" restart="never" nodeType="tmRoot"/>
       </p:par>
     </p:tnLst>
   </p:timing>
@@ -8362,63 +8652,56 @@
         </p:nvSpPr>
         <p:spPr/>
         <p:txBody>
-          <a:bodyPr/>
-          <a:lstStyle/>
-          <a:p>
+          <a:bodyPr>
+            <a:normAutofit fontScale="90000"/>
+          </a:bodyPr>
+          <a:lstStyle/>
+          <a:p>
+            <a:r>
+              <a:rPr lang="en-AU" dirty="0"/>
+              <a:t>Extension – Immunisation Rates in Australia</a:t>
+            </a:r>
+          </a:p>
+        </p:txBody>
+      </p:sp>
+      <p:sp>
+        <p:nvSpPr>
+          <p:cNvPr id="3" name="Content Placeholder 2"/>
+          <p:cNvSpPr>
+            <a:spLocks noGrp="1"/>
+          </p:cNvSpPr>
+          <p:nvPr>
+            <p:ph idx="1"/>
+          </p:nvPr>
+        </p:nvSpPr>
+        <p:spPr/>
+        <p:txBody>
+          <a:bodyPr/>
+          <a:lstStyle/>
+          <a:p>
+            <a:r>
+              <a:rPr lang="en-AU" dirty="0"/>
+              <a:t>Are there clustering of high unimmunised children in Australia</a:t>
+            </a:r>
             <a:r>
               <a:rPr lang="en-AU" dirty="0" smtClean="0"/>
-              <a:t>Extension - Data</a:t>
-            </a:r>
-            <a:endParaRPr lang="en-AU" dirty="0"/>
-          </a:p>
-        </p:txBody>
-      </p:sp>
-      <p:sp>
-        <p:nvSpPr>
-          <p:cNvPr id="3" name="Content Placeholder 2"/>
-          <p:cNvSpPr>
-            <a:spLocks noGrp="1"/>
-          </p:cNvSpPr>
-          <p:nvPr>
-            <p:ph idx="1"/>
-          </p:nvPr>
-        </p:nvSpPr>
-        <p:spPr/>
-        <p:txBody>
-          <a:bodyPr/>
-          <a:lstStyle/>
-          <a:p>
-            <a:r>
-              <a:rPr lang="en-AU" dirty="0"/>
-              <a:t>C</a:t>
-            </a:r>
+              <a:t>?</a:t>
+            </a:r>
+          </a:p>
+          <a:p>
             <a:r>
               <a:rPr lang="en-AU" dirty="0" smtClean="0"/>
-              <a:t>ounts of immunised and non-immunised 1 year old children at the postcode level (reference).</a:t>
-            </a:r>
-          </a:p>
-          <a:p>
-            <a:r>
-              <a:rPr lang="en-AU" dirty="0" smtClean="0"/>
-              <a:t>Binomially distributed.</a:t>
-            </a:r>
-          </a:p>
-          <a:p>
-            <a:r>
-              <a:rPr lang="en-AU" dirty="0"/>
-              <a:t>ABS </a:t>
-            </a:r>
-            <a:r>
-              <a:rPr lang="en-AU" dirty="0" smtClean="0"/>
-              <a:t>Postal Areas </a:t>
-            </a:r>
-            <a:r>
-              <a:rPr lang="en-AU" dirty="0" err="1" smtClean="0"/>
-              <a:t>Shapefile</a:t>
-            </a:r>
-            <a:r>
-              <a:rPr lang="en-AU" dirty="0" smtClean="0"/>
-              <a:t> (reference).</a:t>
+              <a:t>Vaccination rates need to continue to improve to reach the 95% coverage goal for herd immunity (reference).</a:t>
+            </a:r>
+          </a:p>
+          <a:p>
+            <a:r>
+              <a:rPr lang="en-US" dirty="0"/>
+              <a:t>Outbreaks of measles linked to low vaccination </a:t>
+            </a:r>
+            <a:r>
+              <a:rPr lang="en-US" dirty="0" smtClean="0"/>
+              <a:t>rates (reference).</a:t>
             </a:r>
             <a:endParaRPr lang="en-AU" dirty="0"/>
           </a:p>
@@ -8433,7 +8716,7 @@
     </p:spTree>
     <p:extLst>
       <p:ext uri="{BB962C8B-B14F-4D97-AF65-F5344CB8AC3E}">
-        <p14:creationId xmlns:p14="http://schemas.microsoft.com/office/powerpoint/2010/main" xmlns="" val="626910422"/>
+        <p14:creationId xmlns:p14="http://schemas.microsoft.com/office/powerpoint/2010/main" val="189330541"/>
       </p:ext>
     </p:extLst>
   </p:cSld>
@@ -8443,7 +8726,7 @@
   <p:timing>
     <p:tnLst>
       <p:par>
-        <p:cTn id="1" dur="indefinite" restart="never" nodeType="tmRoot"/>
+        <p:cTn xmlns:p14="http://schemas.microsoft.com/office/powerpoint/2010/main" id="1" dur="indefinite" restart="never" nodeType="tmRoot"/>
       </p:par>
     </p:tnLst>
   </p:timing>
@@ -8484,41 +8767,73 @@
           <a:p>
             <a:r>
               <a:rPr lang="en-AU" dirty="0" smtClean="0"/>
-              <a:t>Extension – Data Visualisation</a:t>
+              <a:t>Extension - Data</a:t>
             </a:r>
             <a:endParaRPr lang="en-AU" dirty="0"/>
           </a:p>
         </p:txBody>
       </p:sp>
-      <p:pic>
-        <p:nvPicPr>
-          <p:cNvPr id="4" name="Content Placeholder 3" descr="Histogram.png"/>
-          <p:cNvPicPr>
-            <a:picLocks noGrp="1" noChangeAspect="1"/>
-          </p:cNvPicPr>
+      <p:sp>
+        <p:nvSpPr>
+          <p:cNvPr id="3" name="Content Placeholder 2"/>
+          <p:cNvSpPr>
+            <a:spLocks noGrp="1"/>
+          </p:cNvSpPr>
           <p:nvPr>
             <p:ph idx="1"/>
           </p:nvPr>
-        </p:nvPicPr>
-        <p:blipFill>
-          <a:blip r:embed="rId3" cstate="print">
-            <a:extLst>
-              <a:ext uri="{28A0092B-C50C-407E-A947-70E740481C1C}">
-                <a14:useLocalDpi xmlns:a14="http://schemas.microsoft.com/office/drawing/2010/main" xmlns="" val="0"/>
-              </a:ext>
-            </a:extLst>
-          </a:blip>
-          <a:srcRect t="11728" b="11728"/>
-          <a:stretch>
-            <a:fillRect/>
-          </a:stretch>
-        </p:blipFill>
-        <p:spPr/>
-      </p:pic>
+        </p:nvSpPr>
+        <p:spPr/>
+        <p:txBody>
+          <a:bodyPr/>
+          <a:lstStyle/>
+          <a:p>
+            <a:r>
+              <a:rPr lang="en-AU" dirty="0"/>
+              <a:t>C</a:t>
+            </a:r>
+            <a:r>
+              <a:rPr lang="en-AU" dirty="0" smtClean="0"/>
+              <a:t>ounts of immunised and non-immunised 1 year old children at the postcode level (reference).</a:t>
+            </a:r>
+          </a:p>
+          <a:p>
+            <a:r>
+              <a:rPr lang="en-AU" dirty="0" smtClean="0"/>
+              <a:t>Binomially distributed.</a:t>
+            </a:r>
+          </a:p>
+          <a:p>
+            <a:r>
+              <a:rPr lang="en-AU" dirty="0"/>
+              <a:t>ABS </a:t>
+            </a:r>
+            <a:r>
+              <a:rPr lang="en-AU" dirty="0" smtClean="0"/>
+              <a:t>Postal Areas </a:t>
+            </a:r>
+            <a:r>
+              <a:rPr lang="en-AU" dirty="0" err="1" smtClean="0"/>
+              <a:t>Shapefile</a:t>
+            </a:r>
+            <a:r>
+              <a:rPr lang="en-AU" dirty="0" smtClean="0"/>
+              <a:t> (reference).</a:t>
+            </a:r>
+            <a:endParaRPr lang="en-AU" dirty="0"/>
+          </a:p>
+          <a:p>
+            <a:endParaRPr lang="en-AU" dirty="0"/>
+          </a:p>
+          <a:p>
+            <a:endParaRPr lang="en-AU" dirty="0"/>
+          </a:p>
+        </p:txBody>
+      </p:sp>
     </p:spTree>
     <p:extLst>
       <p:ext uri="{BB962C8B-B14F-4D97-AF65-F5344CB8AC3E}">
-        <p14:creationId xmlns:p14="http://schemas.microsoft.com/office/powerpoint/2010/main" xmlns="" val="2856174607"/>
+        <p14:creationId xmlns:p14="http://schemas.microsoft.com/office/powerpoint/2010/main" val="626910422"/>
       </p:ext>
     </p:extLst>
   </p:cSld>
@@ -8528,7 +8843,7 @@
   <p:timing>
     <p:tnLst>
       <p:par>
-        <p:cTn id="1" dur="indefinite" restart="never" nodeType="tmRoot"/>
+        <p:cTn xmlns:p14="http://schemas.microsoft.com/office/powerpoint/2010/main" id="1" dur="indefinite" restart="never" nodeType="tmRoot"/>
       </p:par>
     </p:tnLst>
   </p:timing>
@@ -8569,96 +8884,41 @@
           <a:p>
             <a:r>
               <a:rPr lang="en-AU" dirty="0" smtClean="0"/>
-              <a:t>Extension - Models</a:t>
+              <a:t>Extension – Data Visualisation</a:t>
             </a:r>
             <a:endParaRPr lang="en-AU" dirty="0"/>
           </a:p>
         </p:txBody>
       </p:sp>
-      <p:sp>
-        <p:nvSpPr>
-          <p:cNvPr id="3" name="Content Placeholder 2"/>
-          <p:cNvSpPr>
-            <a:spLocks noGrp="1"/>
-          </p:cNvSpPr>
+      <p:pic>
+        <p:nvPicPr>
+          <p:cNvPr id="4" name="Content Placeholder 3" descr="Histogram.png"/>
+          <p:cNvPicPr>
+            <a:picLocks noGrp="1" noChangeAspect="1"/>
+          </p:cNvPicPr>
           <p:nvPr>
             <p:ph idx="1"/>
           </p:nvPr>
-        </p:nvSpPr>
-        <p:spPr/>
-        <p:txBody>
-          <a:bodyPr/>
-          <a:lstStyle/>
-          <a:p>
-            <a:r>
-              <a:rPr lang="en-AU" dirty="0" smtClean="0"/>
-              <a:t>We consider two models:</a:t>
-            </a:r>
-          </a:p>
-          <a:p>
-            <a:pPr lvl="1"/>
-            <a:r>
-              <a:rPr lang="en-AU" dirty="0" smtClean="0"/>
-              <a:t>Basic </a:t>
-            </a:r>
-            <a:r>
-              <a:rPr lang="en-AU" dirty="0" err="1"/>
-              <a:t>iid</a:t>
-            </a:r>
-            <a:r>
-              <a:rPr lang="en-AU" dirty="0"/>
-              <a:t> model</a:t>
-            </a:r>
-          </a:p>
-          <a:p>
-            <a:pPr lvl="1"/>
-            <a:r>
-              <a:rPr lang="en-AU" dirty="0"/>
-              <a:t>BYM model</a:t>
-            </a:r>
-          </a:p>
-          <a:p>
-            <a:r>
-              <a:rPr lang="en-AU" dirty="0"/>
-              <a:t>SPC model not used</a:t>
-            </a:r>
-            <a:r>
-              <a:rPr lang="en-AU" dirty="0" smtClean="0"/>
-              <a:t>.</a:t>
-            </a:r>
-          </a:p>
-          <a:p>
-            <a:pPr lvl="1"/>
-            <a:r>
-              <a:rPr lang="en-AU" dirty="0" smtClean="0"/>
-              <a:t>No zero counts in our data</a:t>
-            </a:r>
-            <a:endParaRPr lang="en-AU" dirty="0"/>
-          </a:p>
-          <a:p>
-            <a:r>
-              <a:rPr lang="en-AU" dirty="0"/>
-              <a:t>INLA instead of MCMC for model </a:t>
-            </a:r>
-            <a:r>
-              <a:rPr lang="en-AU" dirty="0" smtClean="0"/>
-              <a:t>generation</a:t>
-            </a:r>
-          </a:p>
-          <a:p>
-            <a:pPr lvl="1"/>
-            <a:r>
-              <a:rPr lang="en-AU" dirty="0" smtClean="0"/>
-              <a:t>Less computational expensive</a:t>
-            </a:r>
-            <a:endParaRPr lang="en-AU" dirty="0"/>
-          </a:p>
-        </p:txBody>
-      </p:sp>
+        </p:nvPicPr>
+        <p:blipFill>
+          <a:blip r:embed="rId3" cstate="print">
+            <a:extLst>
+              <a:ext uri="{28A0092B-C50C-407E-A947-70E740481C1C}">
+                <a14:useLocalDpi xmlns:a14="http://schemas.microsoft.com/office/drawing/2010/main" val="0"/>
+              </a:ext>
+            </a:extLst>
+          </a:blip>
+          <a:srcRect t="11728" b="11728"/>
+          <a:stretch>
+            <a:fillRect/>
+          </a:stretch>
+        </p:blipFill>
+        <p:spPr/>
+      </p:pic>
     </p:spTree>
     <p:extLst>
       <p:ext uri="{BB962C8B-B14F-4D97-AF65-F5344CB8AC3E}">
-        <p14:creationId xmlns:p14="http://schemas.microsoft.com/office/powerpoint/2010/main" xmlns="" val="980945588"/>
+        <p14:creationId xmlns:p14="http://schemas.microsoft.com/office/powerpoint/2010/main" val="2856174607"/>
       </p:ext>
     </p:extLst>
   </p:cSld>
@@ -8668,7 +8928,7 @@
   <p:timing>
     <p:tnLst>
       <p:par>
-        <p:cTn id="1" dur="indefinite" restart="never" nodeType="tmRoot"/>
+        <p:cTn xmlns:p14="http://schemas.microsoft.com/office/powerpoint/2010/main" id="1" dur="indefinite" restart="never" nodeType="tmRoot"/>
       </p:par>
     </p:tnLst>
   </p:timing>
@@ -8676,6 +8936,146 @@
 </file>
 
 <file path=ppt/slides/slide18.xml><?xml version="1.0" encoding="utf-8"?>
+<p:sld xmlns:a="http://schemas.openxmlformats.org/drawingml/2006/main" xmlns:r="http://schemas.openxmlformats.org/officeDocument/2006/relationships" xmlns:p="http://schemas.openxmlformats.org/presentationml/2006/main">
+  <p:cSld>
+    <p:spTree>
+      <p:nvGrpSpPr>
+        <p:cNvPr id="1" name=""/>
+        <p:cNvGrpSpPr/>
+        <p:nvPr/>
+      </p:nvGrpSpPr>
+      <p:grpSpPr>
+        <a:xfrm>
+          <a:off x="0" y="0"/>
+          <a:ext cx="0" cy="0"/>
+          <a:chOff x="0" y="0"/>
+          <a:chExt cx="0" cy="0"/>
+        </a:xfrm>
+      </p:grpSpPr>
+      <p:sp>
+        <p:nvSpPr>
+          <p:cNvPr id="2" name="Title 1"/>
+          <p:cNvSpPr>
+            <a:spLocks noGrp="1"/>
+          </p:cNvSpPr>
+          <p:nvPr>
+            <p:ph type="title"/>
+          </p:nvPr>
+        </p:nvSpPr>
+        <p:spPr/>
+        <p:txBody>
+          <a:bodyPr/>
+          <a:lstStyle/>
+          <a:p>
+            <a:r>
+              <a:rPr lang="en-AU" dirty="0" smtClean="0"/>
+              <a:t>Extension - Models</a:t>
+            </a:r>
+            <a:endParaRPr lang="en-AU" dirty="0"/>
+          </a:p>
+        </p:txBody>
+      </p:sp>
+      <p:sp>
+        <p:nvSpPr>
+          <p:cNvPr id="3" name="Content Placeholder 2"/>
+          <p:cNvSpPr>
+            <a:spLocks noGrp="1"/>
+          </p:cNvSpPr>
+          <p:nvPr>
+            <p:ph idx="1"/>
+          </p:nvPr>
+        </p:nvSpPr>
+        <p:spPr/>
+        <p:txBody>
+          <a:bodyPr/>
+          <a:lstStyle/>
+          <a:p>
+            <a:r>
+              <a:rPr lang="en-AU" dirty="0" smtClean="0"/>
+              <a:t>We consider two models:</a:t>
+            </a:r>
+          </a:p>
+          <a:p>
+            <a:pPr lvl="1"/>
+            <a:r>
+              <a:rPr lang="en-AU" dirty="0" smtClean="0"/>
+              <a:t>Basic </a:t>
+            </a:r>
+            <a:r>
+              <a:rPr lang="en-AU" dirty="0" err="1"/>
+              <a:t>iid</a:t>
+            </a:r>
+            <a:r>
+              <a:rPr lang="en-AU" dirty="0"/>
+              <a:t> model</a:t>
+            </a:r>
+          </a:p>
+          <a:p>
+            <a:pPr lvl="1"/>
+            <a:r>
+              <a:rPr lang="en-AU" dirty="0"/>
+              <a:t>BYM model</a:t>
+            </a:r>
+          </a:p>
+          <a:p>
+            <a:r>
+              <a:rPr lang="en-AU" dirty="0"/>
+              <a:t>SPC model not used</a:t>
+            </a:r>
+            <a:r>
+              <a:rPr lang="en-AU" dirty="0" smtClean="0"/>
+              <a:t>.</a:t>
+            </a:r>
+          </a:p>
+          <a:p>
+            <a:pPr lvl="1"/>
+            <a:r>
+              <a:rPr lang="en-AU" dirty="0" smtClean="0"/>
+              <a:t>No zero counts in our data</a:t>
+            </a:r>
+            <a:endParaRPr lang="en-AU" dirty="0"/>
+          </a:p>
+          <a:p>
+            <a:r>
+              <a:rPr lang="en-AU" dirty="0"/>
+              <a:t>INLA instead of MCMC for model </a:t>
+            </a:r>
+            <a:r>
+              <a:rPr lang="en-AU" dirty="0" smtClean="0"/>
+              <a:t>generation</a:t>
+            </a:r>
+          </a:p>
+          <a:p>
+            <a:pPr lvl="1"/>
+            <a:r>
+              <a:rPr lang="en-AU" dirty="0" smtClean="0"/>
+              <a:t>Less computational expensive</a:t>
+            </a:r>
+            <a:endParaRPr lang="en-AU" dirty="0"/>
+          </a:p>
+        </p:txBody>
+      </p:sp>
+    </p:spTree>
+    <p:extLst>
+      <p:ext uri="{BB962C8B-B14F-4D97-AF65-F5344CB8AC3E}">
+        <p14:creationId xmlns:p14="http://schemas.microsoft.com/office/powerpoint/2010/main" val="980945588"/>
+      </p:ext>
+    </p:extLst>
+  </p:cSld>
+  <p:clrMapOvr>
+    <a:masterClrMapping/>
+  </p:clrMapOvr>
+  <p:timing>
+    <p:tnLst>
+      <p:par>
+        <p:cTn xmlns:p14="http://schemas.microsoft.com/office/powerpoint/2010/main" id="1" dur="indefinite" restart="never" nodeType="tmRoot"/>
+      </p:par>
+    </p:tnLst>
+  </p:timing>
+</p:sld>
+</file>
+
+<file path=ppt/slides/slide19.xml><?xml version="1.0" encoding="utf-8"?>
 <p:sld xmlns:a="http://schemas.openxmlformats.org/drawingml/2006/main" xmlns:r="http://schemas.openxmlformats.org/officeDocument/2006/relationships" xmlns:p="http://schemas.openxmlformats.org/presentationml/2006/main">
   <p:cSld>
     <p:spTree>
@@ -8761,152 +9161,6 @@
 </p:sld>
 </file>
 
-<file path=ppt/slides/slide19.xml><?xml version="1.0" encoding="utf-8"?>
-<p:sld xmlns:a="http://schemas.openxmlformats.org/drawingml/2006/main" xmlns:r="http://schemas.openxmlformats.org/officeDocument/2006/relationships" xmlns:p="http://schemas.openxmlformats.org/presentationml/2006/main">
-  <p:cSld>
-    <p:spTree>
-      <p:nvGrpSpPr>
-        <p:cNvPr id="1" name=""/>
-        <p:cNvGrpSpPr/>
-        <p:nvPr/>
-      </p:nvGrpSpPr>
-      <p:grpSpPr>
-        <a:xfrm>
-          <a:off x="0" y="0"/>
-          <a:ext cx="0" cy="0"/>
-          <a:chOff x="0" y="0"/>
-          <a:chExt cx="0" cy="0"/>
-        </a:xfrm>
-      </p:grpSpPr>
-      <p:sp>
-        <p:nvSpPr>
-          <p:cNvPr id="2" name="Title 1"/>
-          <p:cNvSpPr>
-            <a:spLocks noGrp="1"/>
-          </p:cNvSpPr>
-          <p:nvPr>
-            <p:ph type="title"/>
-          </p:nvPr>
-        </p:nvSpPr>
-        <p:spPr/>
-        <p:txBody>
-          <a:bodyPr/>
-          <a:lstStyle/>
-          <a:p>
-            <a:r>
-              <a:rPr lang="en-US" dirty="0" smtClean="0"/>
-              <a:t>Extension – Results</a:t>
-            </a:r>
-            <a:endParaRPr lang="en-US" dirty="0"/>
-          </a:p>
-        </p:txBody>
-      </p:sp>
-      <p:sp>
-        <p:nvSpPr>
-          <p:cNvPr id="3" name="Content Placeholder 2"/>
-          <p:cNvSpPr>
-            <a:spLocks noGrp="1"/>
-          </p:cNvSpPr>
-          <p:nvPr>
-            <p:ph idx="1"/>
-          </p:nvPr>
-        </p:nvSpPr>
-        <p:spPr/>
-        <p:txBody>
-          <a:bodyPr>
-            <a:normAutofit/>
-          </a:bodyPr>
-          <a:lstStyle/>
-          <a:p>
-            <a:r>
-              <a:rPr lang="en-US" dirty="0"/>
-              <a:t>All</a:t>
-            </a:r>
-            <a:r>
-              <a:rPr lang="en-US"/>
-              <a:t> of our results on </a:t>
-            </a:r>
-            <a:r>
-              <a:rPr lang="en-US" smtClean="0">
-                <a:hlinkClick r:id="rId3"/>
-              </a:rPr>
-              <a:t>bit.do/VacAustralia</a:t>
-            </a:r>
-            <a:endParaRPr lang="en-US" dirty="0"/>
-          </a:p>
-          <a:p>
-            <a:r>
-              <a:rPr lang="en-US" dirty="0">
-                <a:hlinkClick r:id="rId4"/>
-              </a:rPr>
-              <a:t>RRF – BYM</a:t>
-            </a:r>
-            <a:endParaRPr lang="en-US" dirty="0"/>
-          </a:p>
-          <a:p>
-            <a:r>
-              <a:rPr lang="en-US" dirty="0">
-                <a:hlinkClick r:id="rId5"/>
-              </a:rPr>
-              <a:t>RRF – iid</a:t>
-            </a:r>
-            <a:endParaRPr lang="en-US" dirty="0"/>
-          </a:p>
-          <a:p>
-            <a:r>
-              <a:rPr lang="en-US" dirty="0">
-                <a:hlinkClick r:id="rId6"/>
-              </a:rPr>
-              <a:t>UHExceedence – BYM</a:t>
-            </a:r>
-            <a:endParaRPr lang="en-US" dirty="0"/>
-          </a:p>
-          <a:p>
-            <a:r>
-              <a:rPr lang="en-US" dirty="0" err="1">
-                <a:hlinkClick r:id="rId7"/>
-              </a:rPr>
-              <a:t>UHExceedence</a:t>
-            </a:r>
-            <a:r>
-              <a:rPr lang="en-US" dirty="0">
-                <a:hlinkClick r:id="rId7"/>
-              </a:rPr>
-              <a:t> - </a:t>
-            </a:r>
-            <a:r>
-              <a:rPr lang="en-US" dirty="0" err="1">
-                <a:hlinkClick r:id="rId7"/>
-              </a:rPr>
-              <a:t>iid</a:t>
-            </a:r>
-            <a:endParaRPr lang="en-US" dirty="0"/>
-          </a:p>
-          <a:p>
-            <a:endParaRPr lang="en-US" dirty="0"/>
-          </a:p>
-        </p:txBody>
-      </p:sp>
-    </p:spTree>
-    <p:extLst>
-      <p:ext uri="{BB962C8B-B14F-4D97-AF65-F5344CB8AC3E}">
-        <p14:creationId xmlns:p14="http://schemas.microsoft.com/office/powerpoint/2010/main" xmlns="" val="818226595"/>
-      </p:ext>
-    </p:extLst>
-  </p:cSld>
-  <p:clrMapOvr>
-    <a:masterClrMapping/>
-  </p:clrMapOvr>
-  <p:timing>
-    <p:tnLst>
-      <p:par>
-        <p:cTn id="1" dur="indefinite" restart="never" nodeType="tmRoot"/>
-      </p:par>
-    </p:tnLst>
-  </p:timing>
-</p:sld>
-</file>
-
 <file path=ppt/slides/slide2.xml><?xml version="1.0" encoding="utf-8"?>
 <p:sld xmlns:a="http://schemas.openxmlformats.org/drawingml/2006/main" xmlns:r="http://schemas.openxmlformats.org/officeDocument/2006/relationships" xmlns:p="http://schemas.openxmlformats.org/presentationml/2006/main">
   <p:cSld>
@@ -8965,18 +9219,8 @@
           <a:lstStyle/>
           <a:p>
             <a:r>
-              <a:rPr lang="en-AU" sz="2400" dirty="0"/>
-              <a:t>The scientific question </a:t>
-            </a:r>
-            <a:r>
               <a:rPr lang="en-AU" sz="2400" dirty="0" smtClean="0"/>
-              <a:t>is:</a:t>
-            </a:r>
-          </a:p>
-          <a:p>
-            <a:r>
-              <a:rPr lang="en-AU" sz="2400" dirty="0" smtClean="0"/>
-              <a:t> To </a:t>
+              <a:t>To </a:t>
             </a:r>
             <a:r>
               <a:rPr lang="en-AU" sz="2400" dirty="0"/>
@@ -9000,19 +9244,25 @@
             </a:r>
             <a:r>
               <a:rPr lang="en-AU" sz="2400" dirty="0" smtClean="0"/>
-              <a:t>Florida” </a:t>
+              <a:t>Florida</a:t>
+            </a:r>
+            <a:r>
+              <a:rPr lang="en-AU" sz="2400" dirty="0" smtClean="0"/>
+              <a:t>”.</a:t>
+            </a:r>
+          </a:p>
+          <a:p>
+            <a:r>
+              <a:rPr lang="en-AU" sz="2400" dirty="0" smtClean="0"/>
+              <a:t>In particular, the paper aims to confirm or refute that there is “</a:t>
+            </a:r>
+            <a:r>
+              <a:rPr lang="en-AU" sz="2400" dirty="0" smtClean="0"/>
+              <a:t>the </a:t>
             </a:r>
             <a:r>
               <a:rPr lang="en-AU" sz="2400" dirty="0"/>
-              <a:t>and</a:t>
-            </a:r>
-            <a:r>
-              <a:rPr lang="en-AU" sz="2400" dirty="0" smtClean="0"/>
-              <a:t>, “in </a:t>
-            </a:r>
-            <a:r>
-              <a:rPr lang="en-AU" sz="2400" dirty="0"/>
-              <a:t>particular, the raised incidence of </a:t>
+              <a:t>raised incidence of </a:t>
             </a:r>
             <a:r>
               <a:rPr lang="en-AU" sz="2400" dirty="0" err="1"/>
@@ -9038,7 +9288,7 @@
     </p:spTree>
     <p:extLst>
       <p:ext uri="{BB962C8B-B14F-4D97-AF65-F5344CB8AC3E}">
-        <p14:creationId xmlns:p14="http://schemas.microsoft.com/office/powerpoint/2010/main" xmlns="" val="468384466"/>
+        <p14:creationId xmlns:p14="http://schemas.microsoft.com/office/powerpoint/2010/main" val="468384466"/>
       </p:ext>
     </p:extLst>
   </p:cSld>
@@ -9048,7 +9298,7 @@
   <p:timing>
     <p:tnLst>
       <p:par>
-        <p:cTn id="1" dur="indefinite" restart="never" nodeType="tmRoot"/>
+        <p:cTn xmlns:p14="http://schemas.microsoft.com/office/powerpoint/2010/main" id="1" dur="indefinite" restart="never" nodeType="tmRoot"/>
       </p:par>
     </p:tnLst>
   </p:timing>
@@ -9089,46 +9339,98 @@
           <a:p>
             <a:r>
               <a:rPr lang="en-US" dirty="0" smtClean="0"/>
-              <a:t>Extension - Results</a:t>
+              <a:t>Extension – Results</a:t>
             </a:r>
             <a:endParaRPr lang="en-US" dirty="0"/>
           </a:p>
         </p:txBody>
       </p:sp>
-      <p:pic>
-        <p:nvPicPr>
-          <p:cNvPr id="4" name="Content Placeholder 3" descr="Inner Melbourne.png"/>
-          <p:cNvPicPr>
-            <a:picLocks noGrp="1" noChangeAspect="1"/>
-          </p:cNvPicPr>
+      <p:sp>
+        <p:nvSpPr>
+          <p:cNvPr id="3" name="Content Placeholder 2"/>
+          <p:cNvSpPr>
+            <a:spLocks noGrp="1"/>
+          </p:cNvSpPr>
           <p:nvPr>
             <p:ph idx="1"/>
           </p:nvPr>
-        </p:nvPicPr>
-        <p:blipFill>
-          <a:blip r:embed="rId3" cstate="print">
-            <a:extLst>
-              <a:ext uri="{28A0092B-C50C-407E-A947-70E740481C1C}">
-                <a14:useLocalDpi xmlns:a14="http://schemas.microsoft.com/office/drawing/2010/main" xmlns="" val="0"/>
-              </a:ext>
-            </a:extLst>
-          </a:blip>
-          <a:srcRect l="-15713" r="-15713"/>
-          <a:stretch>
-            <a:fillRect/>
-          </a:stretch>
-        </p:blipFill>
-        <p:spPr>
-          <a:xfrm>
-            <a:off x="457200" y="1600200"/>
-            <a:ext cx="8229600" cy="4525963"/>
-          </a:xfrm>
-        </p:spPr>
-      </p:pic>
+        </p:nvSpPr>
+        <p:spPr/>
+        <p:txBody>
+          <a:bodyPr>
+            <a:normAutofit/>
+          </a:bodyPr>
+          <a:lstStyle/>
+          <a:p>
+            <a:r>
+              <a:rPr lang="en-US" dirty="0"/>
+              <a:t>All of our results on </a:t>
+            </a:r>
+            <a:r>
+              <a:rPr lang="en-US" dirty="0" smtClean="0">
+                <a:hlinkClick r:id="rId3"/>
+              </a:rPr>
+              <a:t>bit.do/VacAustralia</a:t>
+            </a:r>
+            <a:endParaRPr lang="en-US" dirty="0"/>
+          </a:p>
+          <a:p>
+            <a:r>
+              <a:rPr lang="en-US" dirty="0">
+                <a:hlinkClick r:id="rId4"/>
+              </a:rPr>
+              <a:t>RRF – BYM</a:t>
+            </a:r>
+            <a:endParaRPr lang="en-US" dirty="0"/>
+          </a:p>
+          <a:p>
+            <a:r>
+              <a:rPr lang="en-US" dirty="0">
+                <a:hlinkClick r:id="rId5"/>
+              </a:rPr>
+              <a:t>RRF – iid</a:t>
+            </a:r>
+            <a:endParaRPr lang="en-US" dirty="0"/>
+          </a:p>
+          <a:p>
+            <a:r>
+              <a:rPr lang="en-US" dirty="0">
+                <a:hlinkClick r:id="rId6"/>
+              </a:rPr>
+              <a:t>UHExceedence – BYM</a:t>
+            </a:r>
+            <a:endParaRPr lang="en-US" dirty="0"/>
+          </a:p>
+          <a:p>
+            <a:r>
+              <a:rPr lang="en-US" dirty="0" err="1">
+                <a:hlinkClick r:id="rId7"/>
+              </a:rPr>
+              <a:t>UHExceedence</a:t>
+            </a:r>
+            <a:r>
+              <a:rPr lang="en-US" dirty="0">
+                <a:hlinkClick r:id="rId7"/>
+              </a:rPr>
+              <a:t> - </a:t>
+            </a:r>
+            <a:r>
+              <a:rPr lang="en-US" dirty="0" err="1">
+                <a:hlinkClick r:id="rId7"/>
+              </a:rPr>
+              <a:t>iid</a:t>
+            </a:r>
+            <a:endParaRPr lang="en-US" dirty="0"/>
+          </a:p>
+          <a:p>
+            <a:endParaRPr lang="en-US" dirty="0"/>
+          </a:p>
+        </p:txBody>
+      </p:sp>
     </p:spTree>
     <p:extLst>
       <p:ext uri="{BB962C8B-B14F-4D97-AF65-F5344CB8AC3E}">
-        <p14:creationId xmlns:p14="http://schemas.microsoft.com/office/powerpoint/2010/main" xmlns="" val="3804757622"/>
+        <p14:creationId xmlns:p14="http://schemas.microsoft.com/office/powerpoint/2010/main" val="818226595"/>
       </p:ext>
     </p:extLst>
   </p:cSld>
@@ -9138,7 +9440,7 @@
   <p:timing>
     <p:tnLst>
       <p:par>
-        <p:cTn id="1" dur="indefinite" restart="never" nodeType="tmRoot"/>
+        <p:cTn xmlns:p14="http://schemas.microsoft.com/office/powerpoint/2010/main" id="1" dur="indefinite" restart="never" nodeType="tmRoot"/>
       </p:par>
     </p:tnLst>
   </p:timing>
@@ -9178,16 +9480,16 @@
           <a:lstStyle/>
           <a:p>
             <a:r>
-              <a:rPr lang="en-AU" dirty="0" smtClean="0"/>
+              <a:rPr lang="en-US" dirty="0" smtClean="0"/>
               <a:t>Extension - Results</a:t>
             </a:r>
-            <a:endParaRPr lang="en-AU" dirty="0"/>
+            <a:endParaRPr lang="en-US" dirty="0"/>
           </a:p>
         </p:txBody>
       </p:sp>
       <p:pic>
         <p:nvPicPr>
-          <p:cNvPr id="4" name="Content Placeholder 3" descr="Outer Sydney.png"/>
+          <p:cNvPr id="4" name="Content Placeholder 3" descr="Inner Melbourne.png"/>
           <p:cNvPicPr>
             <a:picLocks noGrp="1" noChangeAspect="1"/>
           </p:cNvPicPr>
@@ -9199,21 +9501,26 @@
           <a:blip r:embed="rId3" cstate="print">
             <a:extLst>
               <a:ext uri="{28A0092B-C50C-407E-A947-70E740481C1C}">
-                <a14:useLocalDpi xmlns:a14="http://schemas.microsoft.com/office/drawing/2010/main" xmlns="" val="0"/>
+                <a14:useLocalDpi xmlns:a14="http://schemas.microsoft.com/office/drawing/2010/main" val="0"/>
               </a:ext>
             </a:extLst>
           </a:blip>
-          <a:srcRect l="-15687" r="-15687"/>
+          <a:srcRect l="-15713" r="-15713"/>
           <a:stretch>
             <a:fillRect/>
           </a:stretch>
         </p:blipFill>
-        <p:spPr/>
+        <p:spPr>
+          <a:xfrm>
+            <a:off x="457200" y="1600200"/>
+            <a:ext cx="8229600" cy="4525963"/>
+          </a:xfrm>
+        </p:spPr>
       </p:pic>
     </p:spTree>
     <p:extLst>
       <p:ext uri="{BB962C8B-B14F-4D97-AF65-F5344CB8AC3E}">
-        <p14:creationId xmlns:p14="http://schemas.microsoft.com/office/powerpoint/2010/main" xmlns="" val="2190910132"/>
+        <p14:creationId xmlns:p14="http://schemas.microsoft.com/office/powerpoint/2010/main" val="3804757622"/>
       </p:ext>
     </p:extLst>
   </p:cSld>
@@ -9223,7 +9530,7 @@
   <p:timing>
     <p:tnLst>
       <p:par>
-        <p:cTn id="1" dur="indefinite" restart="never" nodeType="tmRoot"/>
+        <p:cTn xmlns:p14="http://schemas.microsoft.com/office/powerpoint/2010/main" id="1" dur="indefinite" restart="never" nodeType="tmRoot"/>
       </p:par>
     </p:tnLst>
   </p:timing>
@@ -9272,7 +9579,7 @@
       </p:sp>
       <p:pic>
         <p:nvPicPr>
-          <p:cNvPr id="4" name="Content Placeholder 3"/>
+          <p:cNvPr id="4" name="Content Placeholder 3" descr="Outer Sydney.png"/>
           <p:cNvPicPr>
             <a:picLocks noGrp="1" noChangeAspect="1"/>
           </p:cNvPicPr>
@@ -9284,25 +9591,21 @@
           <a:blip r:embed="rId3" cstate="print">
             <a:extLst>
               <a:ext uri="{28A0092B-C50C-407E-A947-70E740481C1C}">
-                <a14:useLocalDpi xmlns:a14="http://schemas.microsoft.com/office/drawing/2010/main" xmlns="" val="0"/>
+                <a14:useLocalDpi xmlns:a14="http://schemas.microsoft.com/office/drawing/2010/main" val="0"/>
               </a:ext>
             </a:extLst>
           </a:blip>
+          <a:srcRect l="-15687" r="-15687"/>
           <a:stretch>
             <a:fillRect/>
           </a:stretch>
         </p:blipFill>
-        <p:spPr>
-          <a:xfrm>
-            <a:off x="1407082" y="1639341"/>
-            <a:ext cx="6329836" cy="4525963"/>
-          </a:xfrm>
-        </p:spPr>
+        <p:spPr/>
       </p:pic>
     </p:spTree>
     <p:extLst>
       <p:ext uri="{BB962C8B-B14F-4D97-AF65-F5344CB8AC3E}">
-        <p14:creationId xmlns:p14="http://schemas.microsoft.com/office/powerpoint/2010/main" xmlns="" val="395829358"/>
+        <p14:creationId xmlns:p14="http://schemas.microsoft.com/office/powerpoint/2010/main" val="2190910132"/>
       </p:ext>
     </p:extLst>
   </p:cSld>
@@ -9312,7 +9615,7 @@
   <p:timing>
     <p:tnLst>
       <p:par>
-        <p:cTn id="1" dur="indefinite" restart="never" nodeType="tmRoot"/>
+        <p:cTn xmlns:p14="http://schemas.microsoft.com/office/powerpoint/2010/main" id="1" dur="indefinite" restart="never" nodeType="tmRoot"/>
       </p:par>
     </p:tnLst>
   </p:timing>
@@ -9361,7 +9664,7 @@
       </p:sp>
       <p:pic>
         <p:nvPicPr>
-          <p:cNvPr id="4" name="Content Placeholder 3" descr="Sunshine Coast Hinterland Cluster.png"/>
+          <p:cNvPr id="4" name="Content Placeholder 3"/>
           <p:cNvPicPr>
             <a:picLocks noGrp="1" noChangeAspect="1"/>
           </p:cNvPicPr>
@@ -9373,21 +9676,25 @@
           <a:blip r:embed="rId3" cstate="print">
             <a:extLst>
               <a:ext uri="{28A0092B-C50C-407E-A947-70E740481C1C}">
-                <a14:useLocalDpi xmlns:a14="http://schemas.microsoft.com/office/drawing/2010/main" xmlns="" val="0"/>
+                <a14:useLocalDpi xmlns:a14="http://schemas.microsoft.com/office/drawing/2010/main" val="0"/>
               </a:ext>
             </a:extLst>
           </a:blip>
-          <a:srcRect l="-14699" r="-14699"/>
           <a:stretch>
             <a:fillRect/>
           </a:stretch>
         </p:blipFill>
-        <p:spPr/>
+        <p:spPr>
+          <a:xfrm>
+            <a:off x="1407082" y="1639341"/>
+            <a:ext cx="6329836" cy="4525963"/>
+          </a:xfrm>
+        </p:spPr>
       </p:pic>
     </p:spTree>
     <p:extLst>
       <p:ext uri="{BB962C8B-B14F-4D97-AF65-F5344CB8AC3E}">
-        <p14:creationId xmlns:p14="http://schemas.microsoft.com/office/powerpoint/2010/main" xmlns="" val="3209134703"/>
+        <p14:creationId xmlns:p14="http://schemas.microsoft.com/office/powerpoint/2010/main" val="395829358"/>
       </p:ext>
     </p:extLst>
   </p:cSld>
@@ -9397,7 +9704,7 @@
   <p:timing>
     <p:tnLst>
       <p:par>
-        <p:cTn id="1" dur="indefinite" restart="never" nodeType="tmRoot"/>
+        <p:cTn xmlns:p14="http://schemas.microsoft.com/office/powerpoint/2010/main" id="1" dur="indefinite" restart="never" nodeType="tmRoot"/>
       </p:par>
     </p:tnLst>
   </p:timing>
@@ -9446,7 +9753,7 @@
       </p:sp>
       <p:pic>
         <p:nvPicPr>
-          <p:cNvPr id="4" name="Content Placeholder 3" descr="North Queensland.png"/>
+          <p:cNvPr id="4" name="Content Placeholder 3" descr="Sunshine Coast Hinterland Cluster.png"/>
           <p:cNvPicPr>
             <a:picLocks noGrp="1" noChangeAspect="1"/>
           </p:cNvPicPr>
@@ -9458,7 +9765,92 @@
           <a:blip r:embed="rId3" cstate="print">
             <a:extLst>
               <a:ext uri="{28A0092B-C50C-407E-A947-70E740481C1C}">
-                <a14:useLocalDpi xmlns:a14="http://schemas.microsoft.com/office/drawing/2010/main" xmlns="" val="0"/>
+                <a14:useLocalDpi xmlns:a14="http://schemas.microsoft.com/office/drawing/2010/main" val="0"/>
+              </a:ext>
+            </a:extLst>
+          </a:blip>
+          <a:srcRect l="-14699" r="-14699"/>
+          <a:stretch>
+            <a:fillRect/>
+          </a:stretch>
+        </p:blipFill>
+        <p:spPr/>
+      </p:pic>
+    </p:spTree>
+    <p:extLst>
+      <p:ext uri="{BB962C8B-B14F-4D97-AF65-F5344CB8AC3E}">
+        <p14:creationId xmlns:p14="http://schemas.microsoft.com/office/powerpoint/2010/main" val="3209134703"/>
+      </p:ext>
+    </p:extLst>
+  </p:cSld>
+  <p:clrMapOvr>
+    <a:masterClrMapping/>
+  </p:clrMapOvr>
+  <p:timing>
+    <p:tnLst>
+      <p:par>
+        <p:cTn xmlns:p14="http://schemas.microsoft.com/office/powerpoint/2010/main" id="1" dur="indefinite" restart="never" nodeType="tmRoot"/>
+      </p:par>
+    </p:tnLst>
+  </p:timing>
+</p:sld>
+</file>
+
+<file path=ppt/slides/slide25.xml><?xml version="1.0" encoding="utf-8"?>
+<p:sld xmlns:a="http://schemas.openxmlformats.org/drawingml/2006/main" xmlns:r="http://schemas.openxmlformats.org/officeDocument/2006/relationships" xmlns:p="http://schemas.openxmlformats.org/presentationml/2006/main">
+  <p:cSld>
+    <p:spTree>
+      <p:nvGrpSpPr>
+        <p:cNvPr id="1" name=""/>
+        <p:cNvGrpSpPr/>
+        <p:nvPr/>
+      </p:nvGrpSpPr>
+      <p:grpSpPr>
+        <a:xfrm>
+          <a:off x="0" y="0"/>
+          <a:ext cx="0" cy="0"/>
+          <a:chOff x="0" y="0"/>
+          <a:chExt cx="0" cy="0"/>
+        </a:xfrm>
+      </p:grpSpPr>
+      <p:sp>
+        <p:nvSpPr>
+          <p:cNvPr id="2" name="Title 1"/>
+          <p:cNvSpPr>
+            <a:spLocks noGrp="1"/>
+          </p:cNvSpPr>
+          <p:nvPr>
+            <p:ph type="title"/>
+          </p:nvPr>
+        </p:nvSpPr>
+        <p:spPr/>
+        <p:txBody>
+          <a:bodyPr/>
+          <a:lstStyle/>
+          <a:p>
+            <a:r>
+              <a:rPr lang="en-AU" dirty="0" smtClean="0"/>
+              <a:t>Extension - Results</a:t>
+            </a:r>
+            <a:endParaRPr lang="en-AU" dirty="0"/>
+          </a:p>
+        </p:txBody>
+      </p:sp>
+      <p:pic>
+        <p:nvPicPr>
+          <p:cNvPr id="4" name="Content Placeholder 3" descr="North Queensland.png"/>
+          <p:cNvPicPr>
+            <a:picLocks noGrp="1" noChangeAspect="1"/>
+          </p:cNvPicPr>
+          <p:nvPr>
+            <p:ph idx="1"/>
+          </p:nvPr>
+        </p:nvPicPr>
+        <p:blipFill>
+          <a:blip r:embed="rId3" cstate="print">
+            <a:extLst>
+              <a:ext uri="{28A0092B-C50C-407E-A947-70E740481C1C}">
+                <a14:useLocalDpi xmlns:a14="http://schemas.microsoft.com/office/drawing/2010/main" val="0"/>
               </a:ext>
             </a:extLst>
           </a:blip>
@@ -9477,7 +9869,7 @@
     </p:spTree>
     <p:extLst>
       <p:ext uri="{BB962C8B-B14F-4D97-AF65-F5344CB8AC3E}">
-        <p14:creationId xmlns:p14="http://schemas.microsoft.com/office/powerpoint/2010/main" xmlns="" val="937429763"/>
+        <p14:creationId xmlns:p14="http://schemas.microsoft.com/office/powerpoint/2010/main" val="937429763"/>
       </p:ext>
     </p:extLst>
   </p:cSld>
@@ -9487,14 +9879,14 @@
   <p:timing>
     <p:tnLst>
       <p:par>
-        <p:cTn id="1" dur="indefinite" restart="never" nodeType="tmRoot"/>
+        <p:cTn xmlns:p14="http://schemas.microsoft.com/office/powerpoint/2010/main" id="1" dur="indefinite" restart="never" nodeType="tmRoot"/>
       </p:par>
     </p:tnLst>
   </p:timing>
 </p:sld>
 </file>
 
-<file path=ppt/slides/slide25.xml><?xml version="1.0" encoding="utf-8"?>
+<file path=ppt/slides/slide26.xml><?xml version="1.0" encoding="utf-8"?>
 <p:sld xmlns:a="http://schemas.openxmlformats.org/drawingml/2006/main" xmlns:r="http://schemas.openxmlformats.org/officeDocument/2006/relationships" xmlns:p="http://schemas.openxmlformats.org/presentationml/2006/main">
   <p:cSld>
     <p:spTree>
@@ -9721,7 +10113,7 @@
     </p:spTree>
     <p:extLst>
       <p:ext uri="{BB962C8B-B14F-4D97-AF65-F5344CB8AC3E}">
-        <p14:creationId xmlns:p14="http://schemas.microsoft.com/office/powerpoint/2010/main" xmlns="" val="2681593947"/>
+        <p14:creationId xmlns:p14="http://schemas.microsoft.com/office/powerpoint/2010/main" val="2681593947"/>
       </p:ext>
     </p:extLst>
   </p:cSld>
@@ -9731,102 +10123,7 @@
   <p:timing>
     <p:tnLst>
       <p:par>
-        <p:cTn id="1" dur="indefinite" restart="never" nodeType="tmRoot"/>
-      </p:par>
-    </p:tnLst>
-  </p:timing>
-</p:sld>
-</file>
-
-<file path=ppt/slides/slide26.xml><?xml version="1.0" encoding="utf-8"?>
-<p:sld xmlns:a="http://schemas.openxmlformats.org/drawingml/2006/main" xmlns:r="http://schemas.openxmlformats.org/officeDocument/2006/relationships" xmlns:p="http://schemas.openxmlformats.org/presentationml/2006/main">
-  <p:cSld>
-    <p:spTree>
-      <p:nvGrpSpPr>
-        <p:cNvPr id="1" name=""/>
-        <p:cNvGrpSpPr/>
-        <p:nvPr/>
-      </p:nvGrpSpPr>
-      <p:grpSpPr>
-        <a:xfrm>
-          <a:off x="0" y="0"/>
-          <a:ext cx="0" cy="0"/>
-          <a:chOff x="0" y="0"/>
-          <a:chExt cx="0" cy="0"/>
-        </a:xfrm>
-      </p:grpSpPr>
-      <p:sp>
-        <p:nvSpPr>
-          <p:cNvPr id="2" name="Title 1"/>
-          <p:cNvSpPr>
-            <a:spLocks noGrp="1"/>
-          </p:cNvSpPr>
-          <p:nvPr>
-            <p:ph type="title"/>
-          </p:nvPr>
-        </p:nvSpPr>
-        <p:spPr/>
-        <p:txBody>
-          <a:bodyPr/>
-          <a:lstStyle/>
-          <a:p>
-            <a:r>
-              <a:rPr lang="en-AU" dirty="0" smtClean="0"/>
-              <a:t>Extension - Limitations</a:t>
-            </a:r>
-            <a:endParaRPr lang="en-AU" dirty="0"/>
-          </a:p>
-        </p:txBody>
-      </p:sp>
-      <p:sp>
-        <p:nvSpPr>
-          <p:cNvPr id="3" name="Content Placeholder 2"/>
-          <p:cNvSpPr>
-            <a:spLocks noGrp="1"/>
-          </p:cNvSpPr>
-          <p:nvPr>
-            <p:ph idx="1"/>
-          </p:nvPr>
-        </p:nvSpPr>
-        <p:spPr/>
-        <p:txBody>
-          <a:bodyPr/>
-          <a:lstStyle/>
-          <a:p>
-            <a:r>
-              <a:rPr lang="en-AU" dirty="0" smtClean="0"/>
-              <a:t>Large numbers of postal codes, data not published</a:t>
-            </a:r>
-          </a:p>
-          <a:p>
-            <a:r>
-              <a:rPr lang="en-AU" dirty="0" smtClean="0"/>
-              <a:t>Sparseness</a:t>
-            </a:r>
-          </a:p>
-          <a:p>
-            <a:r>
-              <a:rPr lang="en-AU" dirty="0" smtClean="0"/>
-              <a:t>The BYM model would be best for exactly the data that was not published</a:t>
-            </a:r>
-            <a:endParaRPr lang="en-AU" dirty="0"/>
-          </a:p>
-        </p:txBody>
-      </p:sp>
-    </p:spTree>
-    <p:extLst>
-      <p:ext uri="{BB962C8B-B14F-4D97-AF65-F5344CB8AC3E}">
-        <p14:creationId xmlns:p14="http://schemas.microsoft.com/office/powerpoint/2010/main" xmlns="" val="1206465995"/>
-      </p:ext>
-    </p:extLst>
-  </p:cSld>
-  <p:clrMapOvr>
-    <a:masterClrMapping/>
-  </p:clrMapOvr>
-  <p:timing>
-    <p:tnLst>
-      <p:par>
-        <p:cTn id="1" dur="indefinite" restart="never" nodeType="tmRoot"/>
+        <p:cTn xmlns:p14="http://schemas.microsoft.com/office/powerpoint/2010/main" id="1" dur="indefinite" restart="never" nodeType="tmRoot"/>
       </p:par>
     </p:tnLst>
   </p:timing>
@@ -9867,7 +10164,7 @@
           <a:p>
             <a:r>
               <a:rPr lang="en-AU" dirty="0" smtClean="0"/>
-              <a:t>Summary</a:t>
+              <a:t>Extension - Limitations</a:t>
             </a:r>
             <a:endParaRPr lang="en-AU" dirty="0"/>
           </a:p>
@@ -9888,14 +10185,30 @@
           <a:bodyPr/>
           <a:lstStyle/>
           <a:p>
-            <a:endParaRPr lang="en-AU"/>
+            <a:r>
+              <a:rPr lang="en-AU" dirty="0" smtClean="0"/>
+              <a:t>Large numbers of postal codes, data not published</a:t>
+            </a:r>
+          </a:p>
+          <a:p>
+            <a:r>
+              <a:rPr lang="en-AU" dirty="0" smtClean="0"/>
+              <a:t>Sparseness</a:t>
+            </a:r>
+          </a:p>
+          <a:p>
+            <a:r>
+              <a:rPr lang="en-AU" dirty="0" smtClean="0"/>
+              <a:t>The BYM model would be best for exactly the data that was not published</a:t>
+            </a:r>
+            <a:endParaRPr lang="en-AU" dirty="0"/>
           </a:p>
         </p:txBody>
       </p:sp>
     </p:spTree>
     <p:extLst>
       <p:ext uri="{BB962C8B-B14F-4D97-AF65-F5344CB8AC3E}">
-        <p14:creationId xmlns:p14="http://schemas.microsoft.com/office/powerpoint/2010/main" xmlns="" val="4008910675"/>
+        <p14:creationId xmlns:p14="http://schemas.microsoft.com/office/powerpoint/2010/main" val="1206465995"/>
       </p:ext>
     </p:extLst>
   </p:cSld>
@@ -9905,7 +10218,7 @@
   <p:timing>
     <p:tnLst>
       <p:par>
-        <p:cTn id="1" dur="indefinite" restart="never" nodeType="tmRoot"/>
+        <p:cTn xmlns:p14="http://schemas.microsoft.com/office/powerpoint/2010/main" id="1" dur="indefinite" restart="never" nodeType="tmRoot"/>
       </p:par>
     </p:tnLst>
   </p:timing>
@@ -9945,10 +10258,10 @@
           <a:lstStyle/>
           <a:p>
             <a:r>
-              <a:rPr lang="en-US" dirty="0" smtClean="0"/>
-              <a:t>References</a:t>
-            </a:r>
-            <a:endParaRPr lang="en-US" dirty="0"/>
+              <a:rPr lang="en-AU" dirty="0" smtClean="0"/>
+              <a:t>Summary</a:t>
+            </a:r>
+            <a:endParaRPr lang="en-AU" dirty="0"/>
           </a:p>
         </p:txBody>
       </p:sp>
@@ -9967,43 +10280,14 @@
           <a:bodyPr/>
           <a:lstStyle/>
           <a:p>
-            <a:r>
-              <a:rPr lang="en-US" dirty="0" smtClean="0"/>
-              <a:t>To add:</a:t>
-            </a:r>
-          </a:p>
-          <a:p>
-            <a:pPr lvl="1"/>
-            <a:r>
-              <a:rPr lang="en-US" dirty="0" smtClean="0"/>
-              <a:t>Reference to paper in the heading</a:t>
-            </a:r>
-          </a:p>
-          <a:p>
-            <a:pPr lvl="1"/>
-            <a:r>
-              <a:rPr lang="en-US" dirty="0" smtClean="0"/>
-              <a:t>Reference to data for extension</a:t>
-            </a:r>
-          </a:p>
-          <a:p>
-            <a:pPr lvl="1"/>
-            <a:r>
-              <a:rPr lang="en-US" dirty="0" smtClean="0"/>
-              <a:t>References to motivation for </a:t>
-            </a:r>
-            <a:r>
-              <a:rPr lang="en-US" dirty="0" err="1" smtClean="0"/>
-              <a:t>immunisation</a:t>
-            </a:r>
-            <a:endParaRPr lang="en-US" dirty="0"/>
+            <a:endParaRPr lang="en-AU"/>
           </a:p>
         </p:txBody>
       </p:sp>
     </p:spTree>
     <p:extLst>
       <p:ext uri="{BB962C8B-B14F-4D97-AF65-F5344CB8AC3E}">
-        <p14:creationId xmlns:p14="http://schemas.microsoft.com/office/powerpoint/2010/main" xmlns="" val="894758886"/>
+        <p14:creationId xmlns:p14="http://schemas.microsoft.com/office/powerpoint/2010/main" val="4008910675"/>
       </p:ext>
     </p:extLst>
   </p:cSld>
@@ -10013,7 +10297,7 @@
   <p:timing>
     <p:tnLst>
       <p:par>
-        <p:cTn id="1" dur="indefinite" restart="never" nodeType="tmRoot"/>
+        <p:cTn xmlns:p14="http://schemas.microsoft.com/office/powerpoint/2010/main" id="1" dur="indefinite" restart="never" nodeType="tmRoot"/>
       </p:par>
     </p:tnLst>
   </p:timing>
@@ -10044,7 +10328,7 @@
             <a:spLocks noGrp="1"/>
           </p:cNvSpPr>
           <p:nvPr>
-            <p:ph type="ctrTitle"/>
+            <p:ph type="title"/>
           </p:nvPr>
         </p:nvSpPr>
         <p:spPr/>
@@ -10054,7 +10338,7 @@
           <a:p>
             <a:r>
               <a:rPr lang="en-US" dirty="0" smtClean="0"/>
-              <a:t>Questions?</a:t>
+              <a:t>References</a:t>
             </a:r>
             <a:endParaRPr lang="en-US" dirty="0"/>
           </a:p>
@@ -10062,12 +10346,12 @@
       </p:sp>
       <p:sp>
         <p:nvSpPr>
-          <p:cNvPr id="4" name="Subtitle 3"/>
-          <p:cNvSpPr>
-            <a:spLocks noGrp="1"/>
-          </p:cNvSpPr>
-          <p:nvPr>
-            <p:ph type="subTitle" idx="1"/>
+          <p:cNvPr id="3" name="Content Placeholder 2"/>
+          <p:cNvSpPr>
+            <a:spLocks noGrp="1"/>
+          </p:cNvSpPr>
+          <p:nvPr>
+            <p:ph idx="1"/>
           </p:nvPr>
         </p:nvSpPr>
         <p:spPr/>
@@ -10077,7 +10361,44 @@
           <a:p>
             <a:r>
               <a:rPr lang="en-US" dirty="0" smtClean="0"/>
-              <a:t>Thank you!</a:t>
+              <a:t>To add:</a:t>
+            </a:r>
+          </a:p>
+          <a:p>
+            <a:pPr lvl="1"/>
+            <a:r>
+              <a:rPr lang="en-US" dirty="0" smtClean="0"/>
+              <a:t>Reference to paper in the </a:t>
+            </a:r>
+            <a:r>
+              <a:rPr lang="en-US" dirty="0" smtClean="0"/>
+              <a:t>heading</a:t>
+            </a:r>
+          </a:p>
+          <a:p>
+            <a:pPr lvl="1"/>
+            <a:r>
+              <a:rPr lang="en-US" dirty="0" smtClean="0"/>
+              <a:t>Reference to old paper in the scientific question slide</a:t>
+            </a:r>
+            <a:endParaRPr lang="en-US" dirty="0" smtClean="0"/>
+          </a:p>
+          <a:p>
+            <a:pPr lvl="1"/>
+            <a:r>
+              <a:rPr lang="en-US" dirty="0" smtClean="0"/>
+              <a:t>Reference to data for extension</a:t>
+            </a:r>
+          </a:p>
+          <a:p>
+            <a:pPr lvl="1"/>
+            <a:r>
+              <a:rPr lang="en-US" dirty="0" smtClean="0"/>
+              <a:t>References to motivation for </a:t>
+            </a:r>
+            <a:r>
+              <a:rPr lang="en-US" dirty="0" err="1" smtClean="0"/>
+              <a:t>immunisation</a:t>
             </a:r>
             <a:endParaRPr lang="en-US" dirty="0"/>
           </a:p>
@@ -10086,7 +10407,7 @@
     </p:spTree>
     <p:extLst>
       <p:ext uri="{BB962C8B-B14F-4D97-AF65-F5344CB8AC3E}">
-        <p14:creationId xmlns:p14="http://schemas.microsoft.com/office/powerpoint/2010/main" xmlns="" val="1916012831"/>
+        <p14:creationId xmlns:p14="http://schemas.microsoft.com/office/powerpoint/2010/main" val="894758886"/>
       </p:ext>
     </p:extLst>
   </p:cSld>
@@ -10096,7 +10417,7 @@
   <p:timing>
     <p:tnLst>
       <p:par>
-        <p:cTn id="1" dur="indefinite" restart="never" nodeType="tmRoot"/>
+        <p:cTn xmlns:p14="http://schemas.microsoft.com/office/powerpoint/2010/main" id="1" dur="indefinite" restart="never" nodeType="tmRoot"/>
       </p:par>
     </p:tnLst>
   </p:timing>
@@ -10164,11 +10485,11 @@
             </a:r>
             <a:r>
               <a:rPr lang="en-AU" sz="2400" dirty="0" smtClean="0"/>
-              <a:t>taken from </a:t>
+              <a:t>collected by the Florida </a:t>
             </a:r>
             <a:r>
               <a:rPr lang="en-AU" sz="2400" dirty="0"/>
-              <a:t>the Florida Association of </a:t>
+              <a:t>Association of </a:t>
             </a:r>
             <a:r>
               <a:rPr lang="en-AU" sz="2400" dirty="0" smtClean="0"/>
@@ -10176,38 +10497,41 @@
             </a:r>
             <a:r>
               <a:rPr lang="en-AU" sz="2400" dirty="0"/>
-              <a:t>Programs.</a:t>
-            </a:r>
-          </a:p>
-          <a:p>
+              <a:t>Programs</a:t>
+            </a:r>
+            <a:r>
+              <a:rPr lang="en-AU" sz="2400" dirty="0" smtClean="0"/>
+              <a:t>.</a:t>
+            </a:r>
+          </a:p>
+          <a:p>
+            <a:r>
+              <a:rPr lang="en-AU" sz="2400" dirty="0" smtClean="0"/>
+              <a:t>It consists of the incidence of recorded paediatric brain cancer in the </a:t>
+            </a:r>
             <a:r>
               <a:rPr lang="en-AU" sz="2400" dirty="0"/>
-              <a:t> The structure of the data is population of 0-19 year olds, and all recorded brain cancers during that period, split into the </a:t>
+              <a:t>years 2000-</a:t>
             </a:r>
             <a:r>
               <a:rPr lang="en-AU" sz="2400" dirty="0" smtClean="0"/>
-              <a:t>Florida zip </a:t>
-            </a:r>
-            <a:r>
-              <a:rPr lang="en-AU" sz="2400" dirty="0"/>
-              <a:t>code areas</a:t>
-            </a:r>
+              <a:t>2010 in each zip code in Florida.</a:t>
+            </a:r>
+          </a:p>
+          <a:p>
             <a:r>
               <a:rPr lang="en-AU" sz="2400" dirty="0" smtClean="0"/>
-              <a:t>. </a:t>
+              <a:t>Included in the dataset, is the population of 0-19 year olds in each zip code.</a:t>
             </a:r>
           </a:p>
           <a:p>
             <a:r>
               <a:rPr lang="en-AU" sz="2400" dirty="0" smtClean="0"/>
-              <a:t>The data is for the years 2000-2010</a:t>
-            </a:r>
-            <a:endParaRPr lang="en-AU" sz="2400" dirty="0"/>
-          </a:p>
-          <a:p>
+              <a:t>There </a:t>
+            </a:r>
             <a:r>
               <a:rPr lang="en-AU" sz="2400" dirty="0" smtClean="0"/>
-              <a:t>There are a 983 zip code areas, with 451 areas with zero cases recorded.</a:t>
+              <a:t>are a 983 zip code areas, with 451 areas with zero cases recorded.</a:t>
             </a:r>
             <a:endParaRPr lang="en-AU" sz="2400" dirty="0"/>
           </a:p>
@@ -10216,7 +10540,7 @@
     </p:spTree>
     <p:extLst>
       <p:ext uri="{BB962C8B-B14F-4D97-AF65-F5344CB8AC3E}">
-        <p14:creationId xmlns:p14="http://schemas.microsoft.com/office/powerpoint/2010/main" xmlns="" val="3236674792"/>
+        <p14:creationId xmlns:p14="http://schemas.microsoft.com/office/powerpoint/2010/main" val="3236674792"/>
       </p:ext>
     </p:extLst>
   </p:cSld>
@@ -10226,7 +10550,90 @@
   <p:timing>
     <p:tnLst>
       <p:par>
-        <p:cTn id="1" dur="indefinite" restart="never" nodeType="tmRoot"/>
+        <p:cTn xmlns:p14="http://schemas.microsoft.com/office/powerpoint/2010/main" id="1" dur="indefinite" restart="never" nodeType="tmRoot"/>
+      </p:par>
+    </p:tnLst>
+  </p:timing>
+</p:sld>
+</file>
+
+<file path=ppt/slides/slide30.xml><?xml version="1.0" encoding="utf-8"?>
+<p:sld xmlns:a="http://schemas.openxmlformats.org/drawingml/2006/main" xmlns:r="http://schemas.openxmlformats.org/officeDocument/2006/relationships" xmlns:p="http://schemas.openxmlformats.org/presentationml/2006/main">
+  <p:cSld>
+    <p:spTree>
+      <p:nvGrpSpPr>
+        <p:cNvPr id="1" name=""/>
+        <p:cNvGrpSpPr/>
+        <p:nvPr/>
+      </p:nvGrpSpPr>
+      <p:grpSpPr>
+        <a:xfrm>
+          <a:off x="0" y="0"/>
+          <a:ext cx="0" cy="0"/>
+          <a:chOff x="0" y="0"/>
+          <a:chExt cx="0" cy="0"/>
+        </a:xfrm>
+      </p:grpSpPr>
+      <p:sp>
+        <p:nvSpPr>
+          <p:cNvPr id="2" name="Title 1"/>
+          <p:cNvSpPr>
+            <a:spLocks noGrp="1"/>
+          </p:cNvSpPr>
+          <p:nvPr>
+            <p:ph type="ctrTitle"/>
+          </p:nvPr>
+        </p:nvSpPr>
+        <p:spPr/>
+        <p:txBody>
+          <a:bodyPr/>
+          <a:lstStyle/>
+          <a:p>
+            <a:r>
+              <a:rPr lang="en-US" dirty="0" smtClean="0"/>
+              <a:t>Questions?</a:t>
+            </a:r>
+            <a:endParaRPr lang="en-US" dirty="0"/>
+          </a:p>
+        </p:txBody>
+      </p:sp>
+      <p:sp>
+        <p:nvSpPr>
+          <p:cNvPr id="4" name="Subtitle 3"/>
+          <p:cNvSpPr>
+            <a:spLocks noGrp="1"/>
+          </p:cNvSpPr>
+          <p:nvPr>
+            <p:ph type="subTitle" idx="1"/>
+          </p:nvPr>
+        </p:nvSpPr>
+        <p:spPr/>
+        <p:txBody>
+          <a:bodyPr/>
+          <a:lstStyle/>
+          <a:p>
+            <a:r>
+              <a:rPr lang="en-US" dirty="0" smtClean="0"/>
+              <a:t>Thank you!</a:t>
+            </a:r>
+            <a:endParaRPr lang="en-US" dirty="0"/>
+          </a:p>
+        </p:txBody>
+      </p:sp>
+    </p:spTree>
+    <p:extLst>
+      <p:ext uri="{BB962C8B-B14F-4D97-AF65-F5344CB8AC3E}">
+        <p14:creationId xmlns:p14="http://schemas.microsoft.com/office/powerpoint/2010/main" val="1916012831"/>
+      </p:ext>
+    </p:extLst>
+  </p:cSld>
+  <p:clrMapOvr>
+    <a:masterClrMapping/>
+  </p:clrMapOvr>
+  <p:timing>
+    <p:tnLst>
+      <p:par>
+        <p:cTn xmlns:p14="http://schemas.microsoft.com/office/powerpoint/2010/main" id="1" dur="indefinite" restart="never" nodeType="tmRoot"/>
       </p:par>
     </p:tnLst>
   </p:timing>
@@ -10300,11 +10707,28 @@
             </a:r>
             <a:r>
               <a:rPr lang="en-AU" sz="2400" dirty="0"/>
-              <a:t>that the case counts are independently distributed Poisson variates, that is, </a:t>
+              <a:t>that the case </a:t>
+            </a:r>
+            <a:r>
+              <a:rPr lang="en-AU" sz="2400" dirty="0" smtClean="0"/>
+              <a:t>counts follow a </a:t>
+            </a:r>
+            <a:r>
+              <a:rPr lang="en-AU" sz="2400" dirty="0"/>
+              <a:t>Poisson </a:t>
+            </a:r>
+            <a:r>
+              <a:rPr lang="en-AU" sz="2400" dirty="0" smtClean="0"/>
+              <a:t>distribution:</a:t>
             </a:r>
             <a:endParaRPr lang="en-AU" sz="2400" dirty="0" smtClean="0"/>
           </a:p>
           <a:p>
+            <a:pPr>
+              <a:spcBef>
+                <a:spcPts val="0"/>
+              </a:spcBef>
+            </a:pPr>
             <a:r>
               <a:rPr lang="en-AU" sz="2400" i="1" dirty="0" err="1" smtClean="0"/>
               <a:t>y</a:t>
@@ -10369,12 +10793,6 @@
               <a:rPr lang="en-AU" sz="2400" dirty="0" smtClean="0"/>
               <a:t>, where </a:t>
             </a:r>
-            <a:endParaRPr lang="en-AU" sz="2400" dirty="0" smtClean="0"/>
-          </a:p>
-          <a:p>
-            <a:pPr marL="0" indent="0">
-              <a:buNone/>
-            </a:pPr>
             <a:endParaRPr lang="en-AU" sz="2400" dirty="0"/>
           </a:p>
           <a:p>
@@ -10388,11 +10806,15 @@
             </a:r>
             <a:r>
               <a:rPr lang="en-AU" sz="2400" dirty="0" smtClean="0"/>
-              <a:t> - # of cases </a:t>
+              <a:t> - </a:t>
             </a:r>
             <a:r>
               <a:rPr lang="en-AU" sz="2400" dirty="0" smtClean="0"/>
-              <a:t>within the </a:t>
+              <a:t>number </a:t>
+            </a:r>
+            <a:r>
+              <a:rPr lang="en-AU" sz="2400" dirty="0" smtClean="0"/>
+              <a:t>of cases within the </a:t>
             </a:r>
             <a:r>
               <a:rPr lang="en-AU" sz="2400" dirty="0" err="1" smtClean="0"/>
@@ -10400,45 +10822,33 @@
             </a:r>
             <a:r>
               <a:rPr lang="en-AU" sz="2400" dirty="0" smtClean="0"/>
-              <a:t> </a:t>
-            </a:r>
-            <a:r>
-              <a:rPr lang="en-AU" sz="2400" dirty="0" smtClean="0"/>
-              <a:t>area,</a:t>
-            </a:r>
-          </a:p>
-          <a:p>
+              <a:t> area,</a:t>
+            </a:r>
+          </a:p>
+          <a:p>
+            <a:r>
+              <a:rPr lang="en-AU" sz="2400" dirty="0" err="1" smtClean="0"/>
+              <a:t>e</a:t>
+            </a:r>
+            <a:r>
+              <a:rPr lang="en-AU" sz="2400" baseline="-25000" dirty="0" err="1" smtClean="0"/>
+              <a:t>i</a:t>
+            </a:r>
             <a:r>
               <a:rPr lang="en-AU" sz="2400" dirty="0" smtClean="0"/>
               <a:t> </a:t>
             </a:r>
             <a:r>
-              <a:rPr lang="en-AU" sz="2400" dirty="0" err="1" smtClean="0"/>
-              <a:t>e</a:t>
-            </a:r>
-            <a:r>
-              <a:rPr lang="en-AU" sz="2400" baseline="-25000" dirty="0" err="1" smtClean="0"/>
-              <a:t>i</a:t>
-            </a:r>
-            <a:r>
-              <a:rPr lang="en-AU" sz="2400" dirty="0" smtClean="0"/>
-              <a:t> </a:t>
-            </a:r>
-            <a:r>
               <a:rPr lang="en-AU" sz="2400" dirty="0" smtClean="0"/>
               <a:t>- </a:t>
             </a:r>
             <a:r>
               <a:rPr lang="en-AU" sz="2400" dirty="0" smtClean="0"/>
-              <a:t># of</a:t>
+              <a:t>number </a:t>
             </a:r>
             <a:r>
               <a:rPr lang="en-AU" sz="2400" dirty="0" smtClean="0"/>
-              <a:t> expected cases </a:t>
-            </a:r>
-            <a:r>
-              <a:rPr lang="en-AU" sz="2400" dirty="0" smtClean="0"/>
-              <a:t>in the </a:t>
+              <a:t>of expected cases in the </a:t>
             </a:r>
             <a:r>
               <a:rPr lang="en-AU" sz="2400" dirty="0" err="1" smtClean="0"/>
@@ -10446,6 +10856,40 @@
             </a:r>
             <a:r>
               <a:rPr lang="en-AU" sz="2400" dirty="0" smtClean="0"/>
+              <a:t> area, </a:t>
+            </a:r>
+          </a:p>
+          <a:p>
+            <a:r>
+              <a:rPr lang="el-GR" sz="2400" dirty="0" smtClean="0"/>
+              <a:t>θ</a:t>
+            </a:r>
+            <a:r>
+              <a:rPr lang="en-AU" sz="2400" baseline="-25000" dirty="0" err="1"/>
+              <a:t>i</a:t>
+            </a:r>
+            <a:r>
+              <a:rPr lang="en-AU" sz="2400" i="1" dirty="0"/>
+              <a:t> </a:t>
+            </a:r>
+            <a:r>
+              <a:rPr lang="en-AU" sz="2400" i="1" dirty="0" smtClean="0"/>
+              <a:t>- </a:t>
+            </a:r>
+            <a:r>
+              <a:rPr lang="en-AU" sz="2400" dirty="0" smtClean="0"/>
+              <a:t>relative </a:t>
+            </a:r>
+            <a:r>
+              <a:rPr lang="en-AU" sz="2400" dirty="0"/>
+              <a:t>risk parameter for the </a:t>
+            </a:r>
+            <a:r>
+              <a:rPr lang="en-AU" sz="2400" dirty="0" err="1"/>
+              <a:t>ith</a:t>
+            </a:r>
+            <a:r>
+              <a:rPr lang="en-AU" sz="2400" dirty="0"/>
               <a:t> </a:t>
             </a:r>
             <a:r>
@@ -10455,44 +10899,6 @@
           </a:p>
           <a:p>
             <a:r>
-              <a:rPr lang="el-GR" sz="2400" dirty="0" smtClean="0"/>
-              <a:t>θ</a:t>
-            </a:r>
-            <a:r>
-              <a:rPr lang="en-AU" sz="2400" baseline="-25000" dirty="0" err="1"/>
-              <a:t>i</a:t>
-            </a:r>
-            <a:r>
-              <a:rPr lang="en-AU" sz="2400" i="1" dirty="0"/>
-              <a:t> </a:t>
-            </a:r>
-            <a:r>
-              <a:rPr lang="en-AU" sz="2400" i="1" dirty="0" smtClean="0"/>
-              <a:t>- </a:t>
-            </a:r>
-            <a:r>
-              <a:rPr lang="en-AU" sz="2400" dirty="0" smtClean="0"/>
-              <a:t>relative </a:t>
-            </a:r>
-            <a:r>
-              <a:rPr lang="en-AU" sz="2400" dirty="0"/>
-              <a:t>risk parameter for the </a:t>
-            </a:r>
-            <a:r>
-              <a:rPr lang="en-AU" sz="2400" dirty="0" err="1"/>
-              <a:t>ith</a:t>
-            </a:r>
-            <a:r>
-              <a:rPr lang="en-AU" sz="2400" dirty="0"/>
-              <a:t> </a:t>
-            </a:r>
-            <a:r>
-              <a:rPr lang="en-AU" sz="2400" dirty="0" smtClean="0"/>
-              <a:t>area, </a:t>
-            </a:r>
-          </a:p>
-          <a:p>
-            <a:r>
               <a:rPr lang="en-AU" sz="2400" dirty="0" smtClean="0"/>
               <a:t>y</a:t>
             </a:r>
@@ -10506,11 +10912,7 @@
             </a:r>
             <a:r>
               <a:rPr lang="en-AU" sz="2400" dirty="0" smtClean="0"/>
-              <a:t> - population </a:t>
-            </a:r>
-            <a:r>
-              <a:rPr lang="en-AU" sz="2400" dirty="0" smtClean="0"/>
-              <a:t>of the </a:t>
+              <a:t> - population of the </a:t>
             </a:r>
             <a:r>
               <a:rPr lang="en-AU" sz="2400" dirty="0" err="1" smtClean="0"/>
@@ -10518,39 +10920,13 @@
             </a:r>
             <a:r>
               <a:rPr lang="en-AU" sz="2400" dirty="0" smtClean="0"/>
-              <a:t> area during the time period.</a:t>
-            </a:r>
-          </a:p>
-          <a:p>
+              <a:t> area during the time period</a:t>
+            </a:r>
             <a:r>
               <a:rPr lang="en-AU" sz="2400" dirty="0" smtClean="0"/>
-              <a:t>The statisticians </a:t>
-            </a:r>
-            <a:r>
-              <a:rPr lang="en-AU" sz="2400" dirty="0" smtClean="0"/>
-              <a:t>uses </a:t>
-            </a:r>
-            <a:r>
-              <a:rPr lang="en-AU" sz="2400" dirty="0"/>
-              <a:t>3 different models to model the </a:t>
-            </a:r>
-            <a:r>
-              <a:rPr lang="el-GR" sz="2400" dirty="0"/>
-              <a:t>θ</a:t>
-            </a:r>
-            <a:r>
-              <a:rPr lang="en-AU" sz="2400" baseline="-25000" dirty="0"/>
-              <a:t>i</a:t>
-            </a:r>
-            <a:r>
-              <a:rPr lang="en-AU" sz="2400" dirty="0"/>
-              <a:t>’s and </a:t>
-            </a:r>
-            <a:r>
-              <a:rPr lang="en-AU" sz="2400" dirty="0" smtClean="0"/>
-              <a:t>test the models measure of fit using various measures.</a:t>
-            </a:r>
-            <a:endParaRPr lang="en-AU" sz="2400" dirty="0"/>
+              <a:t>.</a:t>
+            </a:r>
+            <a:endParaRPr lang="en-AU" sz="2400" dirty="0" smtClean="0"/>
           </a:p>
         </p:txBody>
       </p:sp>
@@ -10566,7 +10942,7 @@
           <a:blip r:embed="rId3" cstate="print">
             <a:extLst>
               <a:ext uri="{28A0092B-C50C-407E-A947-70E740481C1C}">
-                <a14:useLocalDpi xmlns:a14="http://schemas.microsoft.com/office/drawing/2010/main" xmlns="" val="0"/>
+                <a14:useLocalDpi xmlns:a14="http://schemas.microsoft.com/office/drawing/2010/main" val="0"/>
               </a:ext>
             </a:extLst>
           </a:blip>
@@ -10577,7 +10953,7 @@
         </p:blipFill>
         <p:spPr bwMode="auto">
           <a:xfrm>
-            <a:off x="5220072" y="2276872"/>
+            <a:off x="5220072" y="2335214"/>
             <a:ext cx="2376264" cy="589730"/>
           </a:xfrm>
           <a:prstGeom prst="rect">
@@ -10588,15 +10964,15 @@
             <a:noFill/>
           </a:ln>
           <a:extLst>
-            <a:ext uri="{909E8E84-426E-40DD-AFC4-6F175D3DCCD1}">
-              <a14:hiddenFill xmlns:a14="http://schemas.microsoft.com/office/drawing/2010/main" xmlns="">
+            <a:ext uri="{909E8E84-426E-40dd-AFC4-6F175D3DCCD1}">
+              <a14:hiddenFill xmlns:a14="http://schemas.microsoft.com/office/drawing/2010/main">
                 <a:solidFill>
                   <a:schemeClr val="accent1"/>
                 </a:solidFill>
               </a14:hiddenFill>
             </a:ext>
-            <a:ext uri="{91240B29-F687-4F45-9708-019B960494DF}">
-              <a14:hiddenLine xmlns:a14="http://schemas.microsoft.com/office/drawing/2010/main" xmlns="" w="9525">
+            <a:ext uri="{91240B29-F687-4f45-9708-019B960494DF}">
+              <a14:hiddenLine xmlns:a14="http://schemas.microsoft.com/office/drawing/2010/main" w="9525">
                 <a:solidFill>
                   <a:schemeClr val="tx1"/>
                 </a:solidFill>
@@ -10611,7 +10987,7 @@
     </p:spTree>
     <p:extLst>
       <p:ext uri="{BB962C8B-B14F-4D97-AF65-F5344CB8AC3E}">
-        <p14:creationId xmlns:p14="http://schemas.microsoft.com/office/powerpoint/2010/main" xmlns="" val="2007955861"/>
+        <p14:creationId xmlns:p14="http://schemas.microsoft.com/office/powerpoint/2010/main" val="2007955861"/>
       </p:ext>
     </p:extLst>
   </p:cSld>
@@ -10621,7 +10997,7 @@
   <p:timing>
     <p:tnLst>
       <p:par>
-        <p:cTn id="1" dur="indefinite" restart="never" nodeType="tmRoot"/>
+        <p:cTn xmlns:p14="http://schemas.microsoft.com/office/powerpoint/2010/main" id="1" dur="indefinite" restart="never" nodeType="tmRoot"/>
       </p:par>
     </p:tnLst>
   </p:timing>
@@ -10661,8 +11037,12 @@
           <a:lstStyle/>
           <a:p>
             <a:r>
+              <a:rPr lang="en-AU" dirty="0"/>
+              <a:t>The </a:t>
+            </a:r>
+            <a:r>
               <a:rPr lang="en-AU" dirty="0" smtClean="0"/>
-              <a:t>The SMR Model</a:t>
+              <a:t>Standardised Morbidity Ratio </a:t>
             </a:r>
             <a:endParaRPr lang="en-AU" dirty="0"/>
           </a:p>
@@ -10689,8 +11069,41 @@
           </a:p>
           <a:p>
             <a:r>
+              <a:rPr lang="en-AU" sz="2400" dirty="0" smtClean="0"/>
+              <a:t>Assume case counts are independent.</a:t>
+            </a:r>
+          </a:p>
+          <a:p>
+            <a:endParaRPr lang="en-AU" sz="2400" dirty="0" smtClean="0"/>
+          </a:p>
+          <a:p>
+            <a:r>
+              <a:rPr lang="en-AU" sz="2400" dirty="0" smtClean="0"/>
+              <a:t> The </a:t>
+            </a:r>
+            <a:r>
+              <a:rPr lang="en-AU" sz="2400" dirty="0" err="1" smtClean="0"/>
+              <a:t>SMR</a:t>
+            </a:r>
+            <a:r>
+              <a:rPr lang="en-AU" sz="2400" baseline="-25000" dirty="0" err="1" smtClean="0"/>
+              <a:t>i</a:t>
+            </a:r>
+            <a:r>
+              <a:rPr lang="en-AU" sz="2400" dirty="0" smtClean="0"/>
+              <a:t> </a:t>
+            </a:r>
+            <a:r>
+              <a:rPr lang="en-AU" sz="2400" dirty="0" smtClean="0"/>
+              <a:t>is </a:t>
+            </a:r>
+            <a:r>
+              <a:rPr lang="en-AU" sz="2400" dirty="0" smtClean="0"/>
+              <a:t>the </a:t>
+            </a:r>
+            <a:r>
               <a:rPr lang="en-AU" sz="2400" dirty="0"/>
-              <a:t>The SMR model just involves finding the MLE of </a:t>
+              <a:t>MLE of </a:t>
             </a:r>
             <a:r>
               <a:rPr lang="el-GR" sz="2400" dirty="0"/>
@@ -10742,7 +11155,7 @@
           <a:blip r:embed="rId3" cstate="print">
             <a:extLst>
               <a:ext uri="{28A0092B-C50C-407E-A947-70E740481C1C}">
-                <a14:useLocalDpi xmlns:a14="http://schemas.microsoft.com/office/drawing/2010/main" xmlns="" val="0"/>
+                <a14:useLocalDpi xmlns:a14="http://schemas.microsoft.com/office/drawing/2010/main" val="0"/>
               </a:ext>
             </a:extLst>
           </a:blip>
@@ -10764,15 +11177,15 @@
             <a:noFill/>
           </a:ln>
           <a:extLst>
-            <a:ext uri="{909E8E84-426E-40DD-AFC4-6F175D3DCCD1}">
-              <a14:hiddenFill xmlns:a14="http://schemas.microsoft.com/office/drawing/2010/main" xmlns="">
+            <a:ext uri="{909E8E84-426E-40dd-AFC4-6F175D3DCCD1}">
+              <a14:hiddenFill xmlns:a14="http://schemas.microsoft.com/office/drawing/2010/main">
                 <a:solidFill>
                   <a:schemeClr val="accent1"/>
                 </a:solidFill>
               </a14:hiddenFill>
             </a:ext>
-            <a:ext uri="{91240B29-F687-4F45-9708-019B960494DF}">
-              <a14:hiddenLine xmlns:a14="http://schemas.microsoft.com/office/drawing/2010/main" xmlns="" w="9525">
+            <a:ext uri="{91240B29-F687-4f45-9708-019B960494DF}">
+              <a14:hiddenLine xmlns:a14="http://schemas.microsoft.com/office/drawing/2010/main" w="9525">
                 <a:solidFill>
                   <a:schemeClr val="tx1"/>
                 </a:solidFill>
@@ -10787,7 +11200,7 @@
     </p:spTree>
     <p:extLst>
       <p:ext uri="{BB962C8B-B14F-4D97-AF65-F5344CB8AC3E}">
-        <p14:creationId xmlns:p14="http://schemas.microsoft.com/office/powerpoint/2010/main" xmlns="" val="1114989771"/>
+        <p14:creationId xmlns:p14="http://schemas.microsoft.com/office/powerpoint/2010/main" val="1114989771"/>
       </p:ext>
     </p:extLst>
   </p:cSld>
@@ -10797,7 +11210,7 @@
   <p:timing>
     <p:tnLst>
       <p:par>
-        <p:cTn id="1" dur="indefinite" restart="never" nodeType="tmRoot"/>
+        <p:cTn xmlns:p14="http://schemas.microsoft.com/office/powerpoint/2010/main" id="1" dur="indefinite" restart="never" nodeType="tmRoot"/>
       </p:par>
     </p:tnLst>
   </p:timing>
@@ -10833,12 +11246,26 @@
         </p:nvSpPr>
         <p:spPr/>
         <p:txBody>
-          <a:bodyPr/>
+          <a:bodyPr>
+            <a:normAutofit/>
+          </a:bodyPr>
           <a:lstStyle/>
           <a:p>
             <a:r>
               <a:rPr lang="en-AU" dirty="0" smtClean="0"/>
-              <a:t>The BYM Model</a:t>
+              <a:t>The </a:t>
+            </a:r>
+            <a:r>
+              <a:rPr lang="en-AU" dirty="0" err="1"/>
+              <a:t>Besag</a:t>
+            </a:r>
+            <a:r>
+              <a:rPr lang="en-AU" dirty="0"/>
+              <a:t>, York, and Mollie </a:t>
+            </a:r>
+            <a:r>
+              <a:rPr lang="en-AU" dirty="0" smtClean="0"/>
+              <a:t>Model</a:t>
             </a:r>
             <a:endParaRPr lang="en-AU" dirty="0"/>
           </a:p>
@@ -10856,7 +11283,7 @@
           <a:blip r:embed="rId3" cstate="print">
             <a:extLst>
               <a:ext uri="{28A0092B-C50C-407E-A947-70E740481C1C}">
-                <a14:useLocalDpi xmlns:a14="http://schemas.microsoft.com/office/drawing/2010/main" xmlns="" val="0"/>
+                <a14:useLocalDpi xmlns:a14="http://schemas.microsoft.com/office/drawing/2010/main" val="0"/>
               </a:ext>
             </a:extLst>
           </a:blip>
@@ -10878,15 +11305,15 @@
             <a:noFill/>
           </a:ln>
           <a:extLst>
-            <a:ext uri="{909E8E84-426E-40DD-AFC4-6F175D3DCCD1}">
-              <a14:hiddenFill xmlns:a14="http://schemas.microsoft.com/office/drawing/2010/main" xmlns="">
+            <a:ext uri="{909E8E84-426E-40dd-AFC4-6F175D3DCCD1}">
+              <a14:hiddenFill xmlns:a14="http://schemas.microsoft.com/office/drawing/2010/main">
                 <a:solidFill>
                   <a:schemeClr val="accent1"/>
                 </a:solidFill>
               </a14:hiddenFill>
             </a:ext>
-            <a:ext uri="{91240B29-F687-4F45-9708-019B960494DF}">
-              <a14:hiddenLine xmlns:a14="http://schemas.microsoft.com/office/drawing/2010/main" xmlns="" w="9525">
+            <a:ext uri="{91240B29-F687-4f45-9708-019B960494DF}">
+              <a14:hiddenLine xmlns:a14="http://schemas.microsoft.com/office/drawing/2010/main" w="9525">
                 <a:solidFill>
                   <a:schemeClr val="tx1"/>
                 </a:solidFill>
@@ -10901,7 +11328,7 @@
     </p:spTree>
     <p:extLst>
       <p:ext uri="{BB962C8B-B14F-4D97-AF65-F5344CB8AC3E}">
-        <p14:creationId xmlns:p14="http://schemas.microsoft.com/office/powerpoint/2010/main" xmlns="" val="2971966214"/>
+        <p14:creationId xmlns:p14="http://schemas.microsoft.com/office/powerpoint/2010/main" val="2971966214"/>
       </p:ext>
     </p:extLst>
   </p:cSld>
@@ -10911,7 +11338,7 @@
   <p:timing>
     <p:tnLst>
       <p:par>
-        <p:cTn id="1" dur="indefinite" restart="never" nodeType="tmRoot"/>
+        <p:cTn xmlns:p14="http://schemas.microsoft.com/office/powerpoint/2010/main" id="1" dur="indefinite" restart="never" nodeType="tmRoot"/>
       </p:par>
     </p:tnLst>
   </p:timing>
@@ -10970,7 +11397,7 @@
           <a:blip r:embed="rId3" cstate="print">
             <a:extLst>
               <a:ext uri="{28A0092B-C50C-407E-A947-70E740481C1C}">
-                <a14:useLocalDpi xmlns:a14="http://schemas.microsoft.com/office/drawing/2010/main" xmlns="" val="0"/>
+                <a14:useLocalDpi xmlns:a14="http://schemas.microsoft.com/office/drawing/2010/main" val="0"/>
               </a:ext>
             </a:extLst>
           </a:blip>
@@ -10992,15 +11419,15 @@
             <a:noFill/>
           </a:ln>
           <a:extLst>
-            <a:ext uri="{909E8E84-426E-40DD-AFC4-6F175D3DCCD1}">
-              <a14:hiddenFill xmlns:a14="http://schemas.microsoft.com/office/drawing/2010/main" xmlns="">
+            <a:ext uri="{909E8E84-426E-40dd-AFC4-6F175D3DCCD1}">
+              <a14:hiddenFill xmlns:a14="http://schemas.microsoft.com/office/drawing/2010/main">
                 <a:solidFill>
                   <a:schemeClr val="accent1"/>
                 </a:solidFill>
               </a14:hiddenFill>
             </a:ext>
-            <a:ext uri="{91240B29-F687-4F45-9708-019B960494DF}">
-              <a14:hiddenLine xmlns:a14="http://schemas.microsoft.com/office/drawing/2010/main" xmlns="" w="9525">
+            <a:ext uri="{91240B29-F687-4f45-9708-019B960494DF}">
+              <a14:hiddenLine xmlns:a14="http://schemas.microsoft.com/office/drawing/2010/main" w="9525">
                 <a:solidFill>
                   <a:schemeClr val="tx1"/>
                 </a:solidFill>
@@ -11015,7 +11442,7 @@
     </p:spTree>
     <p:extLst>
       <p:ext uri="{BB962C8B-B14F-4D97-AF65-F5344CB8AC3E}">
-        <p14:creationId xmlns:p14="http://schemas.microsoft.com/office/powerpoint/2010/main" xmlns="" val="1143515865"/>
+        <p14:creationId xmlns:p14="http://schemas.microsoft.com/office/powerpoint/2010/main" val="1143515865"/>
       </p:ext>
     </p:extLst>
   </p:cSld>
@@ -11025,7 +11452,7 @@
   <p:timing>
     <p:tnLst>
       <p:par>
-        <p:cTn id="1" dur="indefinite" restart="never" nodeType="tmRoot"/>
+        <p:cTn xmlns:p14="http://schemas.microsoft.com/office/powerpoint/2010/main" id="1" dur="indefinite" restart="never" nodeType="tmRoot"/>
       </p:par>
     </p:tnLst>
   </p:timing>
@@ -11061,6 +11488,80 @@
         </p:nvSpPr>
         <p:spPr/>
         <p:txBody>
+          <a:bodyPr>
+            <a:normAutofit fontScale="90000"/>
+          </a:bodyPr>
+          <a:lstStyle/>
+          <a:p>
+            <a:r>
+              <a:rPr lang="en-AU" dirty="0" smtClean="0"/>
+              <a:t>Computation and Estimation Procedure</a:t>
+            </a:r>
+            <a:endParaRPr lang="en-AU" dirty="0"/>
+          </a:p>
+        </p:txBody>
+      </p:sp>
+      <p:sp>
+        <p:nvSpPr>
+          <p:cNvPr id="3" name="Content Placeholder 2"/>
+          <p:cNvSpPr>
+            <a:spLocks noGrp="1"/>
+          </p:cNvSpPr>
+          <p:nvPr>
+            <p:ph idx="1"/>
+          </p:nvPr>
+        </p:nvSpPr>
+        <p:spPr/>
+        <p:txBody>
+          <a:bodyPr/>
+          <a:lstStyle/>
+          <a:p>
+            <a:endParaRPr lang="en-AU" dirty="0"/>
+          </a:p>
+        </p:txBody>
+      </p:sp>
+    </p:spTree>
+    <p:extLst>
+      <p:ext uri="{BB962C8B-B14F-4D97-AF65-F5344CB8AC3E}">
+        <p14:creationId xmlns:p14="http://schemas.microsoft.com/office/powerpoint/2010/main" val="552697439"/>
+      </p:ext>
+    </p:extLst>
+  </p:cSld>
+  <p:clrMapOvr>
+    <a:masterClrMapping/>
+  </p:clrMapOvr>
+</p:sld>
+</file>
+
+<file path=ppt/slides/slide9.xml><?xml version="1.0" encoding="utf-8"?>
+<p:sld xmlns:a="http://schemas.openxmlformats.org/drawingml/2006/main" xmlns:r="http://schemas.openxmlformats.org/officeDocument/2006/relationships" xmlns:p="http://schemas.openxmlformats.org/presentationml/2006/main">
+  <p:cSld>
+    <p:spTree>
+      <p:nvGrpSpPr>
+        <p:cNvPr id="1" name=""/>
+        <p:cNvGrpSpPr/>
+        <p:nvPr/>
+      </p:nvGrpSpPr>
+      <p:grpSpPr>
+        <a:xfrm>
+          <a:off x="0" y="0"/>
+          <a:ext cx="0" cy="0"/>
+          <a:chOff x="0" y="0"/>
+          <a:chExt cx="0" cy="0"/>
+        </a:xfrm>
+      </p:grpSpPr>
+      <p:sp>
+        <p:nvSpPr>
+          <p:cNvPr id="2" name="Title 1"/>
+          <p:cNvSpPr>
+            <a:spLocks noGrp="1"/>
+          </p:cNvSpPr>
+          <p:nvPr>
+            <p:ph type="title"/>
+          </p:nvPr>
+        </p:nvSpPr>
+        <p:spPr/>
+        <p:txBody>
           <a:bodyPr/>
           <a:lstStyle/>
           <a:p>
@@ -11096,11 +11597,7 @@
           <a:p>
             <a:r>
               <a:rPr lang="en-AU" sz="2400" dirty="0" smtClean="0"/>
-              <a:t>The statisticians use several </a:t>
-            </a:r>
-            <a:r>
-              <a:rPr lang="en-AU" sz="2400" dirty="0" smtClean="0"/>
-              <a:t>methods to evaluate the models goodness-of-fit</a:t>
+              <a:t>The statisticians use several methods to evaluate the models goodness-of-fit</a:t>
             </a:r>
           </a:p>
           <a:p>
@@ -11153,7 +11650,7 @@
           <a:blip r:embed="rId3" cstate="print">
             <a:extLst>
               <a:ext uri="{28A0092B-C50C-407E-A947-70E740481C1C}">
-                <a14:useLocalDpi xmlns:a14="http://schemas.microsoft.com/office/drawing/2010/main" xmlns="" val="0"/>
+                <a14:useLocalDpi xmlns:a14="http://schemas.microsoft.com/office/drawing/2010/main" val="0"/>
               </a:ext>
             </a:extLst>
           </a:blip>
@@ -11175,15 +11672,15 @@
             <a:noFill/>
           </a:ln>
           <a:extLst>
-            <a:ext uri="{909E8E84-426E-40DD-AFC4-6F175D3DCCD1}">
-              <a14:hiddenFill xmlns:a14="http://schemas.microsoft.com/office/drawing/2010/main" xmlns="">
+            <a:ext uri="{909E8E84-426E-40dd-AFC4-6F175D3DCCD1}">
+              <a14:hiddenFill xmlns:a14="http://schemas.microsoft.com/office/drawing/2010/main">
                 <a:solidFill>
                   <a:schemeClr val="accent1"/>
                 </a:solidFill>
               </a14:hiddenFill>
             </a:ext>
-            <a:ext uri="{91240B29-F687-4F45-9708-019B960494DF}">
-              <a14:hiddenLine xmlns:a14="http://schemas.microsoft.com/office/drawing/2010/main" xmlns="" w="9525">
+            <a:ext uri="{91240B29-F687-4f45-9708-019B960494DF}">
+              <a14:hiddenLine xmlns:a14="http://schemas.microsoft.com/office/drawing/2010/main" w="9525">
                 <a:solidFill>
                   <a:schemeClr val="tx1"/>
                 </a:solidFill>
@@ -11207,7 +11704,7 @@
           <a:blip r:embed="rId4" cstate="print">
             <a:extLst>
               <a:ext uri="{28A0092B-C50C-407E-A947-70E740481C1C}">
-                <a14:useLocalDpi xmlns:a14="http://schemas.microsoft.com/office/drawing/2010/main" xmlns="" val="0"/>
+                <a14:useLocalDpi xmlns:a14="http://schemas.microsoft.com/office/drawing/2010/main" val="0"/>
               </a:ext>
             </a:extLst>
           </a:blip>
@@ -11229,15 +11726,15 @@
             <a:noFill/>
           </a:ln>
           <a:extLst>
-            <a:ext uri="{909E8E84-426E-40DD-AFC4-6F175D3DCCD1}">
-              <a14:hiddenFill xmlns:a14="http://schemas.microsoft.com/office/drawing/2010/main" xmlns="">
+            <a:ext uri="{909E8E84-426E-40dd-AFC4-6F175D3DCCD1}">
+              <a14:hiddenFill xmlns:a14="http://schemas.microsoft.com/office/drawing/2010/main">
                 <a:solidFill>
                   <a:schemeClr val="accent1"/>
                 </a:solidFill>
               </a14:hiddenFill>
             </a:ext>
-            <a:ext uri="{91240B29-F687-4F45-9708-019B960494DF}">
-              <a14:hiddenLine xmlns:a14="http://schemas.microsoft.com/office/drawing/2010/main" xmlns="" w="9525">
+            <a:ext uri="{91240B29-F687-4f45-9708-019B960494DF}">
+              <a14:hiddenLine xmlns:a14="http://schemas.microsoft.com/office/drawing/2010/main" w="9525">
                 <a:solidFill>
                   <a:schemeClr val="tx1"/>
                 </a:solidFill>
@@ -11261,7 +11758,7 @@
           <a:blip r:embed="rId5" cstate="print">
             <a:extLst>
               <a:ext uri="{28A0092B-C50C-407E-A947-70E740481C1C}">
-                <a14:useLocalDpi xmlns:a14="http://schemas.microsoft.com/office/drawing/2010/main" xmlns="" val="0"/>
+                <a14:useLocalDpi xmlns:a14="http://schemas.microsoft.com/office/drawing/2010/main" val="0"/>
               </a:ext>
             </a:extLst>
           </a:blip>
@@ -11283,15 +11780,15 @@
             <a:noFill/>
           </a:ln>
           <a:extLst>
-            <a:ext uri="{909E8E84-426E-40DD-AFC4-6F175D3DCCD1}">
-              <a14:hiddenFill xmlns:a14="http://schemas.microsoft.com/office/drawing/2010/main" xmlns="">
+            <a:ext uri="{909E8E84-426E-40dd-AFC4-6F175D3DCCD1}">
+              <a14:hiddenFill xmlns:a14="http://schemas.microsoft.com/office/drawing/2010/main">
                 <a:solidFill>
                   <a:schemeClr val="accent1"/>
                 </a:solidFill>
               </a14:hiddenFill>
             </a:ext>
-            <a:ext uri="{91240B29-F687-4F45-9708-019B960494DF}">
-              <a14:hiddenLine xmlns:a14="http://schemas.microsoft.com/office/drawing/2010/main" xmlns="" w="9525">
+            <a:ext uri="{91240B29-F687-4f45-9708-019B960494DF}">
+              <a14:hiddenLine xmlns:a14="http://schemas.microsoft.com/office/drawing/2010/main" w="9525">
                 <a:solidFill>
                   <a:schemeClr val="tx1"/>
                 </a:solidFill>
@@ -11349,7 +11846,7 @@
           <a:blip r:embed="rId6" cstate="print">
             <a:extLst>
               <a:ext uri="{28A0092B-C50C-407E-A947-70E740481C1C}">
-                <a14:useLocalDpi xmlns:a14="http://schemas.microsoft.com/office/drawing/2010/main" xmlns="" val="0"/>
+                <a14:useLocalDpi xmlns:a14="http://schemas.microsoft.com/office/drawing/2010/main" val="0"/>
               </a:ext>
             </a:extLst>
           </a:blip>
@@ -11371,15 +11868,15 @@
             <a:noFill/>
           </a:ln>
           <a:extLst>
-            <a:ext uri="{909E8E84-426E-40DD-AFC4-6F175D3DCCD1}">
-              <a14:hiddenFill xmlns:a14="http://schemas.microsoft.com/office/drawing/2010/main" xmlns="">
+            <a:ext uri="{909E8E84-426E-40dd-AFC4-6F175D3DCCD1}">
+              <a14:hiddenFill xmlns:a14="http://schemas.microsoft.com/office/drawing/2010/main">
                 <a:solidFill>
                   <a:schemeClr val="accent1"/>
                 </a:solidFill>
               </a14:hiddenFill>
             </a:ext>
-            <a:ext uri="{91240B29-F687-4F45-9708-019B960494DF}">
-              <a14:hiddenLine xmlns:a14="http://schemas.microsoft.com/office/drawing/2010/main" xmlns="" w="9525">
+            <a:ext uri="{91240B29-F687-4f45-9708-019B960494DF}">
+              <a14:hiddenLine xmlns:a14="http://schemas.microsoft.com/office/drawing/2010/main" w="9525">
                 <a:solidFill>
                   <a:schemeClr val="tx1"/>
                 </a:solidFill>
@@ -11403,7 +11900,7 @@
           <a:blip r:embed="rId7" cstate="print">
             <a:extLst>
               <a:ext uri="{28A0092B-C50C-407E-A947-70E740481C1C}">
-                <a14:useLocalDpi xmlns:a14="http://schemas.microsoft.com/office/drawing/2010/main" xmlns="" val="0"/>
+                <a14:useLocalDpi xmlns:a14="http://schemas.microsoft.com/office/drawing/2010/main" val="0"/>
               </a:ext>
             </a:extLst>
           </a:blip>
@@ -11425,15 +11922,15 @@
             <a:noFill/>
           </a:ln>
           <a:extLst>
-            <a:ext uri="{909E8E84-426E-40DD-AFC4-6F175D3DCCD1}">
-              <a14:hiddenFill xmlns:a14="http://schemas.microsoft.com/office/drawing/2010/main" xmlns="">
+            <a:ext uri="{909E8E84-426E-40dd-AFC4-6F175D3DCCD1}">
+              <a14:hiddenFill xmlns:a14="http://schemas.microsoft.com/office/drawing/2010/main">
                 <a:solidFill>
                   <a:schemeClr val="accent1"/>
                 </a:solidFill>
               </a14:hiddenFill>
             </a:ext>
-            <a:ext uri="{91240B29-F687-4F45-9708-019B960494DF}">
-              <a14:hiddenLine xmlns:a14="http://schemas.microsoft.com/office/drawing/2010/main" xmlns="" w="9525">
+            <a:ext uri="{91240B29-F687-4f45-9708-019B960494DF}">
+              <a14:hiddenLine xmlns:a14="http://schemas.microsoft.com/office/drawing/2010/main" w="9525">
                 <a:solidFill>
                   <a:schemeClr val="tx1"/>
                 </a:solidFill>
@@ -11448,7 +11945,7 @@
     </p:spTree>
     <p:extLst>
       <p:ext uri="{BB962C8B-B14F-4D97-AF65-F5344CB8AC3E}">
-        <p14:creationId xmlns:p14="http://schemas.microsoft.com/office/powerpoint/2010/main" xmlns="" val="2984901154"/>
+        <p14:creationId xmlns:p14="http://schemas.microsoft.com/office/powerpoint/2010/main" val="2984901154"/>
       </p:ext>
     </p:extLst>
   </p:cSld>
@@ -11458,496 +11955,7 @@
   <p:timing>
     <p:tnLst>
       <p:par>
-        <p:cTn id="1" dur="indefinite" restart="never" nodeType="tmRoot"/>
-      </p:par>
-    </p:tnLst>
-  </p:timing>
-</p:sld>
-</file>
-
-<file path=ppt/slides/slide9.xml><?xml version="1.0" encoding="utf-8"?>
-<p:sld xmlns:a="http://schemas.openxmlformats.org/drawingml/2006/main" xmlns:r="http://schemas.openxmlformats.org/officeDocument/2006/relationships" xmlns:p="http://schemas.openxmlformats.org/presentationml/2006/main">
-  <p:cSld>
-    <p:spTree>
-      <p:nvGrpSpPr>
-        <p:cNvPr id="1" name=""/>
-        <p:cNvGrpSpPr/>
-        <p:nvPr/>
-      </p:nvGrpSpPr>
-      <p:grpSpPr>
-        <a:xfrm>
-          <a:off x="0" y="0"/>
-          <a:ext cx="0" cy="0"/>
-          <a:chOff x="0" y="0"/>
-          <a:chExt cx="0" cy="0"/>
-        </a:xfrm>
-      </p:grpSpPr>
-      <p:sp>
-        <p:nvSpPr>
-          <p:cNvPr id="2" name="Title 1"/>
-          <p:cNvSpPr>
-            <a:spLocks noGrp="1"/>
-          </p:cNvSpPr>
-          <p:nvPr>
-            <p:ph type="title"/>
-          </p:nvPr>
-        </p:nvSpPr>
-        <p:spPr/>
-        <p:txBody>
-          <a:bodyPr/>
-          <a:lstStyle/>
-          <a:p>
-            <a:r>
-              <a:rPr lang="en-AU" dirty="0" smtClean="0"/>
-              <a:t>Model Checking</a:t>
-            </a:r>
-            <a:endParaRPr lang="en-AU" dirty="0"/>
-          </a:p>
-        </p:txBody>
-      </p:sp>
-      <p:sp>
-        <p:nvSpPr>
-          <p:cNvPr id="3" name="Content Placeholder 2"/>
-          <p:cNvSpPr>
-            <a:spLocks noGrp="1"/>
-          </p:cNvSpPr>
-          <p:nvPr>
-            <p:ph idx="1"/>
-          </p:nvPr>
-        </p:nvSpPr>
-        <p:spPr/>
-        <p:txBody>
-          <a:bodyPr>
-            <a:normAutofit/>
-          </a:bodyPr>
-          <a:lstStyle/>
-          <a:p>
-            <a:r>
-              <a:rPr lang="en-AU" sz="2400" dirty="0"/>
-              <a:t>The mean square predictive error (MSPE) is:</a:t>
-            </a:r>
-          </a:p>
-          <a:p>
-            <a:endParaRPr lang="en-AU" sz="2400" dirty="0"/>
-          </a:p>
-          <a:p>
-            <a:endParaRPr lang="en-AU" sz="2400" dirty="0" smtClean="0"/>
-          </a:p>
-          <a:p>
-            <a:pPr marL="0" indent="0">
-              <a:buNone/>
-            </a:pPr>
-            <a:endParaRPr lang="en-AU" sz="2400" dirty="0" smtClean="0"/>
-          </a:p>
-          <a:p>
-            <a:r>
-              <a:rPr lang="en-AU" sz="2400" dirty="0" smtClean="0"/>
-              <a:t>The </a:t>
-            </a:r>
-            <a:r>
-              <a:rPr lang="en-AU" sz="2400" dirty="0" err="1"/>
-              <a:t>Watanbe-Akaike</a:t>
-            </a:r>
-            <a:r>
-              <a:rPr lang="en-AU" sz="2400" dirty="0"/>
-              <a:t> information criterion (WAIC) is:</a:t>
-            </a:r>
-          </a:p>
-        </p:txBody>
-      </p:sp>
-      <p:sp>
-        <p:nvSpPr>
-          <p:cNvPr id="4" name="Content Placeholder 2"/>
-          <p:cNvSpPr txBox="1">
-            <a:spLocks/>
-          </p:cNvSpPr>
-          <p:nvPr/>
-        </p:nvSpPr>
-        <p:spPr>
-          <a:xfrm>
-            <a:off x="467544" y="1628800"/>
-            <a:ext cx="8229600" cy="4525963"/>
-          </a:xfrm>
-          <a:prstGeom prst="rect">
-            <a:avLst/>
-          </a:prstGeom>
-        </p:spPr>
-        <p:txBody>
-          <a:bodyPr vert="horz" lIns="91440" tIns="45720" rIns="91440" bIns="45720" rtlCol="0">
-            <a:normAutofit/>
-          </a:bodyPr>
-          <a:lstStyle>
-            <a:lvl1pPr marL="342900" indent="-342900" algn="l" defTabSz="914400" rtl="0" eaLnBrk="1" latinLnBrk="0" hangingPunct="1">
-              <a:spcBef>
-                <a:spcPct val="20000"/>
-              </a:spcBef>
-              <a:buFont typeface="Arial" panose="020B0604020202020204" pitchFamily="34" charset="0"/>
-              <a:buChar char="•"/>
-              <a:defRPr sz="3200" kern="1200">
-                <a:solidFill>
-                  <a:schemeClr val="tx1"/>
-                </a:solidFill>
-                <a:latin typeface="+mn-lt"/>
-                <a:ea typeface="+mn-ea"/>
-                <a:cs typeface="+mn-cs"/>
-              </a:defRPr>
-            </a:lvl1pPr>
-            <a:lvl2pPr marL="742950" indent="-285750" algn="l" defTabSz="914400" rtl="0" eaLnBrk="1" latinLnBrk="0" hangingPunct="1">
-              <a:spcBef>
-                <a:spcPct val="20000"/>
-              </a:spcBef>
-              <a:buFont typeface="Arial" panose="020B0604020202020204" pitchFamily="34" charset="0"/>
-              <a:buChar char="–"/>
-              <a:defRPr sz="2800" kern="1200">
-                <a:solidFill>
-                  <a:schemeClr val="tx1"/>
-                </a:solidFill>
-                <a:latin typeface="+mn-lt"/>
-                <a:ea typeface="+mn-ea"/>
-                <a:cs typeface="+mn-cs"/>
-              </a:defRPr>
-            </a:lvl2pPr>
-            <a:lvl3pPr marL="1143000" indent="-228600" algn="l" defTabSz="914400" rtl="0" eaLnBrk="1" latinLnBrk="0" hangingPunct="1">
-              <a:spcBef>
-                <a:spcPct val="20000"/>
-              </a:spcBef>
-              <a:buFont typeface="Arial" panose="020B0604020202020204" pitchFamily="34" charset="0"/>
-              <a:buChar char="•"/>
-              <a:defRPr sz="2400" kern="1200">
-                <a:solidFill>
-                  <a:schemeClr val="tx1"/>
-                </a:solidFill>
-                <a:latin typeface="+mn-lt"/>
-                <a:ea typeface="+mn-ea"/>
-                <a:cs typeface="+mn-cs"/>
-              </a:defRPr>
-            </a:lvl3pPr>
-            <a:lvl4pPr marL="1600200" indent="-228600" algn="l" defTabSz="914400" rtl="0" eaLnBrk="1" latinLnBrk="0" hangingPunct="1">
-              <a:spcBef>
-                <a:spcPct val="20000"/>
-              </a:spcBef>
-              <a:buFont typeface="Arial" panose="020B0604020202020204" pitchFamily="34" charset="0"/>
-              <a:buChar char="–"/>
-              <a:defRPr sz="2000" kern="1200">
-                <a:solidFill>
-                  <a:schemeClr val="tx1"/>
-                </a:solidFill>
-                <a:latin typeface="+mn-lt"/>
-                <a:ea typeface="+mn-ea"/>
-                <a:cs typeface="+mn-cs"/>
-              </a:defRPr>
-            </a:lvl4pPr>
-            <a:lvl5pPr marL="2057400" indent="-228600" algn="l" defTabSz="914400" rtl="0" eaLnBrk="1" latinLnBrk="0" hangingPunct="1">
-              <a:spcBef>
-                <a:spcPct val="20000"/>
-              </a:spcBef>
-              <a:buFont typeface="Arial" panose="020B0604020202020204" pitchFamily="34" charset="0"/>
-              <a:buChar char="»"/>
-              <a:defRPr sz="2000" kern="1200">
-                <a:solidFill>
-                  <a:schemeClr val="tx1"/>
-                </a:solidFill>
-                <a:latin typeface="+mn-lt"/>
-                <a:ea typeface="+mn-ea"/>
-                <a:cs typeface="+mn-cs"/>
-              </a:defRPr>
-            </a:lvl5pPr>
-            <a:lvl6pPr marL="2514600" indent="-228600" algn="l" defTabSz="914400" rtl="0" eaLnBrk="1" latinLnBrk="0" hangingPunct="1">
-              <a:spcBef>
-                <a:spcPct val="20000"/>
-              </a:spcBef>
-              <a:buFont typeface="Arial" panose="020B0604020202020204" pitchFamily="34" charset="0"/>
-              <a:buChar char="•"/>
-              <a:defRPr sz="2000" kern="1200">
-                <a:solidFill>
-                  <a:schemeClr val="tx1"/>
-                </a:solidFill>
-                <a:latin typeface="+mn-lt"/>
-                <a:ea typeface="+mn-ea"/>
-                <a:cs typeface="+mn-cs"/>
-              </a:defRPr>
-            </a:lvl6pPr>
-            <a:lvl7pPr marL="2971800" indent="-228600" algn="l" defTabSz="914400" rtl="0" eaLnBrk="1" latinLnBrk="0" hangingPunct="1">
-              <a:spcBef>
-                <a:spcPct val="20000"/>
-              </a:spcBef>
-              <a:buFont typeface="Arial" panose="020B0604020202020204" pitchFamily="34" charset="0"/>
-              <a:buChar char="•"/>
-              <a:defRPr sz="2000" kern="1200">
-                <a:solidFill>
-                  <a:schemeClr val="tx1"/>
-                </a:solidFill>
-                <a:latin typeface="+mn-lt"/>
-                <a:ea typeface="+mn-ea"/>
-                <a:cs typeface="+mn-cs"/>
-              </a:defRPr>
-            </a:lvl7pPr>
-            <a:lvl8pPr marL="3429000" indent="-228600" algn="l" defTabSz="914400" rtl="0" eaLnBrk="1" latinLnBrk="0" hangingPunct="1">
-              <a:spcBef>
-                <a:spcPct val="20000"/>
-              </a:spcBef>
-              <a:buFont typeface="Arial" panose="020B0604020202020204" pitchFamily="34" charset="0"/>
-              <a:buChar char="•"/>
-              <a:defRPr sz="2000" kern="1200">
-                <a:solidFill>
-                  <a:schemeClr val="tx1"/>
-                </a:solidFill>
-                <a:latin typeface="+mn-lt"/>
-                <a:ea typeface="+mn-ea"/>
-                <a:cs typeface="+mn-cs"/>
-              </a:defRPr>
-            </a:lvl8pPr>
-            <a:lvl9pPr marL="3886200" indent="-228600" algn="l" defTabSz="914400" rtl="0" eaLnBrk="1" latinLnBrk="0" hangingPunct="1">
-              <a:spcBef>
-                <a:spcPct val="20000"/>
-              </a:spcBef>
-              <a:buFont typeface="Arial" panose="020B0604020202020204" pitchFamily="34" charset="0"/>
-              <a:buChar char="•"/>
-              <a:defRPr sz="2000" kern="1200">
-                <a:solidFill>
-                  <a:schemeClr val="tx1"/>
-                </a:solidFill>
-                <a:latin typeface="+mn-lt"/>
-                <a:ea typeface="+mn-ea"/>
-                <a:cs typeface="+mn-cs"/>
-              </a:defRPr>
-            </a:lvl9pPr>
-          </a:lstStyle>
-          <a:p>
-            <a:endParaRPr lang="en-AU" dirty="0"/>
-          </a:p>
-        </p:txBody>
-      </p:sp>
-      <p:pic>
-        <p:nvPicPr>
-          <p:cNvPr id="5" name="Picture 8"/>
-          <p:cNvPicPr>
-            <a:picLocks noChangeAspect="1" noChangeArrowheads="1"/>
-          </p:cNvPicPr>
-          <p:nvPr/>
-        </p:nvPicPr>
-        <p:blipFill>
-          <a:blip r:embed="rId2" cstate="print">
-            <a:extLst>
-              <a:ext uri="{28A0092B-C50C-407E-A947-70E740481C1C}">
-                <a14:useLocalDpi xmlns:a14="http://schemas.microsoft.com/office/drawing/2010/main" xmlns="" val="0"/>
-              </a:ext>
-            </a:extLst>
-          </a:blip>
-          <a:srcRect/>
-          <a:stretch>
-            <a:fillRect/>
-          </a:stretch>
-        </p:blipFill>
-        <p:spPr bwMode="auto">
-          <a:xfrm>
-            <a:off x="1259632" y="2348880"/>
-            <a:ext cx="3528392" cy="431666"/>
-          </a:xfrm>
-          <a:prstGeom prst="rect">
-            <a:avLst/>
-          </a:prstGeom>
-          <a:noFill/>
-          <a:ln>
-            <a:noFill/>
-          </a:ln>
-          <a:extLst>
-            <a:ext uri="{909E8E84-426E-40DD-AFC4-6F175D3DCCD1}">
-              <a14:hiddenFill xmlns:a14="http://schemas.microsoft.com/office/drawing/2010/main" xmlns="">
-                <a:solidFill>
-                  <a:schemeClr val="accent1"/>
-                </a:solidFill>
-              </a14:hiddenFill>
-            </a:ext>
-            <a:ext uri="{91240B29-F687-4F45-9708-019B960494DF}">
-              <a14:hiddenLine xmlns:a14="http://schemas.microsoft.com/office/drawing/2010/main" xmlns="" w="9525">
-                <a:solidFill>
-                  <a:schemeClr val="tx1"/>
-                </a:solidFill>
-                <a:miter lim="800000"/>
-                <a:headEnd/>
-                <a:tailEnd/>
-              </a14:hiddenLine>
-            </a:ext>
-          </a:extLst>
-        </p:spPr>
-      </p:pic>
-      <p:pic>
-        <p:nvPicPr>
-          <p:cNvPr id="6" name="Picture 9"/>
-          <p:cNvPicPr>
-            <a:picLocks noChangeAspect="1" noChangeArrowheads="1"/>
-          </p:cNvPicPr>
-          <p:nvPr/>
-        </p:nvPicPr>
-        <p:blipFill>
-          <a:blip r:embed="rId3" cstate="print">
-            <a:extLst>
-              <a:ext uri="{28A0092B-C50C-407E-A947-70E740481C1C}">
-                <a14:useLocalDpi xmlns:a14="http://schemas.microsoft.com/office/drawing/2010/main" xmlns="" val="0"/>
-              </a:ext>
-            </a:extLst>
-          </a:blip>
-          <a:srcRect/>
-          <a:stretch>
-            <a:fillRect/>
-          </a:stretch>
-        </p:blipFill>
-        <p:spPr bwMode="auto">
-          <a:xfrm>
-            <a:off x="827584" y="4203120"/>
-            <a:ext cx="2880320" cy="374068"/>
-          </a:xfrm>
-          <a:prstGeom prst="rect">
-            <a:avLst/>
-          </a:prstGeom>
-          <a:noFill/>
-          <a:ln>
-            <a:noFill/>
-          </a:ln>
-          <a:extLst>
-            <a:ext uri="{909E8E84-426E-40DD-AFC4-6F175D3DCCD1}">
-              <a14:hiddenFill xmlns:a14="http://schemas.microsoft.com/office/drawing/2010/main" xmlns="">
-                <a:solidFill>
-                  <a:schemeClr val="accent1"/>
-                </a:solidFill>
-              </a14:hiddenFill>
-            </a:ext>
-            <a:ext uri="{91240B29-F687-4F45-9708-019B960494DF}">
-              <a14:hiddenLine xmlns:a14="http://schemas.microsoft.com/office/drawing/2010/main" xmlns="" w="9525">
-                <a:solidFill>
-                  <a:schemeClr val="tx1"/>
-                </a:solidFill>
-                <a:miter lim="800000"/>
-                <a:headEnd/>
-                <a:tailEnd/>
-              </a14:hiddenLine>
-            </a:ext>
-          </a:extLst>
-        </p:spPr>
-      </p:pic>
-      <p:pic>
-        <p:nvPicPr>
-          <p:cNvPr id="7" name="Picture 10"/>
-          <p:cNvPicPr>
-            <a:picLocks noChangeAspect="1" noChangeArrowheads="1"/>
-          </p:cNvPicPr>
-          <p:nvPr/>
-        </p:nvPicPr>
-        <p:blipFill>
-          <a:blip r:embed="rId4" cstate="print">
-            <a:extLst>
-              <a:ext uri="{28A0092B-C50C-407E-A947-70E740481C1C}">
-                <a14:useLocalDpi xmlns:a14="http://schemas.microsoft.com/office/drawing/2010/main" xmlns="" val="0"/>
-              </a:ext>
-            </a:extLst>
-          </a:blip>
-          <a:srcRect/>
-          <a:stretch>
-            <a:fillRect/>
-          </a:stretch>
-        </p:blipFill>
-        <p:spPr bwMode="auto">
-          <a:xfrm>
-            <a:off x="495360" y="4823846"/>
-            <a:ext cx="4796720" cy="449056"/>
-          </a:xfrm>
-          <a:prstGeom prst="rect">
-            <a:avLst/>
-          </a:prstGeom>
-          <a:noFill/>
-          <a:ln>
-            <a:noFill/>
-          </a:ln>
-          <a:extLst>
-            <a:ext uri="{909E8E84-426E-40DD-AFC4-6F175D3DCCD1}">
-              <a14:hiddenFill xmlns:a14="http://schemas.microsoft.com/office/drawing/2010/main" xmlns="">
-                <a:solidFill>
-                  <a:schemeClr val="accent1"/>
-                </a:solidFill>
-              </a14:hiddenFill>
-            </a:ext>
-            <a:ext uri="{91240B29-F687-4F45-9708-019B960494DF}">
-              <a14:hiddenLine xmlns:a14="http://schemas.microsoft.com/office/drawing/2010/main" xmlns="" w="9525">
-                <a:solidFill>
-                  <a:schemeClr val="tx1"/>
-                </a:solidFill>
-                <a:miter lim="800000"/>
-                <a:headEnd/>
-                <a:tailEnd/>
-              </a14:hiddenLine>
-            </a:ext>
-          </a:extLst>
-        </p:spPr>
-      </p:pic>
-      <p:pic>
-        <p:nvPicPr>
-          <p:cNvPr id="8" name="Picture 11"/>
-          <p:cNvPicPr>
-            <a:picLocks noChangeAspect="1" noChangeArrowheads="1"/>
-          </p:cNvPicPr>
-          <p:nvPr/>
-        </p:nvPicPr>
-        <p:blipFill>
-          <a:blip r:embed="rId5" cstate="print">
-            <a:extLst>
-              <a:ext uri="{28A0092B-C50C-407E-A947-70E740481C1C}">
-                <a14:useLocalDpi xmlns:a14="http://schemas.microsoft.com/office/drawing/2010/main" xmlns="" val="0"/>
-              </a:ext>
-            </a:extLst>
-          </a:blip>
-          <a:srcRect/>
-          <a:stretch>
-            <a:fillRect/>
-          </a:stretch>
-        </p:blipFill>
-        <p:spPr bwMode="auto">
-          <a:xfrm>
-            <a:off x="4152840" y="4180423"/>
-            <a:ext cx="4091568" cy="378516"/>
-          </a:xfrm>
-          <a:prstGeom prst="rect">
-            <a:avLst/>
-          </a:prstGeom>
-          <a:noFill/>
-          <a:ln>
-            <a:noFill/>
-          </a:ln>
-          <a:extLst>
-            <a:ext uri="{909E8E84-426E-40DD-AFC4-6F175D3DCCD1}">
-              <a14:hiddenFill xmlns:a14="http://schemas.microsoft.com/office/drawing/2010/main" xmlns="">
-                <a:solidFill>
-                  <a:schemeClr val="accent1"/>
-                </a:solidFill>
-              </a14:hiddenFill>
-            </a:ext>
-            <a:ext uri="{91240B29-F687-4F45-9708-019B960494DF}">
-              <a14:hiddenLine xmlns:a14="http://schemas.microsoft.com/office/drawing/2010/main" xmlns="" w="9525">
-                <a:solidFill>
-                  <a:schemeClr val="tx1"/>
-                </a:solidFill>
-                <a:miter lim="800000"/>
-                <a:headEnd/>
-                <a:tailEnd/>
-              </a14:hiddenLine>
-            </a:ext>
-          </a:extLst>
-        </p:spPr>
-      </p:pic>
-    </p:spTree>
-    <p:extLst>
-      <p:ext uri="{BB962C8B-B14F-4D97-AF65-F5344CB8AC3E}">
-        <p14:creationId xmlns:p14="http://schemas.microsoft.com/office/powerpoint/2010/main" xmlns="" val="3525150167"/>
-      </p:ext>
-    </p:extLst>
-  </p:cSld>
-  <p:clrMapOvr>
-    <a:masterClrMapping/>
-  </p:clrMapOvr>
-  <p:timing>
-    <p:tnLst>
-      <p:par>
-        <p:cTn id="1" dur="indefinite" restart="never" nodeType="tmRoot"/>
+        <p:cTn xmlns:p14="http://schemas.microsoft.com/office/powerpoint/2010/main" id="1" dur="indefinite" restart="never" nodeType="tmRoot"/>
       </p:par>
     </p:tnLst>
   </p:timing>
